--- a/Assets/Prefab System/PPT Data/Prefab System Example.pptx
+++ b/Assets/Prefab System/PPT Data/Prefab System Example.pptx
@@ -2,7 +2,7 @@
 <file path=ppt/presentation.xml><?xml version="1.0" encoding="utf-8"?>
 <p:presentation xmlns:a="http://schemas.openxmlformats.org/drawingml/2006/main" xmlns:r="http://schemas.openxmlformats.org/officeDocument/2006/relationships" xmlns:p="http://schemas.openxmlformats.org/presentationml/2006/main" xmlns:p14="http://schemas.microsoft.com/office/powerpoint/2010/main" saveSubsetFonts="1" firstSlideNum="0">
   <p:sldMasterIdLst>
-    <p:sldMasterId id="2147485567" r:id="rId12"/>
+    <p:sldMasterId id="2147485571" r:id="rId12"/>
   </p:sldMasterIdLst>
   <p:notesMasterIdLst>
     <p:notesMasterId r:id="rId14"/>
@@ -5604,7 +5604,7 @@
         <p:spPr>
           <a:xfrm rot="0">
             <a:off x="6795135" y="3225165"/>
-            <a:ext cx="4152900" cy="677545"/>
+            <a:ext cx="4153535" cy="678180"/>
           </a:xfrm>
           <a:prstGeom prst="rect"/>
           <a:noFill/>
@@ -5648,35 +5648,7 @@
                 <a:latin typeface="맑은 고딕" charset="0"/>
                 <a:ea typeface="맑은 고딕" charset="0"/>
               </a:rPr>
-              <a:t> 이제 P</a:t>
-            </a:r>
-            <a:r>
-              <a:rPr lang="ko-KR" sz="1800">
-                <a:latin typeface="맑은 고딕" charset="0"/>
-                <a:ea typeface="맑은 고딕" charset="0"/>
-              </a:rPr>
-              <a:t>r</a:t>
-            </a:r>
-            <a:r>
-              <a:rPr lang="ko-KR" sz="1800">
-                <a:latin typeface="맑은 고딕" charset="0"/>
-                <a:ea typeface="맑은 고딕" charset="0"/>
-              </a:rPr>
-              <a:t>efab Object</a:t>
-            </a:r>
-            <a:r>
-              <a:rPr lang="ko-KR" sz="1800">
-                <a:latin typeface="맑은 고딕" charset="0"/>
-                <a:ea typeface="맑은 고딕" charset="0"/>
-              </a:rPr>
-              <a:t>의 </a:t>
-            </a:r>
-            <a:r>
-              <a:rPr lang="ko-KR" sz="1800">
-                <a:latin typeface="맑은 고딕" charset="0"/>
-                <a:ea typeface="맑은 고딕" charset="0"/>
-              </a:rPr>
-              <a:t>위치와 회전 값을 초기화합니다.</a:t>
+              <a:t> 이제 Prefab Object의 위치와 회전 값을 초기화합니다.</a:t>
             </a:r>
             <a:endParaRPr lang="ko-KR" altLang="en-US" sz="1800">
               <a:latin typeface="맑은 고딕" charset="0"/>
@@ -5749,7 +5721,7 @@
       </p:pic>
       <p:pic>
         <p:nvPicPr>
-          <p:cNvPr id="45" name="그림 12" descr="C:/Users/nwond/AppData/Roaming/PolarisOffice/ETemp/2436_20910960/fImage5904656334.png"/>
+          <p:cNvPr id="45" name="그림 12"/>
           <p:cNvPicPr>
             <a:picLocks noChangeAspect="1"/>
           </p:cNvPicPr>
@@ -5780,7 +5752,7 @@
       </p:pic>
       <p:pic>
         <p:nvPicPr>
-          <p:cNvPr id="46" name="그림 15" descr="C:/Users/nwond/AppData/Roaming/PolarisOffice/ETemp/2436_20910960/fImage6051666500.png"/>
+          <p:cNvPr id="46" name="그림 15"/>
           <p:cNvPicPr>
             <a:picLocks noChangeAspect="1"/>
           </p:cNvPicPr>
@@ -5811,7 +5783,7 @@
       </p:pic>
       <p:pic>
         <p:nvPicPr>
-          <p:cNvPr id="47" name="그림 18" descr="C:/Users/nwond/AppData/Roaming/PolarisOffice/ETemp/2436_20910960/fImage224217679169.png"/>
+          <p:cNvPr id="47" name="그림 18"/>
           <p:cNvPicPr>
             <a:picLocks noChangeAspect="1"/>
           </p:cNvPicPr>
@@ -5840,7 +5812,7 @@
       </p:pic>
       <p:pic>
         <p:nvPicPr>
-          <p:cNvPr id="48" name="그림 1" descr="C:/Users/nwond/AppData/Roaming/PolarisOffice/ETemp/2436_20910960/fImage126305041.png"/>
+          <p:cNvPr id="48" name="그림 1"/>
           <p:cNvPicPr>
             <a:picLocks noChangeAspect="1"/>
           </p:cNvPicPr>
@@ -6487,8 +6459,8 @@
         </p:nvSpPr>
         <p:spPr>
           <a:xfrm rot="0">
-            <a:off x="4832350" y="443865"/>
-            <a:ext cx="2517140" cy="478155"/>
+            <a:off x="4648200" y="462280"/>
+            <a:ext cx="2894330" cy="478155"/>
           </a:xfrm>
           <a:prstGeom prst="rect"/>
           <a:noFill/>
@@ -6498,7 +6470,7 @@
           </a:ln>
         </p:spPr>
         <p:txBody>
-          <a:bodyPr wrap="square" lIns="89535" tIns="46355" rIns="89535" bIns="46355" vert="horz" anchor="t">
+          <a:bodyPr wrap="square" lIns="89535" tIns="46355" rIns="89535" bIns="46355" numCol="1" vert="horz" anchor="t">
             <a:spAutoFit/>
           </a:bodyPr>
           <a:lstStyle/>
@@ -6742,7 +6714,7 @@
       </p:sp>
       <p:pic>
         <p:nvPicPr>
-          <p:cNvPr id="6" name="그림 5" descr="C:/Users/nwond/AppData/Roaming/PolarisOffice/ETemp/2436_20910960/fImage50409605724.png"/>
+          <p:cNvPr id="6" name="그림 5"/>
           <p:cNvPicPr>
             <a:picLocks noChangeAspect="1"/>
           </p:cNvPicPr>
@@ -6928,7 +6900,7 @@
       </p:sp>
       <p:pic>
         <p:nvPicPr>
-          <p:cNvPr id="8" name="그림 20" descr="C:/Users/nwond/AppData/Roaming/PolarisOffice/ETemp/2436_20910960/fImage8289635724.png"/>
+          <p:cNvPr id="8" name="그림 20"/>
           <p:cNvPicPr>
             <a:picLocks noChangeAspect="1"/>
           </p:cNvPicPr>
@@ -6959,7 +6931,7 @@
       </p:pic>
       <p:pic>
         <p:nvPicPr>
-          <p:cNvPr id="11" name="그림 27" descr="C:/Users/nwond/AppData/Roaming/PolarisOffice/ETemp/2436_20910960/fImage26771541478.png"/>
+          <p:cNvPr id="11" name="그림 27"/>
           <p:cNvPicPr>
             <a:picLocks noChangeAspect="1"/>
           </p:cNvPicPr>
@@ -6990,7 +6962,7 @@
       </p:pic>
       <p:pic>
         <p:nvPicPr>
-          <p:cNvPr id="10" name="그림 22" descr="C:/Users/nwond/AppData/Roaming/PolarisOffice/ETemp/2436_20910960/fImage224217659358.png"/>
+          <p:cNvPr id="10" name="그림 22"/>
           <p:cNvPicPr>
             <a:picLocks noChangeAspect="1"/>
           </p:cNvPicPr>
@@ -7041,7 +7013,7 @@
 </file>
 
 <file path=ppt/slides/slide4.xml><?xml version="1.0" encoding="utf-8"?>
-<p:sld xmlns:a="http://schemas.openxmlformats.org/drawingml/2006/main" xmlns:r="http://schemas.openxmlformats.org/officeDocument/2006/relationships" xmlns:p="http://schemas.openxmlformats.org/presentationml/2006/main">
+<p:sld xmlns:a="http://schemas.openxmlformats.org/drawingml/2006/main" xmlns:r="http://schemas.openxmlformats.org/officeDocument/2006/relationships" xmlns:p="http://schemas.openxmlformats.org/presentationml/2006/main" xmlns:p14="http://schemas.microsoft.com/office/powerpoint/2010/main">
   <p:cSld>
     <p:spTree>
       <p:nvGrpSpPr>
@@ -7067,8 +7039,8 @@
         </p:nvSpPr>
         <p:spPr>
           <a:xfrm rot="0">
-            <a:off x="4832350" y="443865"/>
-            <a:ext cx="2517775" cy="478155"/>
+            <a:off x="4567555" y="456565"/>
+            <a:ext cx="3056255" cy="478155"/>
           </a:xfrm>
           <a:prstGeom prst="rect"/>
           <a:noFill/>
@@ -7095,27 +7067,7 @@
                 <a:latin typeface="나눔바른고딕" charset="0"/>
                 <a:ea typeface="나눔바른고딕" charset="0"/>
               </a:rPr>
-              <a:t>네</a:t>
-            </a:r>
-            <a:r>
-              <a:rPr sz="2500" b="1">
-                <a:solidFill>
-                  <a:schemeClr val="tx1"/>
-                </a:solidFill>
-                <a:latin typeface="나눔바른고딕" charset="0"/>
-                <a:ea typeface="나눔바른고딕" charset="0"/>
-              </a:rPr>
-              <a:t> </a:t>
-            </a:r>
-            <a:r>
-              <a:rPr sz="2500" b="1">
-                <a:solidFill>
-                  <a:schemeClr val="tx1"/>
-                </a:solidFill>
-                <a:latin typeface="나눔바른고딕" charset="0"/>
-                <a:ea typeface="나눔바른고딕" charset="0"/>
-              </a:rPr>
-              <a:t>번째 </a:t>
+              <a:t>네 번째 </a:t>
             </a:r>
             <a:r>
               <a:rPr lang="ko-KR" sz="2500" b="1">
@@ -7386,7 +7338,7 @@
       </p:sp>
       <p:pic>
         <p:nvPicPr>
-          <p:cNvPr id="12" name="그림 28" descr="C:/Users/nwond/AppData/Roaming/PolarisOffice/ETemp/2436_20910960/fImage333361636962.png"/>
+          <p:cNvPr id="12" name="그림 28"/>
           <p:cNvPicPr>
             <a:picLocks noChangeAspect="1"/>
           </p:cNvPicPr>
@@ -7417,7 +7369,7 @@
       </p:pic>
       <p:pic>
         <p:nvPicPr>
-          <p:cNvPr id="13" name="그림 31" descr="C:/Users/nwond/AppData/Roaming/PolarisOffice/ETemp/2436_20910960/fImage125741644464.png"/>
+          <p:cNvPr id="13" name="그림 31"/>
           <p:cNvPicPr>
             <a:picLocks noChangeAspect="1"/>
           </p:cNvPicPr>
@@ -7540,7 +7492,7 @@
       </p:sp>
       <p:pic>
         <p:nvPicPr>
-          <p:cNvPr id="15" name="그림 35" descr="C:/Users/nwond/AppData/Roaming/PolarisOffice/ETemp/2436_20910960/fImage51331665705.png"/>
+          <p:cNvPr id="15" name="그림 35"/>
           <p:cNvPicPr>
             <a:picLocks noChangeAspect="1"/>
           </p:cNvPicPr>
@@ -8322,7 +8274,7 @@
 </file>
 
 <file path=ppt/slides/slide6.xml><?xml version="1.0" encoding="utf-8"?>
-<p:sld xmlns:a="http://schemas.openxmlformats.org/drawingml/2006/main" xmlns:r="http://schemas.openxmlformats.org/officeDocument/2006/relationships" xmlns:p="http://schemas.openxmlformats.org/presentationml/2006/main">
+<p:sld xmlns:a="http://schemas.openxmlformats.org/drawingml/2006/main" xmlns:r="http://schemas.openxmlformats.org/officeDocument/2006/relationships" xmlns:p="http://schemas.openxmlformats.org/presentationml/2006/main" xmlns:p14="http://schemas.microsoft.com/office/powerpoint/2010/main">
   <p:cSld>
     <p:spTree>
       <p:nvGrpSpPr>
@@ -8428,8 +8380,8 @@
         </p:nvSpPr>
         <p:spPr>
           <a:xfrm rot="0">
-            <a:off x="1247775" y="2658745"/>
-            <a:ext cx="4133850" cy="647065"/>
+            <a:off x="1247775" y="2916555"/>
+            <a:ext cx="4135120" cy="648335"/>
           </a:xfrm>
           <a:prstGeom prst="rect"/>
           <a:noFill/>
@@ -8480,84 +8432,7 @@
                 <a:latin typeface="맑은 고딕" charset="0"/>
                 <a:ea typeface="맑은 고딕" charset="0"/>
               </a:rPr>
-              <a:t>그다음으로 Aw</a:t>
-            </a:r>
-            <a:r>
-              <a:rPr lang="ko-KR" sz="1800">
-                <a:latin typeface="맑은 고딕" charset="0"/>
-                <a:ea typeface="맑은 고딕" charset="0"/>
-              </a:rPr>
-              <a:t>ake(</a:t>
-            </a:r>
-            <a:r>
-              <a:rPr lang="ko-KR" sz="1800">
-                <a:latin typeface="맑은 고딕" charset="0"/>
-                <a:ea typeface="맑은 고딕" charset="0"/>
-              </a:rPr>
-              <a:t> </a:t>
-            </a:r>
-            <a:r>
-              <a:rPr lang="ko-KR" sz="1800">
-                <a:latin typeface="맑은 고딕" charset="0"/>
-                <a:ea typeface="맑은 고딕" charset="0"/>
-              </a:rPr>
-              <a:t>)</a:t>
-            </a:r>
-            <a:r>
-              <a:rPr lang="ko-KR" sz="1800">
-                <a:latin typeface="맑은 고딕" charset="0"/>
-                <a:ea typeface="맑은 고딕" charset="0"/>
-              </a:rPr>
-              <a:t> 함수에서 S</a:t>
-            </a:r>
-            <a:r>
-              <a:rPr lang="ko-KR" sz="1800">
-                <a:latin typeface="맑은 고딕" charset="0"/>
-                <a:ea typeface="맑은 고딕" charset="0"/>
-              </a:rPr>
-              <a:t>etM</a:t>
-            </a:r>
-            <a:r>
-              <a:rPr lang="ko-KR" sz="1800">
-                <a:latin typeface="맑은 고딕" charset="0"/>
-                <a:ea typeface="맑은 고딕" charset="0"/>
-              </a:rPr>
-              <a:t>o</a:t>
-            </a:r>
-            <a:r>
-              <a:rPr lang="ko-KR" sz="1800">
-                <a:latin typeface="맑은 고딕" charset="0"/>
-                <a:ea typeface="맑은 고딕" charset="0"/>
-              </a:rPr>
-              <a:t>use(</a:t>
-            </a:r>
-            <a:r>
-              <a:rPr lang="ko-KR" sz="1800">
-                <a:latin typeface="맑은 고딕" charset="0"/>
-                <a:ea typeface="맑은 고딕" charset="0"/>
-              </a:rPr>
-              <a:t>s</a:t>
-            </a:r>
-            <a:r>
-              <a:rPr lang="ko-KR" sz="1800">
-                <a:latin typeface="맑은 고딕" charset="0"/>
-                <a:ea typeface="맑은 고딕" charset="0"/>
-              </a:rPr>
-              <a:t>tring)</a:t>
-            </a:r>
-            <a:r>
-              <a:rPr lang="ko-KR" sz="1800">
-                <a:latin typeface="맑은 고딕" charset="0"/>
-                <a:ea typeface="맑은 고딕" charset="0"/>
-              </a:rPr>
-              <a:t> 함수를 </a:t>
-            </a:r>
-            <a:r>
-              <a:rPr lang="ko-KR" sz="1800">
-                <a:latin typeface="맑은 고딕" charset="0"/>
-                <a:ea typeface="맑은 고딕" charset="0"/>
-              </a:rPr>
-              <a:t>호출합니다.</a:t>
+              <a:t>그다음으로 Awake( ) 함수에서 SetMouse(string) 함수를 호출합니다.</a:t>
             </a:r>
             <a:endParaRPr lang="ko-KR" altLang="en-US" sz="1800">
               <a:latin typeface="맑은 고딕" charset="0"/>
@@ -8576,8 +8451,8 @@
         </p:nvSpPr>
         <p:spPr>
           <a:xfrm rot="0">
-            <a:off x="6863715" y="5537200"/>
-            <a:ext cx="4140200" cy="647065"/>
+            <a:off x="6863715" y="3166745"/>
+            <a:ext cx="4104005" cy="647700"/>
           </a:xfrm>
           <a:prstGeom prst="rect"/>
           <a:noFill/>
@@ -8587,7 +8462,7 @@
           </a:ln>
         </p:spPr>
         <p:txBody>
-          <a:bodyPr wrap="square" lIns="89535" tIns="46355" rIns="89535" bIns="46355" vert="horz" anchor="t">
+          <a:bodyPr wrap="square" lIns="89535" tIns="46355" rIns="89535" bIns="46355" numCol="1" vert="horz" anchor="t">
             <a:spAutoFit/>
           </a:bodyPr>
           <a:lstStyle/>
@@ -8604,17 +8479,7 @@
                 <a:latin typeface="맑은 고딕" charset="0"/>
                 <a:ea typeface="맑은 고딕" charset="0"/>
               </a:rPr>
-              <a:t>1</a:t>
-            </a:r>
-            <a:r>
-              <a:rPr lang="ko-KR" sz="1800" b="1">
-                <a:solidFill>
-                  <a:srgbClr val="0611F2"/>
-                </a:solidFill>
-                <a:latin typeface="맑은 고딕" charset="0"/>
-                <a:ea typeface="맑은 고딕" charset="0"/>
-              </a:rPr>
-              <a:t>2</a:t>
+              <a:t>15</a:t>
             </a:r>
             <a:r>
               <a:rPr sz="1800" b="1">
@@ -8631,112 +8496,14 @@
                 <a:latin typeface="맑은 고딕" charset="0"/>
                 <a:ea typeface="맑은 고딕" charset="0"/>
               </a:rPr>
-              <a:t> </a:t>
-            </a:r>
-            <a:r>
-              <a:rPr sz="1800">
-                <a:latin typeface="맑은 고딕" charset="0"/>
-                <a:ea typeface="맑은 고딕" charset="0"/>
-              </a:rPr>
-              <a:t>그</a:t>
-            </a:r>
-            <a:r>
-              <a:rPr lang="ko-KR" sz="1800">
-                <a:latin typeface="맑은 고딕" charset="0"/>
-                <a:ea typeface="맑은 고딕" charset="0"/>
-              </a:rPr>
-              <a:t>런 </a:t>
-            </a:r>
-            <a:r>
-              <a:rPr lang="ko-KR" sz="1800">
-                <a:latin typeface="맑은 고딕" charset="0"/>
-                <a:ea typeface="맑은 고딕" charset="0"/>
-              </a:rPr>
-              <a:t>다음</a:t>
-            </a:r>
-            <a:r>
-              <a:rPr lang="ko-KR" sz="1800">
-                <a:latin typeface="맑은 고딕" charset="0"/>
-                <a:ea typeface="맑은 고딕" charset="0"/>
-              </a:rPr>
-              <a:t> Aw</a:t>
-            </a:r>
-            <a:r>
-              <a:rPr lang="ko-KR" sz="1800">
-                <a:latin typeface="맑은 고딕" charset="0"/>
-                <a:ea typeface="맑은 고딕" charset="0"/>
-              </a:rPr>
-              <a:t>ake(</a:t>
-            </a:r>
-            <a:r>
-              <a:rPr lang="ko-KR" sz="1800">
-                <a:latin typeface="맑은 고딕" charset="0"/>
-                <a:ea typeface="맑은 고딕" charset="0"/>
-              </a:rPr>
-              <a:t> </a:t>
-            </a:r>
-            <a:r>
-              <a:rPr lang="ko-KR" sz="1800">
-                <a:latin typeface="맑은 고딕" charset="0"/>
-                <a:ea typeface="맑은 고딕" charset="0"/>
-              </a:rPr>
-              <a:t>)</a:t>
-            </a:r>
-            <a:r>
-              <a:rPr lang="ko-KR" sz="1800">
-                <a:latin typeface="맑은 고딕" charset="0"/>
-                <a:ea typeface="맑은 고딕" charset="0"/>
-              </a:rPr>
-              <a:t> 함수에서 S</a:t>
-            </a:r>
-            <a:r>
-              <a:rPr lang="ko-KR" sz="1800">
-                <a:latin typeface="맑은 고딕" charset="0"/>
-                <a:ea typeface="맑은 고딕" charset="0"/>
-              </a:rPr>
-              <a:t>etM</a:t>
-            </a:r>
-            <a:r>
-              <a:rPr lang="ko-KR" sz="1800">
-                <a:latin typeface="맑은 고딕" charset="0"/>
-                <a:ea typeface="맑은 고딕" charset="0"/>
-              </a:rPr>
-              <a:t>o</a:t>
-            </a:r>
-            <a:r>
-              <a:rPr lang="ko-KR" sz="1800">
-                <a:latin typeface="맑은 고딕" charset="0"/>
-                <a:ea typeface="맑은 고딕" charset="0"/>
-              </a:rPr>
-              <a:t>use(</a:t>
-            </a:r>
-            <a:r>
-              <a:rPr lang="ko-KR" sz="1800">
-                <a:latin typeface="맑은 고딕" charset="0"/>
-                <a:ea typeface="맑은 고딕" charset="0"/>
-              </a:rPr>
-              <a:t>s</a:t>
-            </a:r>
-            <a:r>
-              <a:rPr lang="ko-KR" sz="1800">
-                <a:latin typeface="맑은 고딕" charset="0"/>
-                <a:ea typeface="맑은 고딕" charset="0"/>
-              </a:rPr>
-              <a:t>tring)</a:t>
-            </a:r>
-            <a:r>
-              <a:rPr lang="ko-KR" sz="1800">
-                <a:latin typeface="맑은 고딕" charset="0"/>
-                <a:ea typeface="맑은 고딕" charset="0"/>
-              </a:rPr>
-              <a:t> 함수를 </a:t>
-            </a:r>
-            <a:r>
-              <a:rPr lang="ko-KR" sz="1800">
-                <a:latin typeface="맑은 고딕" charset="0"/>
-                <a:ea typeface="맑은 고딕" charset="0"/>
-              </a:rPr>
-              <a:t>호출합니다.</a:t>
+              <a:t> 이제</a:t>
+            </a:r>
+            <a:r>
+              <a:rPr lang="ko-KR" sz="1800">
+                <a:latin typeface="맑은 고딕" charset="0"/>
+                <a:ea typeface="맑은 고딕" charset="0"/>
+              </a:rPr>
+              <a:t> OnMouseExit( ) 함수에서 SetMouse(string) 함수를 호출합니다.</a:t>
             </a:r>
             <a:endParaRPr lang="ko-KR" altLang="en-US" sz="1800">
               <a:latin typeface="맑은 고딕" charset="0"/>
@@ -8747,14 +8514,45 @@
       </p:sp>
       <p:pic>
         <p:nvPicPr>
-          <p:cNvPr id="19" name="Picture " descr="C:/Users/nwond/AppData/Roaming/PolarisOffice/ETemp/2436_20910960/fImage199571899961.png"/>
+          <p:cNvPr id="19" name="Picture "/>
           <p:cNvPicPr>
             <a:picLocks noChangeAspect="1"/>
           </p:cNvPicPr>
           <p:nvPr/>
         </p:nvPicPr>
         <p:blipFill rotWithShape="1">
-          <a:blip r:embed="rId2" cstate="print">
+          <a:blip r:embed="rId2" cstate="hqprint">
+            <a:extLst>
+              <a:ext uri="{28A0092B-C50C-407E-A947-70E740481C1C}">
+                <a14:useLocalDpi xmlns:a14="http://schemas.microsoft.com/office/drawing/2010/main"/>
+              </a:ext>
+            </a:extLst>
+          </a:blip>
+          <a:stretch>
+            <a:fillRect/>
+          </a:stretch>
+        </p:blipFill>
+        <p:spPr>
+          <a:xfrm rot="0">
+            <a:off x="1247775" y="1446530"/>
+            <a:ext cx="4134485" cy="1334770"/>
+          </a:xfrm>
+          <a:prstGeom prst="roundRect"/>
+          <a:solidFill>
+            <a:srgbClr val="EDEDED"/>
+          </a:solidFill>
+        </p:spPr>
+      </p:pic>
+      <p:pic>
+        <p:nvPicPr>
+          <p:cNvPr id="20" name="그림 1"/>
+          <p:cNvPicPr>
+            <a:picLocks noChangeAspect="1"/>
+          </p:cNvPicPr>
+          <p:nvPr/>
+        </p:nvPicPr>
+        <p:blipFill rotWithShape="1">
+          <a:blip r:embed="rId3" cstate="print">
             <a:extLst>
               <a:ext uri="{28A0092B-C50C-407E-A947-70E740481C1C}">
                 <a14:useLocalDpi xmlns:a14="http://schemas.microsoft.com/office/drawing/2010/main" val="0"/>
@@ -8767,8 +8565,8 @@
         </p:blipFill>
         <p:spPr>
           <a:xfrm rot="0">
-            <a:off x="1247775" y="1446530"/>
-            <a:ext cx="4133850" cy="1117600"/>
+            <a:off x="1246505" y="3680460"/>
+            <a:ext cx="4134485" cy="1472565"/>
           </a:xfrm>
           <a:prstGeom prst="roundRect"/>
           <a:solidFill>
@@ -8776,6 +8574,345 @@
           </a:solidFill>
         </p:spPr>
       </p:pic>
+      <p:sp>
+        <p:nvSpPr>
+          <p:cNvPr id="21" name="텍스트 상자 4"/>
+          <p:cNvSpPr txBox="1">
+            <a:spLocks/>
+          </p:cNvSpPr>
+          <p:nvPr/>
+        </p:nvSpPr>
+        <p:spPr>
+          <a:xfrm rot="0">
+            <a:off x="1244600" y="5255260"/>
+            <a:ext cx="4140835" cy="923925"/>
+          </a:xfrm>
+          <a:prstGeom prst="rect"/>
+          <a:noFill/>
+          <a:ln w="0">
+            <a:noFill/>
+            <a:prstDash/>
+          </a:ln>
+        </p:spPr>
+        <p:txBody>
+          <a:bodyPr wrap="square" lIns="89535" tIns="46355" rIns="89535" bIns="46355" numCol="1" vert="horz" anchor="t">
+            <a:spAutoFit/>
+          </a:bodyPr>
+          <a:lstStyle/>
+          <a:p>
+            <a:pPr marL="0" indent="0" rtl="0" algn="l" defTabSz="914400" eaLnBrk="1" latinLnBrk="0" hangingPunct="1">
+              <a:buFontTx/>
+              <a:buNone/>
+            </a:pPr>
+            <a:r>
+              <a:rPr lang="ko-KR" sz="1800" b="1">
+                <a:solidFill>
+                  <a:srgbClr val="0611F2"/>
+                </a:solidFill>
+                <a:latin typeface="맑은 고딕" charset="0"/>
+                <a:ea typeface="맑은 고딕" charset="0"/>
+              </a:rPr>
+              <a:t>1</a:t>
+            </a:r>
+            <a:r>
+              <a:rPr lang="ko-KR" sz="1800" b="1">
+                <a:solidFill>
+                  <a:srgbClr val="0611F2"/>
+                </a:solidFill>
+                <a:latin typeface="맑은 고딕" charset="0"/>
+                <a:ea typeface="맑은 고딕" charset="0"/>
+              </a:rPr>
+              <a:t>4</a:t>
+            </a:r>
+            <a:r>
+              <a:rPr lang="ko-KR" sz="1800" b="1">
+                <a:solidFill>
+                  <a:srgbClr val="0611F2"/>
+                </a:solidFill>
+                <a:latin typeface="맑은 고딕" charset="0"/>
+                <a:ea typeface="맑은 고딕" charset="0"/>
+              </a:rPr>
+              <a:t>.</a:t>
+            </a:r>
+            <a:r>
+              <a:rPr sz="1800">
+                <a:latin typeface="맑은 고딕" charset="0"/>
+                <a:ea typeface="맑은 고딕" charset="0"/>
+              </a:rPr>
+              <a:t> 그</a:t>
+            </a:r>
+            <a:r>
+              <a:rPr lang="ko-KR" sz="1800">
+                <a:latin typeface="맑은 고딕" charset="0"/>
+                <a:ea typeface="맑은 고딕" charset="0"/>
+              </a:rPr>
+              <a:t>러고 </a:t>
+            </a:r>
+            <a:r>
+              <a:rPr lang="ko-KR" sz="1800">
+                <a:latin typeface="맑은 고딕" charset="0"/>
+                <a:ea typeface="맑은 고딕" charset="0"/>
+              </a:rPr>
+              <a:t>나서</a:t>
+            </a:r>
+            <a:r>
+              <a:rPr lang="ko-KR" sz="1800">
+                <a:latin typeface="맑은 고딕" charset="0"/>
+                <a:ea typeface="맑은 고딕" charset="0"/>
+              </a:rPr>
+              <a:t> </a:t>
+            </a:r>
+            <a:r>
+              <a:rPr lang="ko-KR" sz="1800">
+                <a:latin typeface="맑은 고딕" charset="0"/>
+                <a:ea typeface="맑은 고딕" charset="0"/>
+              </a:rPr>
+              <a:t>O</a:t>
+            </a:r>
+            <a:r>
+              <a:rPr lang="ko-KR" sz="1800">
+                <a:latin typeface="맑은 고딕" charset="0"/>
+                <a:ea typeface="맑은 고딕" charset="0"/>
+              </a:rPr>
+              <a:t>nMouser</a:t>
+            </a:r>
+            <a:r>
+              <a:rPr lang="ko-KR" sz="1800">
+                <a:latin typeface="맑은 고딕" charset="0"/>
+                <a:ea typeface="맑은 고딕" charset="0"/>
+              </a:rPr>
+              <a:t>E</a:t>
+            </a:r>
+            <a:r>
+              <a:rPr lang="ko-KR" sz="1800">
+                <a:latin typeface="맑은 고딕" charset="0"/>
+                <a:ea typeface="맑은 고딕" charset="0"/>
+              </a:rPr>
+              <a:t>nter</a:t>
+            </a:r>
+            <a:r>
+              <a:rPr lang="ko-KR" sz="1800">
+                <a:latin typeface="맑은 고딕" charset="0"/>
+                <a:ea typeface="맑은 고딕" charset="0"/>
+              </a:rPr>
+              <a:t>( ) 함수에서 SetMouse(string) 함수를 호출합니다.</a:t>
+            </a:r>
+            <a:endParaRPr lang="ko-KR" altLang="en-US" sz="1800">
+              <a:latin typeface="맑은 고딕" charset="0"/>
+              <a:ea typeface="맑은 고딕" charset="0"/>
+            </a:endParaRPr>
+          </a:p>
+        </p:txBody>
+      </p:sp>
+      <p:pic>
+        <p:nvPicPr>
+          <p:cNvPr id="22" name="그림 5" descr="C:/Users/nwond/AppData/Roaming/PolarisOffice/ETemp/17660_9042720/fImage30293788467.png"/>
+          <p:cNvPicPr>
+            <a:picLocks noChangeAspect="1"/>
+          </p:cNvPicPr>
+          <p:nvPr/>
+        </p:nvPicPr>
+        <p:blipFill rotWithShape="1">
+          <a:blip r:embed="rId4" cstate="hqprint">
+            <a:extLst>
+              <a:ext uri="{28A0092B-C50C-407E-A947-70E740481C1C}">
+                <a14:useLocalDpi xmlns:a14="http://schemas.microsoft.com/office/drawing/2010/main"/>
+              </a:ext>
+            </a:extLst>
+          </a:blip>
+          <a:stretch>
+            <a:fillRect/>
+          </a:stretch>
+        </p:blipFill>
+        <p:spPr>
+          <a:xfrm rot="0">
+            <a:off x="6861810" y="1446530"/>
+            <a:ext cx="4099560" cy="1614170"/>
+          </a:xfrm>
+          <a:prstGeom prst="roundRect"/>
+          <a:solidFill>
+            <a:srgbClr val="EDEDED"/>
+          </a:solidFill>
+        </p:spPr>
+      </p:pic>
+      <p:pic>
+        <p:nvPicPr>
+          <p:cNvPr id="23" name="그림 1" descr="C:/Users/nwond/AppData/Roaming/PolarisOffice/ETemp/17660_9042720/fImage46367941.png"/>
+          <p:cNvPicPr>
+            <a:picLocks noChangeAspect="1"/>
+          </p:cNvPicPr>
+          <p:nvPr/>
+        </p:nvPicPr>
+        <p:blipFill rotWithShape="1">
+          <a:blip r:embed="rId5" cstate="hqprint">
+            <a:extLst>
+              <a:ext uri="{28A0092B-C50C-407E-A947-70E740481C1C}">
+                <a14:useLocalDpi xmlns:a14="http://schemas.microsoft.com/office/drawing/2010/main"/>
+              </a:ext>
+            </a:extLst>
+          </a:blip>
+          <a:stretch>
+            <a:fillRect/>
+          </a:stretch>
+        </p:blipFill>
+        <p:spPr>
+          <a:xfrm rot="0">
+            <a:off x="8812530" y="3978910"/>
+            <a:ext cx="2153920" cy="1397000"/>
+          </a:xfrm>
+          <a:prstGeom prst="roundRect"/>
+          <a:solidFill>
+            <a:srgbClr val="EDEDED"/>
+          </a:solidFill>
+        </p:spPr>
+      </p:pic>
+      <p:pic>
+        <p:nvPicPr>
+          <p:cNvPr id="24" name="그림 2" descr="C:/Users/nwond/AppData/Roaming/PolarisOffice/ETemp/17660_9042720/fImage6818808467.png"/>
+          <p:cNvPicPr>
+            <a:picLocks noChangeAspect="1"/>
+          </p:cNvPicPr>
+          <p:nvPr/>
+        </p:nvPicPr>
+        <p:blipFill rotWithShape="1">
+          <a:blip r:embed="rId6" cstate="print">
+            <a:extLst>
+              <a:ext uri="{28A0092B-C50C-407E-A947-70E740481C1C}">
+                <a14:useLocalDpi xmlns:a14="http://schemas.microsoft.com/office/drawing/2010/main" val="0"/>
+              </a:ext>
+            </a:extLst>
+          </a:blip>
+          <a:stretch>
+            <a:fillRect/>
+          </a:stretch>
+        </p:blipFill>
+        <p:spPr>
+          <a:xfrm rot="0">
+            <a:off x="6855460" y="3978910"/>
+            <a:ext cx="1814830" cy="1395095"/>
+          </a:xfrm>
+          <a:prstGeom prst="roundRect"/>
+          <a:solidFill>
+            <a:srgbClr val="EDEDED"/>
+          </a:solidFill>
+        </p:spPr>
+      </p:pic>
+      <p:sp>
+        <p:nvSpPr>
+          <p:cNvPr id="25" name="텍스트 상자 5"/>
+          <p:cNvSpPr txBox="1">
+            <a:spLocks/>
+          </p:cNvSpPr>
+          <p:nvPr/>
+        </p:nvSpPr>
+        <p:spPr>
+          <a:xfrm rot="0">
+            <a:off x="6861175" y="5528310"/>
+            <a:ext cx="4104005" cy="647065"/>
+          </a:xfrm>
+          <a:prstGeom prst="rect"/>
+          <a:noFill/>
+          <a:ln w="0">
+            <a:noFill/>
+            <a:prstDash/>
+          </a:ln>
+        </p:spPr>
+        <p:txBody>
+          <a:bodyPr wrap="square" lIns="89535" tIns="46355" rIns="89535" bIns="46355" numCol="1" vert="horz" anchor="t">
+            <a:spAutoFit/>
+          </a:bodyPr>
+          <a:lstStyle/>
+          <a:p>
+            <a:pPr marL="0" indent="0" rtl="0" algn="l" defTabSz="914400" eaLnBrk="1" latinLnBrk="0" hangingPunct="1">
+              <a:buFontTx/>
+              <a:buNone/>
+            </a:pPr>
+            <a:r>
+              <a:rPr lang="ko-KR" sz="1800" b="1">
+                <a:solidFill>
+                  <a:srgbClr val="0611F2"/>
+                </a:solidFill>
+                <a:latin typeface="맑은 고딕" charset="0"/>
+                <a:ea typeface="맑은 고딕" charset="0"/>
+              </a:rPr>
+              <a:t>1</a:t>
+            </a:r>
+            <a:r>
+              <a:rPr lang="ko-KR" sz="1800" b="1">
+                <a:solidFill>
+                  <a:srgbClr val="0611F2"/>
+                </a:solidFill>
+                <a:latin typeface="맑은 고딕" charset="0"/>
+                <a:ea typeface="맑은 고딕" charset="0"/>
+              </a:rPr>
+              <a:t>6</a:t>
+            </a:r>
+            <a:r>
+              <a:rPr sz="1800" b="1">
+                <a:solidFill>
+                  <a:srgbClr val="0611F2"/>
+                </a:solidFill>
+                <a:latin typeface="맑은 고딕" charset="0"/>
+                <a:ea typeface="맑은 고딕" charset="0"/>
+              </a:rPr>
+              <a:t>.</a:t>
+            </a:r>
+            <a:r>
+              <a:rPr sz="1800">
+                <a:latin typeface="맑은 고딕" charset="0"/>
+                <a:ea typeface="맑은 고딕" charset="0"/>
+              </a:rPr>
+              <a:t> </a:t>
+            </a:r>
+            <a:r>
+              <a:rPr lang="ko-KR" sz="1800">
+                <a:latin typeface="맑은 고딕" charset="0"/>
+                <a:ea typeface="맑은 고딕" charset="0"/>
+              </a:rPr>
+              <a:t>그리고 </a:t>
+            </a:r>
+            <a:r>
+              <a:rPr lang="ko-KR" sz="1800">
+                <a:latin typeface="맑은 고딕" charset="0"/>
+                <a:ea typeface="맑은 고딕" charset="0"/>
+              </a:rPr>
+              <a:t>월드 </a:t>
+            </a:r>
+            <a:r>
+              <a:rPr lang="ko-KR" sz="1800">
+                <a:latin typeface="맑은 고딕" charset="0"/>
+                <a:ea typeface="맑은 고딕" charset="0"/>
+              </a:rPr>
+              <a:t>공간에 </a:t>
+            </a:r>
+            <a:r>
+              <a:rPr lang="ko-KR" sz="1800">
+                <a:latin typeface="맑은 고딕" charset="0"/>
+                <a:ea typeface="맑은 고딕" charset="0"/>
+              </a:rPr>
+              <a:t>있는 Prefab Object를 </a:t>
+            </a:r>
+            <a:r>
+              <a:rPr lang="ko-KR" sz="1800">
+                <a:latin typeface="맑은 고딕" charset="0"/>
+                <a:ea typeface="맑은 고딕" charset="0"/>
+              </a:rPr>
+              <a:t>삭제합니다.</a:t>
+            </a:r>
+            <a:r>
+              <a:rPr lang="ko-KR" sz="1800">
+                <a:latin typeface="맑은 고딕" charset="0"/>
+                <a:ea typeface="맑은 고딕" charset="0"/>
+              </a:rPr>
+              <a:t> </a:t>
+            </a:r>
+            <a:endParaRPr lang="ko-KR" altLang="en-US" sz="1800">
+              <a:latin typeface="맑은 고딕" charset="0"/>
+              <a:ea typeface="맑은 고딕" charset="0"/>
+            </a:endParaRPr>
+          </a:p>
+        </p:txBody>
+      </p:sp>
     </p:spTree>
   </p:cSld>
   <p:clrMapOvr>

--- a/Assets/Prefab System/PPT Data/Prefab System Example.pptx
+++ b/Assets/Prefab System/PPT Data/Prefab System Example.pptx
@@ -2,7 +2,7 @@
 <file path=ppt/presentation.xml><?xml version="1.0" encoding="utf-8"?>
 <p:presentation xmlns:a="http://schemas.openxmlformats.org/drawingml/2006/main" xmlns:r="http://schemas.openxmlformats.org/officeDocument/2006/relationships" xmlns:p="http://schemas.openxmlformats.org/presentationml/2006/main" xmlns:p14="http://schemas.microsoft.com/office/powerpoint/2010/main" saveSubsetFonts="1" firstSlideNum="0">
   <p:sldMasterIdLst>
-    <p:sldMasterId id="2147485571" r:id="rId12"/>
+    <p:sldMasterId id="2147485578" r:id="rId12"/>
   </p:sldMasterIdLst>
   <p:notesMasterIdLst>
     <p:notesMasterId r:id="rId14"/>
@@ -14,6 +14,7 @@
     <p:sldId id="291" r:id="rId19"/>
     <p:sldId id="292" r:id="rId20"/>
     <p:sldId id="293" r:id="rId21"/>
+    <p:sldId id="294" r:id="rId22"/>
   </p:sldIdLst>
   <p:sldSz cx="12192000" cy="6858000"/>
   <p:notesSz cx="6858000" cy="9144000"/>
@@ -5812,17 +5813,17 @@
       </p:pic>
       <p:pic>
         <p:nvPicPr>
-          <p:cNvPr id="48" name="그림 1"/>
+          <p:cNvPr id="48" name="그림 1" descr="C:/Users/nwond/AppData/Roaming/PolarisOffice/ETemp/15948_24653384/fImage126305041.png"/>
           <p:cNvPicPr>
             <a:picLocks noChangeAspect="1"/>
           </p:cNvPicPr>
           <p:nvPr/>
         </p:nvPicPr>
         <p:blipFill rotWithShape="1">
-          <a:blip r:embed="rId36" cstate="print">
+          <a:blip r:embed="rId36" cstate="hqprint">
             <a:extLst>
               <a:ext uri="{28A0092B-C50C-407E-A947-70E740481C1C}">
-                <a14:useLocalDpi xmlns:a14="http://schemas.microsoft.com/office/drawing/2010/main" val="0"/>
+                <a14:useLocalDpi xmlns:a14="http://schemas.microsoft.com/office/drawing/2010/main"/>
               </a:ext>
             </a:extLst>
           </a:blip>
@@ -5832,8 +5833,8 @@
         </p:blipFill>
         <p:spPr>
           <a:xfrm rot="0">
-            <a:off x="6809105" y="1456055"/>
-            <a:ext cx="4145280" cy="1691640"/>
+            <a:off x="6814185" y="1456055"/>
+            <a:ext cx="4140835" cy="1692275"/>
           </a:xfrm>
           <a:prstGeom prst="roundRect"/>
           <a:solidFill>
@@ -6124,7 +6125,7 @@
       </p:sp>
       <p:pic>
         <p:nvPicPr>
-          <p:cNvPr id="48" name="그림 6" descr="C:/Users/nwond/AppData/Roaming/PolarisOffice/ETemp/2436_20910960/fImage85066341.png"/>
+          <p:cNvPr id="48" name="그림 6"/>
           <p:cNvPicPr>
             <a:picLocks noChangeAspect="1"/>
           </p:cNvPicPr>
@@ -6155,17 +6156,17 @@
       </p:pic>
       <p:pic>
         <p:nvPicPr>
-          <p:cNvPr id="49" name="그림 8" descr="C:/Users/nwond/AppData/Roaming/PolarisOffice/ETemp/2436_20910960/fImage5452558467.png"/>
+          <p:cNvPr id="49" name="그림 8" descr="C:/Users/nwond/AppData/Roaming/PolarisOffice/ETemp/15948_24653384/fImage5452558467.png"/>
           <p:cNvPicPr>
             <a:picLocks noChangeAspect="1"/>
           </p:cNvPicPr>
           <p:nvPr/>
         </p:nvPicPr>
         <p:blipFill rotWithShape="1">
-          <a:blip r:embed="rId28" cstate="print">
+          <a:blip r:embed="rId28" cstate="hqprint">
             <a:extLst>
               <a:ext uri="{28A0092B-C50C-407E-A947-70E740481C1C}">
-                <a14:useLocalDpi xmlns:a14="http://schemas.microsoft.com/office/drawing/2010/main" val="0"/>
+                <a14:useLocalDpi xmlns:a14="http://schemas.microsoft.com/office/drawing/2010/main"/>
               </a:ext>
             </a:extLst>
           </a:blip>
@@ -6175,8 +6176,8 @@
         </p:blipFill>
         <p:spPr>
           <a:xfrm rot="0">
-            <a:off x="3990340" y="2631440"/>
-            <a:ext cx="1397000" cy="1210945"/>
+            <a:off x="3983990" y="2507615"/>
+            <a:ext cx="1397635" cy="1452880"/>
           </a:xfrm>
           <a:prstGeom prst="roundRect"/>
           <a:solidFill>
@@ -6320,7 +6321,7 @@
       </p:sp>
       <p:pic>
         <p:nvPicPr>
-          <p:cNvPr id="51" name="그림 12" descr="C:/Users/nwond/AppData/Roaming/PolarisOffice/ETemp/2436_20910960/fImage8289576334.png"/>
+          <p:cNvPr id="51" name="그림 12" descr="C:/Users/nwond/AppData/Roaming/PolarisOffice/ETemp/15948_24653384/fImage8289576334.png"/>
           <p:cNvPicPr>
             <a:picLocks noChangeAspect="1"/>
           </p:cNvPicPr>
@@ -6340,8 +6341,8 @@
         </p:blipFill>
         <p:spPr>
           <a:xfrm rot="0">
-            <a:off x="6837680" y="1455420"/>
-            <a:ext cx="2791460" cy="3533775"/>
+            <a:off x="6826885" y="1455420"/>
+            <a:ext cx="2802890" cy="3534410"/>
           </a:xfrm>
           <a:prstGeom prst="roundRect"/>
           <a:solidFill>
@@ -6351,7 +6352,7 @@
       </p:pic>
       <p:pic>
         <p:nvPicPr>
-          <p:cNvPr id="53" name="그림 14" descr="C:/Users/nwond/AppData/Roaming/PolarisOffice/ETemp/2436_20910960/fImage2692596500.png"/>
+          <p:cNvPr id="53" name="그림 14"/>
           <p:cNvPicPr>
             <a:picLocks noChangeAspect="1"/>
           </p:cNvPicPr>
@@ -6382,7 +6383,7 @@
       </p:pic>
       <p:pic>
         <p:nvPicPr>
-          <p:cNvPr id="52" name="그림 13" descr="C:/Users/nwond/AppData/Roaming/PolarisOffice/ETemp/2436_20910960/fImage224217589169.png"/>
+          <p:cNvPr id="52" name="그림 13"/>
           <p:cNvPicPr>
             <a:picLocks noChangeAspect="1"/>
           </p:cNvPicPr>
@@ -7100,7 +7101,7 @@
         <p:spPr>
           <a:xfrm rot="0">
             <a:off x="1249045" y="5259070"/>
-            <a:ext cx="4119880" cy="923925"/>
+            <a:ext cx="4131945" cy="923925"/>
           </a:xfrm>
           <a:prstGeom prst="rect"/>
           <a:noFill/>
@@ -7151,42 +7152,7 @@
                 <a:latin typeface="맑은 고딕" charset="0"/>
                 <a:ea typeface="맑은 고딕" charset="0"/>
               </a:rPr>
-              <a:t>이제 M</a:t>
-            </a:r>
-            <a:r>
-              <a:rPr lang="ko-KR" sz="1800">
-                <a:latin typeface="맑은 고딕" charset="0"/>
-                <a:ea typeface="맑은 고딕" charset="0"/>
-              </a:rPr>
-              <a:t>ain Camera 오브젝트의 속성에 Clear Flags와 Backgr</a:t>
-            </a:r>
-            <a:r>
-              <a:rPr lang="ko-KR" sz="1800">
-                <a:latin typeface="맑은 고딕" charset="0"/>
-                <a:ea typeface="맑은 고딕" charset="0"/>
-              </a:rPr>
-              <a:t>o</a:t>
-            </a:r>
-            <a:r>
-              <a:rPr lang="ko-KR" sz="1800">
-                <a:latin typeface="맑은 고딕" charset="0"/>
-                <a:ea typeface="맑은 고딕" charset="0"/>
-              </a:rPr>
-              <a:t>und 그리고 </a:t>
-            </a:r>
-            <a:r>
-              <a:rPr lang="ko-KR" sz="1800">
-                <a:latin typeface="맑은 고딕" charset="0"/>
-                <a:ea typeface="맑은 고딕" charset="0"/>
-              </a:rPr>
-              <a:t>P</a:t>
-            </a:r>
-            <a:r>
-              <a:rPr lang="ko-KR" sz="1800">
-                <a:latin typeface="맑은 고딕" charset="0"/>
-                <a:ea typeface="맑은 고딕" charset="0"/>
-              </a:rPr>
-              <a:t>rojection을 설정합니다.</a:t>
+              <a:t>이제 Main Camera 오브젝트의 속성에 Clear Flags와 Background 설정합니다.</a:t>
             </a:r>
             <a:endParaRPr lang="ko-KR" altLang="en-US" sz="1800">
               <a:latin typeface="맑은 고딕" charset="0"/>
@@ -7336,37 +7302,6 @@
           </a:p>
         </p:txBody>
       </p:sp>
-      <p:pic>
-        <p:nvPicPr>
-          <p:cNvPr id="12" name="그림 28"/>
-          <p:cNvPicPr>
-            <a:picLocks noChangeAspect="1"/>
-          </p:cNvPicPr>
-          <p:nvPr/>
-        </p:nvPicPr>
-        <p:blipFill rotWithShape="1">
-          <a:blip r:embed="rId2" cstate="print">
-            <a:extLst>
-              <a:ext uri="{28A0092B-C50C-407E-A947-70E740481C1C}">
-                <a14:useLocalDpi xmlns:a14="http://schemas.microsoft.com/office/drawing/2010/main" val="0"/>
-              </a:ext>
-            </a:extLst>
-          </a:blip>
-          <a:stretch>
-            <a:fillRect/>
-          </a:stretch>
-        </p:blipFill>
-        <p:spPr>
-          <a:xfrm rot="0">
-            <a:off x="1245870" y="1452245"/>
-            <a:ext cx="4123055" cy="3587115"/>
-          </a:xfrm>
-          <a:prstGeom prst="roundRect"/>
-          <a:solidFill>
-            <a:srgbClr val="EDEDED"/>
-          </a:solidFill>
-        </p:spPr>
-      </p:pic>
       <p:pic>
         <p:nvPicPr>
           <p:cNvPr id="13" name="그림 31"/>
@@ -7514,6 +7449,37 @@
           <a:xfrm rot="0">
             <a:off x="6835775" y="1452245"/>
             <a:ext cx="4124960" cy="1421765"/>
+          </a:xfrm>
+          <a:prstGeom prst="roundRect"/>
+          <a:solidFill>
+            <a:srgbClr val="EDEDED"/>
+          </a:solidFill>
+        </p:spPr>
+      </p:pic>
+      <p:pic>
+        <p:nvPicPr>
+          <p:cNvPr id="16" name="그림 1" descr="C:/Users/nwond/AppData/Roaming/PolarisOffice/ETemp/15948_24653384/fImage371058241.png"/>
+          <p:cNvPicPr>
+            <a:picLocks noChangeAspect="1"/>
+          </p:cNvPicPr>
+          <p:nvPr/>
+        </p:nvPicPr>
+        <p:blipFill rotWithShape="1">
+          <a:blip r:embed="rId5" cstate="print">
+            <a:extLst>
+              <a:ext uri="{28A0092B-C50C-407E-A947-70E740481C1C}">
+                <a14:useLocalDpi xmlns:a14="http://schemas.microsoft.com/office/drawing/2010/main" val="0"/>
+              </a:ext>
+            </a:extLst>
+          </a:blip>
+          <a:stretch>
+            <a:fillRect/>
+          </a:stretch>
+        </p:blipFill>
+        <p:spPr>
+          <a:xfrm rot="0">
+            <a:off x="1259840" y="1454150"/>
+            <a:ext cx="4115435" cy="3610610"/>
           </a:xfrm>
           <a:prstGeom prst="roundRect"/>
           <a:solidFill>
@@ -7545,7 +7511,7 @@
 </file>
 
 <file path=ppt/slides/slide5.xml><?xml version="1.0" encoding="utf-8"?>
-<p:sld xmlns:a="http://schemas.openxmlformats.org/drawingml/2006/main" xmlns:r="http://schemas.openxmlformats.org/officeDocument/2006/relationships" xmlns:p="http://schemas.openxmlformats.org/presentationml/2006/main">
+<p:sld xmlns:a="http://schemas.openxmlformats.org/drawingml/2006/main" xmlns:r="http://schemas.openxmlformats.org/officeDocument/2006/relationships" xmlns:p="http://schemas.openxmlformats.org/presentationml/2006/main" xmlns:p14="http://schemas.microsoft.com/office/powerpoint/2010/main">
   <p:cSld>
     <p:spTree>
       <p:nvGrpSpPr>
@@ -7799,7 +7765,7 @@
         </p:nvSpPr>
         <p:spPr>
           <a:xfrm rot="0">
-            <a:off x="6938010" y="4163060"/>
+            <a:off x="6826885" y="4163060"/>
             <a:ext cx="4127500" cy="2031365"/>
           </a:xfrm>
           <a:prstGeom prst="rect"/>
@@ -7810,7 +7776,7 @@
           </a:ln>
         </p:spPr>
         <p:txBody>
-          <a:bodyPr wrap="square" lIns="89535" tIns="46355" rIns="89535" bIns="46355" vert="horz" anchor="t">
+          <a:bodyPr wrap="square" lIns="89535" tIns="46355" rIns="89535" bIns="46355" numCol="1" vert="horz" anchor="t">
             <a:spAutoFit/>
           </a:bodyPr>
           <a:lstStyle/>
@@ -7844,112 +7810,14 @@
                 <a:latin typeface="맑은 고딕" charset="0"/>
                 <a:ea typeface="맑은 고딕" charset="0"/>
               </a:rPr>
-              <a:t> </a:t>
-            </a:r>
-            <a:r>
-              <a:rPr sz="1800">
-                <a:latin typeface="맑은 고딕" charset="0"/>
-                <a:ea typeface="맑은 고딕" charset="0"/>
-              </a:rPr>
-              <a:t>그</a:t>
-            </a:r>
-            <a:r>
-              <a:rPr lang="ko-KR" sz="1800">
-                <a:latin typeface="맑은 고딕" charset="0"/>
-                <a:ea typeface="맑은 고딕" charset="0"/>
-              </a:rPr>
-              <a:t>리고 O</a:t>
-            </a:r>
-            <a:r>
-              <a:rPr lang="ko-KR" sz="1800">
-                <a:latin typeface="맑은 고딕" charset="0"/>
-                <a:ea typeface="맑은 고딕" charset="0"/>
-              </a:rPr>
-              <a:t>nMouseDrag</a:t>
-            </a:r>
-            <a:r>
-              <a:rPr lang="ko-KR" sz="1800">
-                <a:latin typeface="맑은 고딕" charset="0"/>
-                <a:ea typeface="맑은 고딕" charset="0"/>
-              </a:rPr>
-              <a:t>( </a:t>
-            </a:r>
-            <a:r>
-              <a:rPr lang="ko-KR" sz="1800">
-                <a:latin typeface="맑은 고딕" charset="0"/>
-                <a:ea typeface="맑은 고딕" charset="0"/>
-              </a:rPr>
-              <a:t>)</a:t>
-            </a:r>
-            <a:r>
-              <a:rPr lang="ko-KR" sz="1800">
-                <a:latin typeface="맑은 고딕" charset="0"/>
-                <a:ea typeface="맑은 고딕" charset="0"/>
-              </a:rPr>
-              <a:t> </a:t>
-            </a:r>
-            <a:r>
-              <a:rPr lang="ko-KR" sz="1800">
-                <a:latin typeface="맑은 고딕" charset="0"/>
-                <a:ea typeface="맑은 고딕" charset="0"/>
-              </a:rPr>
-              <a:t>함수를</a:t>
-            </a:r>
-            <a:r>
-              <a:rPr lang="ko-KR" sz="1800">
-                <a:latin typeface="맑은 고딕" charset="0"/>
-                <a:ea typeface="맑은 고딕" charset="0"/>
-              </a:rPr>
-              <a:t> </a:t>
-            </a:r>
-            <a:r>
-              <a:rPr lang="ko-KR" sz="1800">
-                <a:latin typeface="맑은 고딕" charset="0"/>
-                <a:ea typeface="맑은 고딕" charset="0"/>
-              </a:rPr>
-              <a:t>선언하고</a:t>
-            </a:r>
-            <a:r>
-              <a:rPr lang="ko-KR" sz="1800">
-                <a:latin typeface="맑은 고딕" charset="0"/>
-                <a:ea typeface="맑은 고딕" charset="0"/>
-              </a:rPr>
-              <a:t> </a:t>
-            </a:r>
-            <a:r>
-              <a:rPr lang="ko-KR" sz="1800">
-                <a:latin typeface="맑은 고딕" charset="0"/>
-                <a:ea typeface="맑은 고딕" charset="0"/>
-              </a:rPr>
-              <a:t>입력</a:t>
-            </a:r>
-            <a:r>
-              <a:rPr lang="ko-KR" sz="1800">
-                <a:latin typeface="맑은 고딕" charset="0"/>
-                <a:ea typeface="맑은 고딕" charset="0"/>
-              </a:rPr>
-              <a:t>한 </a:t>
-            </a:r>
-            <a:r>
-              <a:rPr lang="ko-KR" sz="1800">
-                <a:latin typeface="맑은 고딕" charset="0"/>
-                <a:ea typeface="맑은 고딕" charset="0"/>
-              </a:rPr>
-              <a:t>마</a:t>
-            </a:r>
-            <a:r>
-              <a:rPr lang="ko-KR" sz="1800">
-                <a:latin typeface="맑은 고딕" charset="0"/>
-                <a:ea typeface="맑은 고딕" charset="0"/>
-              </a:rPr>
-              <a:t>우스의 </a:t>
-            </a:r>
-            <a:r>
-              <a:rPr lang="ko-KR" sz="1800">
-                <a:latin typeface="맑은 고딕" charset="0"/>
-                <a:ea typeface="맑은 고딕" charset="0"/>
-              </a:rPr>
-              <a:t>위치를 설정합니다.</a:t>
+              <a:t> 그</a:t>
+            </a:r>
+            <a:r>
+              <a:rPr lang="ko-KR" sz="1800">
+                <a:latin typeface="맑은 고딕" charset="0"/>
+                <a:ea typeface="맑은 고딕" charset="0"/>
+              </a:rPr>
+              <a:t>리고 OnMouseDrag( ) 함수를 선언하고 입력한 마우스의 위치를 설정합니다.</a:t>
             </a:r>
             <a:endParaRPr lang="ko-KR" altLang="en-US" sz="1800">
               <a:latin typeface="맑은 고딕" charset="0"/>
@@ -7976,63 +7844,7 @@
                 <a:latin typeface="맑은 고딕" charset="0"/>
                 <a:ea typeface="맑은 고딕" charset="0"/>
               </a:rPr>
-              <a:t>그런 다음</a:t>
-            </a:r>
-            <a:r>
-              <a:rPr lang="ko-KR" sz="1800">
-                <a:latin typeface="맑은 고딕" charset="0"/>
-                <a:ea typeface="맑은 고딕" charset="0"/>
-              </a:rPr>
-              <a:t> </a:t>
-            </a:r>
-            <a:r>
-              <a:rPr lang="ko-KR" sz="1800">
-                <a:latin typeface="맑은 고딕" charset="0"/>
-                <a:ea typeface="맑은 고딕" charset="0"/>
-              </a:rPr>
-              <a:t>마우스 좌표를</a:t>
-            </a:r>
-            <a:r>
-              <a:rPr lang="ko-KR" sz="1800">
-                <a:latin typeface="맑은 고딕" charset="0"/>
-                <a:ea typeface="맑은 고딕" charset="0"/>
-              </a:rPr>
-              <a:t> </a:t>
-            </a:r>
-            <a:r>
-              <a:rPr lang="ko-KR" sz="1800">
-                <a:latin typeface="맑은 고딕" charset="0"/>
-                <a:ea typeface="맑은 고딕" charset="0"/>
-              </a:rPr>
-              <a:t>변환하여 </a:t>
-            </a:r>
-            <a:r>
-              <a:rPr lang="ko-KR" sz="1800">
-                <a:latin typeface="맑은 고딕" charset="0"/>
-                <a:ea typeface="맑은 고딕" charset="0"/>
-              </a:rPr>
-              <a:t>마우스 </a:t>
-            </a:r>
-            <a:r>
-              <a:rPr lang="ko-KR" sz="1800">
-                <a:latin typeface="맑은 고딕" charset="0"/>
-                <a:ea typeface="맑은 고딕" charset="0"/>
-              </a:rPr>
-              <a:t>위치에 따라 </a:t>
-            </a:r>
-            <a:r>
-              <a:rPr lang="ko-KR" sz="1800">
-                <a:latin typeface="맑은 고딕" charset="0"/>
-                <a:ea typeface="맑은 고딕" charset="0"/>
-              </a:rPr>
-              <a:t>게임 오브젝트가 </a:t>
-            </a:r>
-            <a:r>
-              <a:rPr lang="ko-KR" sz="1800">
-                <a:latin typeface="맑은 고딕" charset="0"/>
-                <a:ea typeface="맑은 고딕" charset="0"/>
-              </a:rPr>
-              <a:t>이동하도록 설정합니다.</a:t>
+              <a:t>그런 다음 마우스 좌표를 변환하여 마우스 위치에 따라 게임 오브젝트가 이동하도록 설정합니다.</a:t>
             </a:r>
             <a:endParaRPr lang="ko-KR" altLang="en-US" sz="1800">
               <a:latin typeface="맑은 고딕" charset="0"/>
@@ -8043,7 +7855,7 @@
       </p:sp>
       <p:pic>
         <p:nvPicPr>
-          <p:cNvPr id="16" name="그림 38" descr="C:/Users/nwond/AppData/Roaming/PolarisOffice/ETemp/2436_20910960/fImage741831748145.png"/>
+          <p:cNvPr id="16" name="그림 38"/>
           <p:cNvPicPr>
             <a:picLocks noChangeAspect="1"/>
           </p:cNvPicPr>
@@ -8190,7 +8002,7 @@
       </p:sp>
       <p:pic>
         <p:nvPicPr>
-          <p:cNvPr id="18" name="그림 45" descr="C:/Users/nwond/AppData/Roaming/PolarisOffice/ETemp/2436_20910960/fImage737551773281.png"/>
+          <p:cNvPr id="18" name="그림 45"/>
           <p:cNvPicPr>
             <a:picLocks noChangeAspect="1"/>
           </p:cNvPicPr>
@@ -8221,17 +8033,17 @@
       </p:pic>
       <p:pic>
         <p:nvPicPr>
-          <p:cNvPr id="20" name="그림 51" descr="C:/Users/nwond/AppData/Roaming/PolarisOffice/ETemp/2436_20910960/fImage1143551796827.png"/>
+          <p:cNvPr id="20" name="그림 51" descr="C:/Users/nwond/AppData/Roaming/PolarisOffice/ETemp/15948_24653384/fImage1143551796827.png"/>
           <p:cNvPicPr>
             <a:picLocks noChangeAspect="1"/>
           </p:cNvPicPr>
           <p:nvPr/>
         </p:nvPicPr>
         <p:blipFill rotWithShape="1">
-          <a:blip r:embed="rId4" cstate="print">
+          <a:blip r:embed="rId4" cstate="hqprint">
             <a:extLst>
               <a:ext uri="{28A0092B-C50C-407E-A947-70E740481C1C}">
-                <a14:useLocalDpi xmlns:a14="http://schemas.microsoft.com/office/drawing/2010/main" val="0"/>
+                <a14:useLocalDpi xmlns:a14="http://schemas.microsoft.com/office/drawing/2010/main"/>
               </a:ext>
             </a:extLst>
           </a:blip>
@@ -8241,8 +8053,8 @@
         </p:blipFill>
         <p:spPr>
           <a:xfrm rot="0">
-            <a:off x="6938010" y="1452245"/>
-            <a:ext cx="4133850" cy="2551430"/>
+            <a:off x="6826885" y="1452245"/>
+            <a:ext cx="4127500" cy="2552065"/>
           </a:xfrm>
           <a:prstGeom prst="roundRect"/>
           <a:solidFill>
@@ -8451,8 +8263,8 @@
         </p:nvSpPr>
         <p:spPr>
           <a:xfrm rot="0">
-            <a:off x="6863715" y="3166745"/>
-            <a:ext cx="4104005" cy="647700"/>
+            <a:off x="6801485" y="3166745"/>
+            <a:ext cx="4166870" cy="647065"/>
           </a:xfrm>
           <a:prstGeom prst="rect"/>
           <a:noFill/>
@@ -8706,7 +8518,7 @@
       </p:sp>
       <p:pic>
         <p:nvPicPr>
-          <p:cNvPr id="22" name="그림 5" descr="C:/Users/nwond/AppData/Roaming/PolarisOffice/ETemp/17660_9042720/fImage30293788467.png"/>
+          <p:cNvPr id="22" name="그림 5" descr="C:/Users/nwond/AppData/Roaming/PolarisOffice/ETemp/15948_24653384/fImage30293788467.png"/>
           <p:cNvPicPr>
             <a:picLocks noChangeAspect="1"/>
           </p:cNvPicPr>
@@ -8726,8 +8538,8 @@
         </p:blipFill>
         <p:spPr>
           <a:xfrm rot="0">
-            <a:off x="6861810" y="1446530"/>
-            <a:ext cx="4099560" cy="1614170"/>
+            <a:off x="6801485" y="1446530"/>
+            <a:ext cx="4160520" cy="1614805"/>
           </a:xfrm>
           <a:prstGeom prst="roundRect"/>
           <a:solidFill>
@@ -8735,9 +8547,623 @@
           </a:solidFill>
         </p:spPr>
       </p:pic>
+      <p:sp>
+        <p:nvSpPr>
+          <p:cNvPr id="25" name="텍스트 상자 5"/>
+          <p:cNvSpPr txBox="1">
+            <a:spLocks/>
+          </p:cNvSpPr>
+          <p:nvPr/>
+        </p:nvSpPr>
+        <p:spPr>
+          <a:xfrm rot="0">
+            <a:off x="6795770" y="5528310"/>
+            <a:ext cx="4170680" cy="647065"/>
+          </a:xfrm>
+          <a:prstGeom prst="rect"/>
+          <a:noFill/>
+          <a:ln w="0">
+            <a:noFill/>
+            <a:prstDash/>
+          </a:ln>
+        </p:spPr>
+        <p:txBody>
+          <a:bodyPr wrap="square" lIns="89535" tIns="46355" rIns="89535" bIns="46355" numCol="1" vert="horz" anchor="t">
+            <a:spAutoFit/>
+          </a:bodyPr>
+          <a:lstStyle/>
+          <a:p>
+            <a:pPr marL="0" indent="0" rtl="0" algn="l" defTabSz="914400" eaLnBrk="1" latinLnBrk="0" hangingPunct="1">
+              <a:buFontTx/>
+              <a:buNone/>
+            </a:pPr>
+            <a:r>
+              <a:rPr lang="ko-KR" sz="1800" b="1">
+                <a:solidFill>
+                  <a:srgbClr val="0611F2"/>
+                </a:solidFill>
+                <a:latin typeface="맑은 고딕" charset="0"/>
+                <a:ea typeface="맑은 고딕" charset="0"/>
+              </a:rPr>
+              <a:t>16</a:t>
+            </a:r>
+            <a:r>
+              <a:rPr sz="1800" b="1">
+                <a:solidFill>
+                  <a:srgbClr val="0611F2"/>
+                </a:solidFill>
+                <a:latin typeface="맑은 고딕" charset="0"/>
+                <a:ea typeface="맑은 고딕" charset="0"/>
+              </a:rPr>
+              <a:t>.</a:t>
+            </a:r>
+            <a:r>
+              <a:rPr sz="1800">
+                <a:latin typeface="맑은 고딕" charset="0"/>
+                <a:ea typeface="맑은 고딕" charset="0"/>
+              </a:rPr>
+              <a:t> </a:t>
+            </a:r>
+            <a:r>
+              <a:rPr lang="ko-KR" sz="1800">
+                <a:latin typeface="맑은 고딕" charset="0"/>
+                <a:ea typeface="맑은 고딕" charset="0"/>
+              </a:rPr>
+              <a:t>그리고 Prefab </a:t>
+            </a:r>
+            <a:r>
+              <a:rPr lang="ko-KR" sz="1800">
+                <a:latin typeface="맑은 고딕" charset="0"/>
+                <a:ea typeface="맑은 고딕" charset="0"/>
+              </a:rPr>
+              <a:t>O</a:t>
+            </a:r>
+            <a:r>
+              <a:rPr lang="ko-KR" sz="1800">
+                <a:latin typeface="맑은 고딕" charset="0"/>
+                <a:ea typeface="맑은 고딕" charset="0"/>
+              </a:rPr>
+              <a:t>bject</a:t>
+            </a:r>
+            <a:r>
+              <a:rPr lang="ko-KR" sz="1800">
+                <a:latin typeface="맑은 고딕" charset="0"/>
+                <a:ea typeface="맑은 고딕" charset="0"/>
+              </a:rPr>
+              <a:t>에 </a:t>
+            </a:r>
+            <a:r>
+              <a:rPr lang="ko-KR" sz="1800">
+                <a:latin typeface="맑은 고딕" charset="0"/>
+                <a:ea typeface="맑은 고딕" charset="0"/>
+              </a:rPr>
+              <a:t>S</a:t>
+            </a:r>
+            <a:r>
+              <a:rPr lang="ko-KR" sz="1800">
+                <a:latin typeface="맑은 고딕" charset="0"/>
+                <a:ea typeface="맑은 고딕" charset="0"/>
+              </a:rPr>
+              <a:t>electable</a:t>
+            </a:r>
+            <a:r>
+              <a:rPr lang="ko-KR" sz="1800">
+                <a:latin typeface="맑은 고딕" charset="0"/>
+                <a:ea typeface="맑은 고딕" charset="0"/>
+              </a:rPr>
+              <a:t> 스크립트를 넣어줍니다.</a:t>
+            </a:r>
+            <a:endParaRPr lang="ko-KR" altLang="en-US" sz="1800">
+              <a:latin typeface="맑은 고딕" charset="0"/>
+              <a:ea typeface="맑은 고딕" charset="0"/>
+            </a:endParaRPr>
+          </a:p>
+        </p:txBody>
+      </p:sp>
       <p:pic>
         <p:nvPicPr>
-          <p:cNvPr id="23" name="그림 1" descr="C:/Users/nwond/AppData/Roaming/PolarisOffice/ETemp/17660_9042720/fImage46367941.png"/>
+          <p:cNvPr id="26" name="그림 8" descr="C:/Users/nwond/AppData/Roaming/PolarisOffice/ETemp/15948_24653384/fImage48451678467.png"/>
+          <p:cNvPicPr>
+            <a:picLocks noChangeAspect="1"/>
+          </p:cNvPicPr>
+          <p:nvPr/>
+        </p:nvPicPr>
+        <p:blipFill rotWithShape="1">
+          <a:blip r:embed="rId7" cstate="print">
+            <a:extLst>
+              <a:ext uri="{28A0092B-C50C-407E-A947-70E740481C1C}">
+                <a14:useLocalDpi xmlns:a14="http://schemas.microsoft.com/office/drawing/2010/main" val="0"/>
+              </a:ext>
+            </a:extLst>
+          </a:blip>
+          <a:stretch>
+            <a:fillRect/>
+          </a:stretch>
+        </p:blipFill>
+        <p:spPr>
+          <a:xfrm rot="0">
+            <a:off x="6795770" y="3924935"/>
+            <a:ext cx="4158615" cy="1518285"/>
+          </a:xfrm>
+          <a:prstGeom prst="roundRect"/>
+          <a:solidFill>
+            <a:srgbClr val="EDEDED"/>
+          </a:solidFill>
+        </p:spPr>
+      </p:pic>
+    </p:spTree>
+  </p:cSld>
+  <p:clrMapOvr>
+    <a:masterClrMapping/>
+  </p:clrMapOvr>
+  <mc:AlternateContent xmlns:mc="http://schemas.openxmlformats.org/markup-compatibility/2006">
+    <mc:Choice xmlns:p14="http://schemas.microsoft.com/office/powerpoint/2010/main" Requires="p14">
+      <p:transition spd="slow" p14:dur="1000"/>
+    </mc:Choice>
+    <mc:Fallback>
+      <p:transition spd="slow"/>
+    </mc:Fallback>
+  </mc:AlternateContent>
+  <p:timing>
+    <p:tnLst>
+      <p:par>
+        <p:cTn id="1" dur="indefinite" restart="never" nodeType="tmRoot"/>
+      </p:par>
+    </p:tnLst>
+  </p:timing>
+</p:sld>
+</file>
+
+<file path=ppt/slides/slide7.xml><?xml version="1.0" encoding="utf-8"?>
+<p:sld xmlns:a="http://schemas.openxmlformats.org/drawingml/2006/main" xmlns:r="http://schemas.openxmlformats.org/officeDocument/2006/relationships" xmlns:p="http://schemas.openxmlformats.org/presentationml/2006/main">
+  <p:cSld>
+    <p:spTree>
+      <p:nvGrpSpPr>
+        <p:cNvPr id="1" name=""/>
+        <p:cNvGrpSpPr/>
+        <p:nvPr/>
+      </p:nvGrpSpPr>
+      <p:grpSpPr>
+        <a:xfrm>
+          <a:off x="0" y="0"/>
+          <a:ext cx="0" cy="0"/>
+          <a:chOff x="0" y="0"/>
+          <a:chExt cx="0" cy="0"/>
+        </a:xfrm>
+      </p:grpSpPr>
+      <p:sp>
+        <p:nvSpPr>
+          <p:cNvPr id="2" name="Rect 0"/>
+          <p:cNvSpPr txBox="1">
+            <a:spLocks/>
+          </p:cNvSpPr>
+          <p:nvPr/>
+        </p:nvSpPr>
+        <p:spPr>
+          <a:xfrm rot="0">
+            <a:off x="4429125" y="468630"/>
+            <a:ext cx="3329940" cy="478155"/>
+          </a:xfrm>
+          <a:prstGeom prst="rect"/>
+          <a:noFill/>
+          <a:ln w="0">
+            <a:noFill/>
+            <a:prstDash/>
+          </a:ln>
+        </p:spPr>
+        <p:txBody>
+          <a:bodyPr wrap="square" lIns="89535" tIns="46355" rIns="89535" bIns="46355" numCol="1" vert="horz" anchor="t">
+            <a:spAutoFit/>
+          </a:bodyPr>
+          <a:lstStyle/>
+          <a:p>
+            <a:pPr marL="0" indent="0" rtl="0" algn="ctr" defTabSz="914400" eaLnBrk="1" latinLnBrk="0" hangingPunct="1">
+              <a:buFontTx/>
+              <a:buNone/>
+            </a:pPr>
+            <a:r>
+              <a:rPr lang="ko-KR" sz="2500" b="1">
+                <a:solidFill>
+                  <a:schemeClr val="tx1"/>
+                </a:solidFill>
+                <a:latin typeface="나눔바른고딕" charset="0"/>
+                <a:ea typeface="나눔바른고딕" charset="0"/>
+              </a:rPr>
+              <a:t>일곱</a:t>
+            </a:r>
+            <a:r>
+              <a:rPr sz="2500" b="1">
+                <a:solidFill>
+                  <a:schemeClr val="tx1"/>
+                </a:solidFill>
+                <a:latin typeface="나눔바른고딕" charset="0"/>
+                <a:ea typeface="나눔바른고딕" charset="0"/>
+              </a:rPr>
+              <a:t> 번째 </a:t>
+            </a:r>
+            <a:r>
+              <a:rPr lang="ko-KR" sz="2500" b="1">
+                <a:solidFill>
+                  <a:schemeClr val="tx1"/>
+                </a:solidFill>
+                <a:latin typeface="나눔바른고딕" charset="0"/>
+                <a:ea typeface="나눔바른고딕" charset="0"/>
+              </a:rPr>
+              <a:t>튜토리얼</a:t>
+            </a:r>
+            <a:endParaRPr lang="ko-KR" altLang="en-US" sz="2500" b="1">
+              <a:solidFill>
+                <a:schemeClr val="tx1"/>
+              </a:solidFill>
+              <a:latin typeface="나눔바른고딕" charset="0"/>
+              <a:ea typeface="나눔바른고딕" charset="0"/>
+            </a:endParaRPr>
+          </a:p>
+        </p:txBody>
+      </p:sp>
+      <p:sp>
+        <p:nvSpPr>
+          <p:cNvPr id="7" name="Rect 0"/>
+          <p:cNvSpPr txBox="1">
+            <a:spLocks/>
+          </p:cNvSpPr>
+          <p:nvPr/>
+        </p:nvSpPr>
+        <p:spPr>
+          <a:xfrm rot="0">
+            <a:off x="6863715" y="2973705"/>
+            <a:ext cx="4097020" cy="923925"/>
+          </a:xfrm>
+          <a:prstGeom prst="rect"/>
+          <a:noFill/>
+          <a:ln w="0">
+            <a:noFill/>
+            <a:prstDash/>
+          </a:ln>
+        </p:spPr>
+        <p:txBody>
+          <a:bodyPr wrap="square" lIns="89535" tIns="46355" rIns="89535" bIns="46355" numCol="1" vert="horz" anchor="t">
+            <a:spAutoFit/>
+          </a:bodyPr>
+          <a:lstStyle/>
+          <a:p>
+            <a:pPr marL="0" indent="0" rtl="0" algn="l" defTabSz="914400" eaLnBrk="1" latinLnBrk="0" hangingPunct="1">
+              <a:buFontTx/>
+              <a:buNone/>
+            </a:pPr>
+            <a:r>
+              <a:rPr lang="ko-KR" sz="1800" b="1">
+                <a:solidFill>
+                  <a:srgbClr val="0611F2"/>
+                </a:solidFill>
+                <a:latin typeface="맑은 고딕" charset="0"/>
+                <a:ea typeface="맑은 고딕" charset="0"/>
+              </a:rPr>
+              <a:t>1</a:t>
+            </a:r>
+            <a:r>
+              <a:rPr lang="ko-KR" sz="1800" b="1">
+                <a:solidFill>
+                  <a:srgbClr val="0611F2"/>
+                </a:solidFill>
+                <a:latin typeface="맑은 고딕" charset="0"/>
+                <a:ea typeface="맑은 고딕" charset="0"/>
+              </a:rPr>
+              <a:t>8</a:t>
+            </a:r>
+            <a:r>
+              <a:rPr sz="1800" b="1">
+                <a:solidFill>
+                  <a:srgbClr val="0611F2"/>
+                </a:solidFill>
+                <a:latin typeface="맑은 고딕" charset="0"/>
+                <a:ea typeface="맑은 고딕" charset="0"/>
+              </a:rPr>
+              <a:t>.</a:t>
+            </a:r>
+            <a:r>
+              <a:rPr sz="1800">
+                <a:latin typeface="맑은 고딕" charset="0"/>
+                <a:ea typeface="맑은 고딕" charset="0"/>
+              </a:rPr>
+              <a:t> </a:t>
+            </a:r>
+            <a:r>
+              <a:rPr lang="ko-KR" sz="1800">
+                <a:latin typeface="맑은 고딕" charset="0"/>
+                <a:ea typeface="맑은 고딕" charset="0"/>
+              </a:rPr>
+              <a:t>그다음</a:t>
+            </a:r>
+            <a:r>
+              <a:rPr lang="ko-KR" sz="1800">
+                <a:latin typeface="맑은 고딕" charset="0"/>
+                <a:ea typeface="맑은 고딕" charset="0"/>
+              </a:rPr>
+              <a:t> </a:t>
+            </a:r>
+            <a:r>
+              <a:rPr lang="ko-KR" sz="1800">
+                <a:latin typeface="맑은 고딕" charset="0"/>
+                <a:ea typeface="맑은 고딕" charset="0"/>
+              </a:rPr>
+              <a:t>P</a:t>
+            </a:r>
+            <a:r>
+              <a:rPr lang="ko-KR" sz="1800">
+                <a:latin typeface="맑은 고딕" charset="0"/>
+                <a:ea typeface="맑은 고딕" charset="0"/>
+              </a:rPr>
+              <a:t>refab Release Button</a:t>
+            </a:r>
+            <a:r>
+              <a:rPr lang="ko-KR" sz="1800">
+                <a:latin typeface="맑은 고딕" charset="0"/>
+                <a:ea typeface="맑은 고딕" charset="0"/>
+              </a:rPr>
+              <a:t> </a:t>
+            </a:r>
+            <a:r>
+              <a:rPr lang="ko-KR" sz="1800">
+                <a:latin typeface="맑은 고딕" charset="0"/>
+                <a:ea typeface="맑은 고딕" charset="0"/>
+              </a:rPr>
+              <a:t>오브젝트의 앵커를</a:t>
+            </a:r>
+            <a:r>
+              <a:rPr lang="ko-KR" sz="1800">
+                <a:latin typeface="맑은 고딕" charset="0"/>
+                <a:ea typeface="맑은 고딕" charset="0"/>
+              </a:rPr>
+              <a:t> </a:t>
+            </a:r>
+            <a:r>
+              <a:rPr lang="ko-KR" sz="1800">
+                <a:latin typeface="맑은 고딕" charset="0"/>
+                <a:ea typeface="맑은 고딕" charset="0"/>
+              </a:rPr>
+              <a:t>지정하고 위치와 크기 값을 설정합니다.</a:t>
+            </a:r>
+            <a:endParaRPr lang="ko-KR" altLang="en-US" sz="1800">
+              <a:latin typeface="맑은 고딕" charset="0"/>
+              <a:ea typeface="맑은 고딕" charset="0"/>
+            </a:endParaRPr>
+          </a:p>
+        </p:txBody>
+      </p:sp>
+      <p:sp>
+        <p:nvSpPr>
+          <p:cNvPr id="21" name="Rect 0"/>
+          <p:cNvSpPr txBox="1">
+            <a:spLocks/>
+          </p:cNvSpPr>
+          <p:nvPr/>
+        </p:nvSpPr>
+        <p:spPr>
+          <a:xfrm rot="0">
+            <a:off x="1250950" y="5039360"/>
+            <a:ext cx="4117975" cy="1200785"/>
+          </a:xfrm>
+          <a:prstGeom prst="rect"/>
+          <a:noFill/>
+          <a:ln w="0">
+            <a:noFill/>
+            <a:prstDash/>
+          </a:ln>
+        </p:spPr>
+        <p:txBody>
+          <a:bodyPr wrap="square" lIns="89535" tIns="46355" rIns="89535" bIns="46355" numCol="1" vert="horz" anchor="t">
+            <a:spAutoFit/>
+          </a:bodyPr>
+          <a:lstStyle/>
+          <a:p>
+            <a:pPr marL="0" indent="0" rtl="0" algn="l" defTabSz="914400" eaLnBrk="1" latinLnBrk="0" hangingPunct="1">
+              <a:buFontTx/>
+              <a:buNone/>
+            </a:pPr>
+            <a:r>
+              <a:rPr lang="ko-KR" sz="1800" b="1">
+                <a:solidFill>
+                  <a:srgbClr val="0611F2"/>
+                </a:solidFill>
+                <a:latin typeface="맑은 고딕" charset="0"/>
+                <a:ea typeface="맑은 고딕" charset="0"/>
+              </a:rPr>
+              <a:t>1</a:t>
+            </a:r>
+            <a:r>
+              <a:rPr lang="ko-KR" sz="1800" b="1">
+                <a:solidFill>
+                  <a:srgbClr val="0611F2"/>
+                </a:solidFill>
+                <a:latin typeface="맑은 고딕" charset="0"/>
+                <a:ea typeface="맑은 고딕" charset="0"/>
+              </a:rPr>
+              <a:t>7</a:t>
+            </a:r>
+            <a:r>
+              <a:rPr lang="ko-KR" sz="1800" b="1">
+                <a:solidFill>
+                  <a:srgbClr val="0611F2"/>
+                </a:solidFill>
+                <a:latin typeface="맑은 고딕" charset="0"/>
+                <a:ea typeface="맑은 고딕" charset="0"/>
+              </a:rPr>
+              <a:t>.</a:t>
+            </a:r>
+            <a:r>
+              <a:rPr sz="1800">
+                <a:latin typeface="맑은 고딕" charset="0"/>
+                <a:ea typeface="맑은 고딕" charset="0"/>
+              </a:rPr>
+              <a:t> 그</a:t>
+            </a:r>
+            <a:r>
+              <a:rPr lang="ko-KR" sz="1800">
+                <a:latin typeface="맑은 고딕" charset="0"/>
+                <a:ea typeface="맑은 고딕" charset="0"/>
+              </a:rPr>
+              <a:t>런 </a:t>
+            </a:r>
+            <a:r>
+              <a:rPr lang="ko-KR" sz="1800">
+                <a:latin typeface="맑은 고딕" charset="0"/>
+                <a:ea typeface="맑은 고딕" charset="0"/>
+              </a:rPr>
+              <a:t>다음</a:t>
+            </a:r>
+            <a:r>
+              <a:rPr sz="1800">
+                <a:latin typeface="맑은 고딕" charset="0"/>
+                <a:ea typeface="맑은 고딕" charset="0"/>
+              </a:rPr>
+              <a:t> UI에서 Button - TextMeshPro을 생성</a:t>
+            </a:r>
+            <a:r>
+              <a:rPr sz="1800">
+                <a:latin typeface="맑은 고딕" charset="0"/>
+                <a:ea typeface="맑은 고딕" charset="0"/>
+              </a:rPr>
+              <a:t>하고 P</a:t>
+            </a:r>
+            <a:r>
+              <a:rPr sz="1800">
+                <a:latin typeface="맑은 고딕" charset="0"/>
+                <a:ea typeface="맑은 고딕" charset="0"/>
+              </a:rPr>
+              <a:t>refab </a:t>
+            </a:r>
+            <a:r>
+              <a:rPr lang="ko-KR" sz="1800">
+                <a:latin typeface="맑은 고딕" charset="0"/>
+                <a:ea typeface="맑은 고딕" charset="0"/>
+              </a:rPr>
+              <a:t>R</a:t>
+            </a:r>
+            <a:r>
+              <a:rPr lang="ko-KR" sz="1800">
+                <a:latin typeface="맑은 고딕" charset="0"/>
+                <a:ea typeface="맑은 고딕" charset="0"/>
+              </a:rPr>
+              <a:t>elease Butto</a:t>
+            </a:r>
+            <a:r>
+              <a:rPr lang="ko-KR" sz="1800">
+                <a:latin typeface="맑은 고딕" charset="0"/>
+                <a:ea typeface="맑은 고딕" charset="0"/>
+              </a:rPr>
+              <a:t>n이라는 </a:t>
+            </a:r>
+            <a:r>
+              <a:rPr lang="ko-KR" sz="1800">
+                <a:latin typeface="맑은 고딕" charset="0"/>
+                <a:ea typeface="맑은 고딕" charset="0"/>
+              </a:rPr>
+              <a:t>이름으로 정의합니다.</a:t>
+            </a:r>
+            <a:endParaRPr lang="ko-KR" altLang="en-US" sz="1800">
+              <a:latin typeface="맑은 고딕" charset="0"/>
+              <a:ea typeface="맑은 고딕" charset="0"/>
+            </a:endParaRPr>
+          </a:p>
+        </p:txBody>
+      </p:sp>
+      <p:pic>
+        <p:nvPicPr>
+          <p:cNvPr id="26" name="그림 4" descr="C:/Users/nwond/AppData/Roaming/PolarisOffice/ETemp/15948_24653384/fImage217131656334.png"/>
+          <p:cNvPicPr>
+            <a:picLocks noChangeAspect="1"/>
+          </p:cNvPicPr>
+          <p:nvPr/>
+        </p:nvPicPr>
+        <p:blipFill rotWithShape="1">
+          <a:blip r:embed="rId2" cstate="hqprint">
+            <a:extLst>
+              <a:ext uri="{28A0092B-C50C-407E-A947-70E740481C1C}">
+                <a14:useLocalDpi xmlns:a14="http://schemas.microsoft.com/office/drawing/2010/main"/>
+              </a:ext>
+            </a:extLst>
+          </a:blip>
+          <a:stretch>
+            <a:fillRect/>
+          </a:stretch>
+        </p:blipFill>
+        <p:spPr>
+          <a:xfrm rot="0">
+            <a:off x="1254760" y="1438910"/>
+            <a:ext cx="2733040" cy="3408680"/>
+          </a:xfrm>
+          <a:prstGeom prst="roundRect"/>
+          <a:solidFill>
+            <a:srgbClr val="EDEDED"/>
+          </a:solidFill>
+        </p:spPr>
+      </p:pic>
+      <p:pic>
+        <p:nvPicPr>
+          <p:cNvPr id="27" name="그림 5" descr="C:/Users/nwond/AppData/Roaming/PolarisOffice/ETemp/15948_24653384/fImage94321666500.png"/>
+          <p:cNvPicPr>
+            <a:picLocks noChangeAspect="1"/>
+          </p:cNvPicPr>
+          <p:nvPr/>
+        </p:nvPicPr>
+        <p:blipFill rotWithShape="1">
+          <a:blip r:embed="rId3" cstate="print">
+            <a:extLst>
+              <a:ext uri="{28A0092B-C50C-407E-A947-70E740481C1C}">
+                <a14:useLocalDpi xmlns:a14="http://schemas.microsoft.com/office/drawing/2010/main" val="0"/>
+              </a:ext>
+            </a:extLst>
+          </a:blip>
+          <a:stretch>
+            <a:fillRect/>
+          </a:stretch>
+        </p:blipFill>
+        <p:spPr>
+          <a:xfrm rot="0">
+            <a:off x="4108450" y="2377440"/>
+            <a:ext cx="1260475" cy="1533525"/>
+          </a:xfrm>
+          <a:prstGeom prst="roundRect"/>
+          <a:solidFill>
+            <a:srgbClr val="EDEDED"/>
+          </a:solidFill>
+        </p:spPr>
+      </p:pic>
+      <p:pic>
+        <p:nvPicPr>
+          <p:cNvPr id="28" name="그림 14" descr="C:/Users/nwond/AppData/Roaming/PolarisOffice/ETemp/15948_24653384/fImage128571699169.png"/>
+          <p:cNvPicPr>
+            <a:picLocks noChangeAspect="1"/>
+          </p:cNvPicPr>
+          <p:nvPr/>
+        </p:nvPicPr>
+        <p:blipFill rotWithShape="1">
+          <a:blip r:embed="rId4" cstate="print">
+            <a:extLst>
+              <a:ext uri="{28A0092B-C50C-407E-A947-70E740481C1C}">
+                <a14:useLocalDpi xmlns:a14="http://schemas.microsoft.com/office/drawing/2010/main" val="0"/>
+              </a:ext>
+            </a:extLst>
+          </a:blip>
+          <a:stretch>
+            <a:fillRect/>
+          </a:stretch>
+        </p:blipFill>
+        <p:spPr>
+          <a:xfrm rot="0">
+            <a:off x="6864985" y="1446530"/>
+            <a:ext cx="4095750" cy="1446530"/>
+          </a:xfrm>
+          <a:prstGeom prst="roundRect"/>
+          <a:solidFill>
+            <a:srgbClr val="EDEDED"/>
+          </a:solidFill>
+        </p:spPr>
+      </p:pic>
+      <p:pic>
+        <p:nvPicPr>
+          <p:cNvPr id="29" name="그림 17" descr="C:/Users/nwond/AppData/Roaming/PolarisOffice/ETemp/15948_24653384/fImage30171705724.png"/>
           <p:cNvPicPr>
             <a:picLocks noChangeAspect="1"/>
           </p:cNvPicPr>
@@ -8757,8 +9183,8 @@
         </p:blipFill>
         <p:spPr>
           <a:xfrm rot="0">
-            <a:off x="8812530" y="3978910"/>
-            <a:ext cx="2153920" cy="1397000"/>
+            <a:off x="8239125" y="4010025"/>
+            <a:ext cx="2728595" cy="1186180"/>
           </a:xfrm>
           <a:prstGeom prst="roundRect"/>
           <a:solidFill>
@@ -8766,9 +9192,149 @@
           </a:solidFill>
         </p:spPr>
       </p:pic>
+      <p:sp>
+        <p:nvSpPr>
+          <p:cNvPr id="30" name="텍스트 상자 18"/>
+          <p:cNvSpPr txBox="1">
+            <a:spLocks/>
+          </p:cNvSpPr>
+          <p:nvPr/>
+        </p:nvSpPr>
+        <p:spPr>
+          <a:xfrm rot="0">
+            <a:off x="6866890" y="5278120"/>
+            <a:ext cx="4087495" cy="954405"/>
+          </a:xfrm>
+          <a:prstGeom prst="rect"/>
+          <a:noFill/>
+          <a:ln w="0">
+            <a:noFill/>
+            <a:prstDash/>
+          </a:ln>
+        </p:spPr>
+        <p:txBody>
+          <a:bodyPr wrap="square" lIns="89535" tIns="46355" rIns="89535" bIns="46355" vert="horz" anchor="t">
+            <a:spAutoFit/>
+          </a:bodyPr>
+          <a:lstStyle/>
+          <a:p>
+            <a:pPr marL="0" indent="0" rtl="0" algn="l" defTabSz="914400" eaLnBrk="1" latinLnBrk="0" hangingPunct="1">
+              <a:buFontTx/>
+              <a:buNone/>
+            </a:pPr>
+            <a:r>
+              <a:rPr sz="1800" b="1">
+                <a:solidFill>
+                  <a:srgbClr val="0611F2"/>
+                </a:solidFill>
+                <a:latin typeface="맑은 고딕" charset="0"/>
+                <a:ea typeface="맑은 고딕" charset="0"/>
+              </a:rPr>
+              <a:t>1</a:t>
+            </a:r>
+            <a:r>
+              <a:rPr sz="1800" b="1">
+                <a:solidFill>
+                  <a:srgbClr val="0611F2"/>
+                </a:solidFill>
+                <a:latin typeface="맑은 고딕" charset="0"/>
+                <a:ea typeface="맑은 고딕" charset="0"/>
+              </a:rPr>
+              <a:t>9</a:t>
+            </a:r>
+            <a:r>
+              <a:rPr sz="1800" b="1">
+                <a:solidFill>
+                  <a:srgbClr val="0611F2"/>
+                </a:solidFill>
+                <a:latin typeface="맑은 고딕" charset="0"/>
+                <a:ea typeface="맑은 고딕" charset="0"/>
+              </a:rPr>
+              <a:t>.</a:t>
+            </a:r>
+            <a:r>
+              <a:rPr sz="2000">
+                <a:solidFill>
+                  <a:srgbClr val="0611F2"/>
+                </a:solidFill>
+                <a:latin typeface="맑은 고딕" charset="0"/>
+                <a:ea typeface="맑은 고딕" charset="0"/>
+              </a:rPr>
+              <a:t> </a:t>
+            </a:r>
+            <a:r>
+              <a:rPr sz="1800">
+                <a:latin typeface="맑은 고딕" charset="0"/>
+                <a:ea typeface="맑은 고딕" charset="0"/>
+              </a:rPr>
+              <a:t>그</a:t>
+            </a:r>
+            <a:r>
+              <a:rPr lang="ko-KR" sz="1800">
+                <a:latin typeface="맑은 고딕" charset="0"/>
+                <a:ea typeface="맑은 고딕" charset="0"/>
+              </a:rPr>
+              <a:t>러고 </a:t>
+            </a:r>
+            <a:r>
+              <a:rPr lang="ko-KR" sz="1800">
+                <a:latin typeface="맑은 고딕" charset="0"/>
+                <a:ea typeface="맑은 고딕" charset="0"/>
+              </a:rPr>
+              <a:t>나서</a:t>
+            </a:r>
+            <a:r>
+              <a:rPr sz="1800">
+                <a:latin typeface="맑은 고딕" charset="0"/>
+                <a:ea typeface="맑은 고딕" charset="0"/>
+              </a:rPr>
+              <a:t> </a:t>
+            </a:r>
+            <a:r>
+              <a:rPr lang="ko-KR" sz="1800">
+                <a:latin typeface="맑은 고딕" charset="0"/>
+                <a:ea typeface="맑은 고딕" charset="0"/>
+              </a:rPr>
+              <a:t>P</a:t>
+            </a:r>
+            <a:r>
+              <a:rPr lang="ko-KR" sz="1800">
+                <a:latin typeface="맑은 고딕" charset="0"/>
+                <a:ea typeface="맑은 고딕" charset="0"/>
+              </a:rPr>
+              <a:t>refab Re</a:t>
+            </a:r>
+            <a:r>
+              <a:rPr lang="ko-KR" sz="1800">
+                <a:latin typeface="맑은 고딕" charset="0"/>
+                <a:ea typeface="맑은 고딕" charset="0"/>
+              </a:rPr>
+              <a:t>l</a:t>
+            </a:r>
+            <a:r>
+              <a:rPr lang="ko-KR" sz="1800">
+                <a:latin typeface="맑은 고딕" charset="0"/>
+                <a:ea typeface="맑은 고딕" charset="0"/>
+              </a:rPr>
+              <a:t>ease</a:t>
+            </a:r>
+            <a:r>
+              <a:rPr sz="1800">
+                <a:latin typeface="맑은 고딕" charset="0"/>
+                <a:ea typeface="맑은 고딕" charset="0"/>
+              </a:rPr>
+              <a:t> Button 오브젝트의 On Click( ) 함수를 추가합니다.</a:t>
+            </a:r>
+            <a:endParaRPr lang="ko-KR" altLang="en-US" sz="1800">
+              <a:latin typeface="맑은 고딕" charset="0"/>
+              <a:ea typeface="맑은 고딕" charset="0"/>
+            </a:endParaRPr>
+          </a:p>
+        </p:txBody>
+      </p:sp>
       <p:pic>
         <p:nvPicPr>
-          <p:cNvPr id="24" name="그림 2" descr="C:/Users/nwond/AppData/Roaming/PolarisOffice/ETemp/17660_9042720/fImage6818808467.png"/>
+          <p:cNvPr id="31" name="그림 19" descr="C:/Users/nwond/AppData/Roaming/PolarisOffice/ETemp/15948_24653384/fImage94321721478.png"/>
           <p:cNvPicPr>
             <a:picLocks noChangeAspect="1"/>
           </p:cNvPicPr>
@@ -8788,8 +9354,8 @@
         </p:blipFill>
         <p:spPr>
           <a:xfrm rot="0">
-            <a:off x="6855460" y="3978910"/>
-            <a:ext cx="1814830" cy="1395095"/>
+            <a:off x="6861175" y="4016375"/>
+            <a:ext cx="1260475" cy="1170940"/>
           </a:xfrm>
           <a:prstGeom prst="roundRect"/>
           <a:solidFill>
@@ -8797,122 +9363,6 @@
           </a:solidFill>
         </p:spPr>
       </p:pic>
-      <p:sp>
-        <p:nvSpPr>
-          <p:cNvPr id="25" name="텍스트 상자 5"/>
-          <p:cNvSpPr txBox="1">
-            <a:spLocks/>
-          </p:cNvSpPr>
-          <p:nvPr/>
-        </p:nvSpPr>
-        <p:spPr>
-          <a:xfrm rot="0">
-            <a:off x="6861175" y="5528310"/>
-            <a:ext cx="4104005" cy="647065"/>
-          </a:xfrm>
-          <a:prstGeom prst="rect"/>
-          <a:noFill/>
-          <a:ln w="0">
-            <a:noFill/>
-            <a:prstDash/>
-          </a:ln>
-        </p:spPr>
-        <p:txBody>
-          <a:bodyPr wrap="square" lIns="89535" tIns="46355" rIns="89535" bIns="46355" numCol="1" vert="horz" anchor="t">
-            <a:spAutoFit/>
-          </a:bodyPr>
-          <a:lstStyle/>
-          <a:p>
-            <a:pPr marL="0" indent="0" rtl="0" algn="l" defTabSz="914400" eaLnBrk="1" latinLnBrk="0" hangingPunct="1">
-              <a:buFontTx/>
-              <a:buNone/>
-            </a:pPr>
-            <a:r>
-              <a:rPr lang="ko-KR" sz="1800" b="1">
-                <a:solidFill>
-                  <a:srgbClr val="0611F2"/>
-                </a:solidFill>
-                <a:latin typeface="맑은 고딕" charset="0"/>
-                <a:ea typeface="맑은 고딕" charset="0"/>
-              </a:rPr>
-              <a:t>1</a:t>
-            </a:r>
-            <a:r>
-              <a:rPr lang="ko-KR" sz="1800" b="1">
-                <a:solidFill>
-                  <a:srgbClr val="0611F2"/>
-                </a:solidFill>
-                <a:latin typeface="맑은 고딕" charset="0"/>
-                <a:ea typeface="맑은 고딕" charset="0"/>
-              </a:rPr>
-              <a:t>6</a:t>
-            </a:r>
-            <a:r>
-              <a:rPr sz="1800" b="1">
-                <a:solidFill>
-                  <a:srgbClr val="0611F2"/>
-                </a:solidFill>
-                <a:latin typeface="맑은 고딕" charset="0"/>
-                <a:ea typeface="맑은 고딕" charset="0"/>
-              </a:rPr>
-              <a:t>.</a:t>
-            </a:r>
-            <a:r>
-              <a:rPr sz="1800">
-                <a:latin typeface="맑은 고딕" charset="0"/>
-                <a:ea typeface="맑은 고딕" charset="0"/>
-              </a:rPr>
-              <a:t> </a:t>
-            </a:r>
-            <a:r>
-              <a:rPr lang="ko-KR" sz="1800">
-                <a:latin typeface="맑은 고딕" charset="0"/>
-                <a:ea typeface="맑은 고딕" charset="0"/>
-              </a:rPr>
-              <a:t>그리고 </a:t>
-            </a:r>
-            <a:r>
-              <a:rPr lang="ko-KR" sz="1800">
-                <a:latin typeface="맑은 고딕" charset="0"/>
-                <a:ea typeface="맑은 고딕" charset="0"/>
-              </a:rPr>
-              <a:t>월드 </a:t>
-            </a:r>
-            <a:r>
-              <a:rPr lang="ko-KR" sz="1800">
-                <a:latin typeface="맑은 고딕" charset="0"/>
-                <a:ea typeface="맑은 고딕" charset="0"/>
-              </a:rPr>
-              <a:t>공간에 </a:t>
-            </a:r>
-            <a:r>
-              <a:rPr lang="ko-KR" sz="1800">
-                <a:latin typeface="맑은 고딕" charset="0"/>
-                <a:ea typeface="맑은 고딕" charset="0"/>
-              </a:rPr>
-              <a:t>있는 Prefab Object를 </a:t>
-            </a:r>
-            <a:r>
-              <a:rPr lang="ko-KR" sz="1800">
-                <a:latin typeface="맑은 고딕" charset="0"/>
-                <a:ea typeface="맑은 고딕" charset="0"/>
-              </a:rPr>
-              <a:t>삭제합니다.</a:t>
-            </a:r>
-            <a:r>
-              <a:rPr lang="ko-KR" sz="1800">
-                <a:latin typeface="맑은 고딕" charset="0"/>
-                <a:ea typeface="맑은 고딕" charset="0"/>
-              </a:rPr>
-              <a:t> </a:t>
-            </a:r>
-            <a:endParaRPr lang="ko-KR" altLang="en-US" sz="1800">
-              <a:latin typeface="맑은 고딕" charset="0"/>
-              <a:ea typeface="맑은 고딕" charset="0"/>
-            </a:endParaRPr>
-          </a:p>
-        </p:txBody>
-      </p:sp>
     </p:spTree>
   </p:cSld>
   <p:clrMapOvr>

--- a/Assets/Prefab System/PPT Data/Prefab System Example.pptx
+++ b/Assets/Prefab System/PPT Data/Prefab System Example.pptx
@@ -2,7 +2,7 @@
 <file path=ppt/presentation.xml><?xml version="1.0" encoding="utf-8"?>
 <p:presentation xmlns:a="http://schemas.openxmlformats.org/drawingml/2006/main" xmlns:r="http://schemas.openxmlformats.org/officeDocument/2006/relationships" xmlns:p="http://schemas.openxmlformats.org/presentationml/2006/main" xmlns:p14="http://schemas.microsoft.com/office/powerpoint/2010/main" saveSubsetFonts="1" firstSlideNum="0">
   <p:sldMasterIdLst>
-    <p:sldMasterId id="2147485578" r:id="rId12"/>
+    <p:sldMasterId id="2147485580" r:id="rId12"/>
   </p:sldMasterIdLst>
   <p:notesMasterIdLst>
     <p:notesMasterId r:id="rId14"/>
@@ -14,7 +14,6 @@
     <p:sldId id="291" r:id="rId19"/>
     <p:sldId id="292" r:id="rId20"/>
     <p:sldId id="293" r:id="rId21"/>
-    <p:sldId id="294" r:id="rId22"/>
   </p:sldIdLst>
   <p:sldSz cx="12192000" cy="6858000"/>
   <p:notesSz cx="6858000" cy="9144000"/>
@@ -8684,678 +8683,6 @@
           <a:xfrm rot="0">
             <a:off x="6795770" y="3924935"/>
             <a:ext cx="4158615" cy="1518285"/>
-          </a:xfrm>
-          <a:prstGeom prst="roundRect"/>
-          <a:solidFill>
-            <a:srgbClr val="EDEDED"/>
-          </a:solidFill>
-        </p:spPr>
-      </p:pic>
-    </p:spTree>
-  </p:cSld>
-  <p:clrMapOvr>
-    <a:masterClrMapping/>
-  </p:clrMapOvr>
-  <mc:AlternateContent xmlns:mc="http://schemas.openxmlformats.org/markup-compatibility/2006">
-    <mc:Choice xmlns:p14="http://schemas.microsoft.com/office/powerpoint/2010/main" Requires="p14">
-      <p:transition spd="slow" p14:dur="1000"/>
-    </mc:Choice>
-    <mc:Fallback>
-      <p:transition spd="slow"/>
-    </mc:Fallback>
-  </mc:AlternateContent>
-  <p:timing>
-    <p:tnLst>
-      <p:par>
-        <p:cTn id="1" dur="indefinite" restart="never" nodeType="tmRoot"/>
-      </p:par>
-    </p:tnLst>
-  </p:timing>
-</p:sld>
-</file>
-
-<file path=ppt/slides/slide7.xml><?xml version="1.0" encoding="utf-8"?>
-<p:sld xmlns:a="http://schemas.openxmlformats.org/drawingml/2006/main" xmlns:r="http://schemas.openxmlformats.org/officeDocument/2006/relationships" xmlns:p="http://schemas.openxmlformats.org/presentationml/2006/main">
-  <p:cSld>
-    <p:spTree>
-      <p:nvGrpSpPr>
-        <p:cNvPr id="1" name=""/>
-        <p:cNvGrpSpPr/>
-        <p:nvPr/>
-      </p:nvGrpSpPr>
-      <p:grpSpPr>
-        <a:xfrm>
-          <a:off x="0" y="0"/>
-          <a:ext cx="0" cy="0"/>
-          <a:chOff x="0" y="0"/>
-          <a:chExt cx="0" cy="0"/>
-        </a:xfrm>
-      </p:grpSpPr>
-      <p:sp>
-        <p:nvSpPr>
-          <p:cNvPr id="2" name="Rect 0"/>
-          <p:cNvSpPr txBox="1">
-            <a:spLocks/>
-          </p:cNvSpPr>
-          <p:nvPr/>
-        </p:nvSpPr>
-        <p:spPr>
-          <a:xfrm rot="0">
-            <a:off x="4429125" y="468630"/>
-            <a:ext cx="3329940" cy="478155"/>
-          </a:xfrm>
-          <a:prstGeom prst="rect"/>
-          <a:noFill/>
-          <a:ln w="0">
-            <a:noFill/>
-            <a:prstDash/>
-          </a:ln>
-        </p:spPr>
-        <p:txBody>
-          <a:bodyPr wrap="square" lIns="89535" tIns="46355" rIns="89535" bIns="46355" numCol="1" vert="horz" anchor="t">
-            <a:spAutoFit/>
-          </a:bodyPr>
-          <a:lstStyle/>
-          <a:p>
-            <a:pPr marL="0" indent="0" rtl="0" algn="ctr" defTabSz="914400" eaLnBrk="1" latinLnBrk="0" hangingPunct="1">
-              <a:buFontTx/>
-              <a:buNone/>
-            </a:pPr>
-            <a:r>
-              <a:rPr lang="ko-KR" sz="2500" b="1">
-                <a:solidFill>
-                  <a:schemeClr val="tx1"/>
-                </a:solidFill>
-                <a:latin typeface="나눔바른고딕" charset="0"/>
-                <a:ea typeface="나눔바른고딕" charset="0"/>
-              </a:rPr>
-              <a:t>일곱</a:t>
-            </a:r>
-            <a:r>
-              <a:rPr sz="2500" b="1">
-                <a:solidFill>
-                  <a:schemeClr val="tx1"/>
-                </a:solidFill>
-                <a:latin typeface="나눔바른고딕" charset="0"/>
-                <a:ea typeface="나눔바른고딕" charset="0"/>
-              </a:rPr>
-              <a:t> 번째 </a:t>
-            </a:r>
-            <a:r>
-              <a:rPr lang="ko-KR" sz="2500" b="1">
-                <a:solidFill>
-                  <a:schemeClr val="tx1"/>
-                </a:solidFill>
-                <a:latin typeface="나눔바른고딕" charset="0"/>
-                <a:ea typeface="나눔바른고딕" charset="0"/>
-              </a:rPr>
-              <a:t>튜토리얼</a:t>
-            </a:r>
-            <a:endParaRPr lang="ko-KR" altLang="en-US" sz="2500" b="1">
-              <a:solidFill>
-                <a:schemeClr val="tx1"/>
-              </a:solidFill>
-              <a:latin typeface="나눔바른고딕" charset="0"/>
-              <a:ea typeface="나눔바른고딕" charset="0"/>
-            </a:endParaRPr>
-          </a:p>
-        </p:txBody>
-      </p:sp>
-      <p:sp>
-        <p:nvSpPr>
-          <p:cNvPr id="7" name="Rect 0"/>
-          <p:cNvSpPr txBox="1">
-            <a:spLocks/>
-          </p:cNvSpPr>
-          <p:nvPr/>
-        </p:nvSpPr>
-        <p:spPr>
-          <a:xfrm rot="0">
-            <a:off x="6863715" y="2973705"/>
-            <a:ext cx="4097020" cy="923925"/>
-          </a:xfrm>
-          <a:prstGeom prst="rect"/>
-          <a:noFill/>
-          <a:ln w="0">
-            <a:noFill/>
-            <a:prstDash/>
-          </a:ln>
-        </p:spPr>
-        <p:txBody>
-          <a:bodyPr wrap="square" lIns="89535" tIns="46355" rIns="89535" bIns="46355" numCol="1" vert="horz" anchor="t">
-            <a:spAutoFit/>
-          </a:bodyPr>
-          <a:lstStyle/>
-          <a:p>
-            <a:pPr marL="0" indent="0" rtl="0" algn="l" defTabSz="914400" eaLnBrk="1" latinLnBrk="0" hangingPunct="1">
-              <a:buFontTx/>
-              <a:buNone/>
-            </a:pPr>
-            <a:r>
-              <a:rPr lang="ko-KR" sz="1800" b="1">
-                <a:solidFill>
-                  <a:srgbClr val="0611F2"/>
-                </a:solidFill>
-                <a:latin typeface="맑은 고딕" charset="0"/>
-                <a:ea typeface="맑은 고딕" charset="0"/>
-              </a:rPr>
-              <a:t>1</a:t>
-            </a:r>
-            <a:r>
-              <a:rPr lang="ko-KR" sz="1800" b="1">
-                <a:solidFill>
-                  <a:srgbClr val="0611F2"/>
-                </a:solidFill>
-                <a:latin typeface="맑은 고딕" charset="0"/>
-                <a:ea typeface="맑은 고딕" charset="0"/>
-              </a:rPr>
-              <a:t>8</a:t>
-            </a:r>
-            <a:r>
-              <a:rPr sz="1800" b="1">
-                <a:solidFill>
-                  <a:srgbClr val="0611F2"/>
-                </a:solidFill>
-                <a:latin typeface="맑은 고딕" charset="0"/>
-                <a:ea typeface="맑은 고딕" charset="0"/>
-              </a:rPr>
-              <a:t>.</a:t>
-            </a:r>
-            <a:r>
-              <a:rPr sz="1800">
-                <a:latin typeface="맑은 고딕" charset="0"/>
-                <a:ea typeface="맑은 고딕" charset="0"/>
-              </a:rPr>
-              <a:t> </a:t>
-            </a:r>
-            <a:r>
-              <a:rPr lang="ko-KR" sz="1800">
-                <a:latin typeface="맑은 고딕" charset="0"/>
-                <a:ea typeface="맑은 고딕" charset="0"/>
-              </a:rPr>
-              <a:t>그다음</a:t>
-            </a:r>
-            <a:r>
-              <a:rPr lang="ko-KR" sz="1800">
-                <a:latin typeface="맑은 고딕" charset="0"/>
-                <a:ea typeface="맑은 고딕" charset="0"/>
-              </a:rPr>
-              <a:t> </a:t>
-            </a:r>
-            <a:r>
-              <a:rPr lang="ko-KR" sz="1800">
-                <a:latin typeface="맑은 고딕" charset="0"/>
-                <a:ea typeface="맑은 고딕" charset="0"/>
-              </a:rPr>
-              <a:t>P</a:t>
-            </a:r>
-            <a:r>
-              <a:rPr lang="ko-KR" sz="1800">
-                <a:latin typeface="맑은 고딕" charset="0"/>
-                <a:ea typeface="맑은 고딕" charset="0"/>
-              </a:rPr>
-              <a:t>refab Release Button</a:t>
-            </a:r>
-            <a:r>
-              <a:rPr lang="ko-KR" sz="1800">
-                <a:latin typeface="맑은 고딕" charset="0"/>
-                <a:ea typeface="맑은 고딕" charset="0"/>
-              </a:rPr>
-              <a:t> </a:t>
-            </a:r>
-            <a:r>
-              <a:rPr lang="ko-KR" sz="1800">
-                <a:latin typeface="맑은 고딕" charset="0"/>
-                <a:ea typeface="맑은 고딕" charset="0"/>
-              </a:rPr>
-              <a:t>오브젝트의 앵커를</a:t>
-            </a:r>
-            <a:r>
-              <a:rPr lang="ko-KR" sz="1800">
-                <a:latin typeface="맑은 고딕" charset="0"/>
-                <a:ea typeface="맑은 고딕" charset="0"/>
-              </a:rPr>
-              <a:t> </a:t>
-            </a:r>
-            <a:r>
-              <a:rPr lang="ko-KR" sz="1800">
-                <a:latin typeface="맑은 고딕" charset="0"/>
-                <a:ea typeface="맑은 고딕" charset="0"/>
-              </a:rPr>
-              <a:t>지정하고 위치와 크기 값을 설정합니다.</a:t>
-            </a:r>
-            <a:endParaRPr lang="ko-KR" altLang="en-US" sz="1800">
-              <a:latin typeface="맑은 고딕" charset="0"/>
-              <a:ea typeface="맑은 고딕" charset="0"/>
-            </a:endParaRPr>
-          </a:p>
-        </p:txBody>
-      </p:sp>
-      <p:sp>
-        <p:nvSpPr>
-          <p:cNvPr id="21" name="Rect 0"/>
-          <p:cNvSpPr txBox="1">
-            <a:spLocks/>
-          </p:cNvSpPr>
-          <p:nvPr/>
-        </p:nvSpPr>
-        <p:spPr>
-          <a:xfrm rot="0">
-            <a:off x="1250950" y="5039360"/>
-            <a:ext cx="4117975" cy="1200785"/>
-          </a:xfrm>
-          <a:prstGeom prst="rect"/>
-          <a:noFill/>
-          <a:ln w="0">
-            <a:noFill/>
-            <a:prstDash/>
-          </a:ln>
-        </p:spPr>
-        <p:txBody>
-          <a:bodyPr wrap="square" lIns="89535" tIns="46355" rIns="89535" bIns="46355" numCol="1" vert="horz" anchor="t">
-            <a:spAutoFit/>
-          </a:bodyPr>
-          <a:lstStyle/>
-          <a:p>
-            <a:pPr marL="0" indent="0" rtl="0" algn="l" defTabSz="914400" eaLnBrk="1" latinLnBrk="0" hangingPunct="1">
-              <a:buFontTx/>
-              <a:buNone/>
-            </a:pPr>
-            <a:r>
-              <a:rPr lang="ko-KR" sz="1800" b="1">
-                <a:solidFill>
-                  <a:srgbClr val="0611F2"/>
-                </a:solidFill>
-                <a:latin typeface="맑은 고딕" charset="0"/>
-                <a:ea typeface="맑은 고딕" charset="0"/>
-              </a:rPr>
-              <a:t>1</a:t>
-            </a:r>
-            <a:r>
-              <a:rPr lang="ko-KR" sz="1800" b="1">
-                <a:solidFill>
-                  <a:srgbClr val="0611F2"/>
-                </a:solidFill>
-                <a:latin typeface="맑은 고딕" charset="0"/>
-                <a:ea typeface="맑은 고딕" charset="0"/>
-              </a:rPr>
-              <a:t>7</a:t>
-            </a:r>
-            <a:r>
-              <a:rPr lang="ko-KR" sz="1800" b="1">
-                <a:solidFill>
-                  <a:srgbClr val="0611F2"/>
-                </a:solidFill>
-                <a:latin typeface="맑은 고딕" charset="0"/>
-                <a:ea typeface="맑은 고딕" charset="0"/>
-              </a:rPr>
-              <a:t>.</a:t>
-            </a:r>
-            <a:r>
-              <a:rPr sz="1800">
-                <a:latin typeface="맑은 고딕" charset="0"/>
-                <a:ea typeface="맑은 고딕" charset="0"/>
-              </a:rPr>
-              <a:t> 그</a:t>
-            </a:r>
-            <a:r>
-              <a:rPr lang="ko-KR" sz="1800">
-                <a:latin typeface="맑은 고딕" charset="0"/>
-                <a:ea typeface="맑은 고딕" charset="0"/>
-              </a:rPr>
-              <a:t>런 </a:t>
-            </a:r>
-            <a:r>
-              <a:rPr lang="ko-KR" sz="1800">
-                <a:latin typeface="맑은 고딕" charset="0"/>
-                <a:ea typeface="맑은 고딕" charset="0"/>
-              </a:rPr>
-              <a:t>다음</a:t>
-            </a:r>
-            <a:r>
-              <a:rPr sz="1800">
-                <a:latin typeface="맑은 고딕" charset="0"/>
-                <a:ea typeface="맑은 고딕" charset="0"/>
-              </a:rPr>
-              <a:t> UI에서 Button - TextMeshPro을 생성</a:t>
-            </a:r>
-            <a:r>
-              <a:rPr sz="1800">
-                <a:latin typeface="맑은 고딕" charset="0"/>
-                <a:ea typeface="맑은 고딕" charset="0"/>
-              </a:rPr>
-              <a:t>하고 P</a:t>
-            </a:r>
-            <a:r>
-              <a:rPr sz="1800">
-                <a:latin typeface="맑은 고딕" charset="0"/>
-                <a:ea typeface="맑은 고딕" charset="0"/>
-              </a:rPr>
-              <a:t>refab </a:t>
-            </a:r>
-            <a:r>
-              <a:rPr lang="ko-KR" sz="1800">
-                <a:latin typeface="맑은 고딕" charset="0"/>
-                <a:ea typeface="맑은 고딕" charset="0"/>
-              </a:rPr>
-              <a:t>R</a:t>
-            </a:r>
-            <a:r>
-              <a:rPr lang="ko-KR" sz="1800">
-                <a:latin typeface="맑은 고딕" charset="0"/>
-                <a:ea typeface="맑은 고딕" charset="0"/>
-              </a:rPr>
-              <a:t>elease Butto</a:t>
-            </a:r>
-            <a:r>
-              <a:rPr lang="ko-KR" sz="1800">
-                <a:latin typeface="맑은 고딕" charset="0"/>
-                <a:ea typeface="맑은 고딕" charset="0"/>
-              </a:rPr>
-              <a:t>n이라는 </a:t>
-            </a:r>
-            <a:r>
-              <a:rPr lang="ko-KR" sz="1800">
-                <a:latin typeface="맑은 고딕" charset="0"/>
-                <a:ea typeface="맑은 고딕" charset="0"/>
-              </a:rPr>
-              <a:t>이름으로 정의합니다.</a:t>
-            </a:r>
-            <a:endParaRPr lang="ko-KR" altLang="en-US" sz="1800">
-              <a:latin typeface="맑은 고딕" charset="0"/>
-              <a:ea typeface="맑은 고딕" charset="0"/>
-            </a:endParaRPr>
-          </a:p>
-        </p:txBody>
-      </p:sp>
-      <p:pic>
-        <p:nvPicPr>
-          <p:cNvPr id="26" name="그림 4" descr="C:/Users/nwond/AppData/Roaming/PolarisOffice/ETemp/15948_24653384/fImage217131656334.png"/>
-          <p:cNvPicPr>
-            <a:picLocks noChangeAspect="1"/>
-          </p:cNvPicPr>
-          <p:nvPr/>
-        </p:nvPicPr>
-        <p:blipFill rotWithShape="1">
-          <a:blip r:embed="rId2" cstate="hqprint">
-            <a:extLst>
-              <a:ext uri="{28A0092B-C50C-407E-A947-70E740481C1C}">
-                <a14:useLocalDpi xmlns:a14="http://schemas.microsoft.com/office/drawing/2010/main"/>
-              </a:ext>
-            </a:extLst>
-          </a:blip>
-          <a:stretch>
-            <a:fillRect/>
-          </a:stretch>
-        </p:blipFill>
-        <p:spPr>
-          <a:xfrm rot="0">
-            <a:off x="1254760" y="1438910"/>
-            <a:ext cx="2733040" cy="3408680"/>
-          </a:xfrm>
-          <a:prstGeom prst="roundRect"/>
-          <a:solidFill>
-            <a:srgbClr val="EDEDED"/>
-          </a:solidFill>
-        </p:spPr>
-      </p:pic>
-      <p:pic>
-        <p:nvPicPr>
-          <p:cNvPr id="27" name="그림 5" descr="C:/Users/nwond/AppData/Roaming/PolarisOffice/ETemp/15948_24653384/fImage94321666500.png"/>
-          <p:cNvPicPr>
-            <a:picLocks noChangeAspect="1"/>
-          </p:cNvPicPr>
-          <p:nvPr/>
-        </p:nvPicPr>
-        <p:blipFill rotWithShape="1">
-          <a:blip r:embed="rId3" cstate="print">
-            <a:extLst>
-              <a:ext uri="{28A0092B-C50C-407E-A947-70E740481C1C}">
-                <a14:useLocalDpi xmlns:a14="http://schemas.microsoft.com/office/drawing/2010/main" val="0"/>
-              </a:ext>
-            </a:extLst>
-          </a:blip>
-          <a:stretch>
-            <a:fillRect/>
-          </a:stretch>
-        </p:blipFill>
-        <p:spPr>
-          <a:xfrm rot="0">
-            <a:off x="4108450" y="2377440"/>
-            <a:ext cx="1260475" cy="1533525"/>
-          </a:xfrm>
-          <a:prstGeom prst="roundRect"/>
-          <a:solidFill>
-            <a:srgbClr val="EDEDED"/>
-          </a:solidFill>
-        </p:spPr>
-      </p:pic>
-      <p:pic>
-        <p:nvPicPr>
-          <p:cNvPr id="28" name="그림 14" descr="C:/Users/nwond/AppData/Roaming/PolarisOffice/ETemp/15948_24653384/fImage128571699169.png"/>
-          <p:cNvPicPr>
-            <a:picLocks noChangeAspect="1"/>
-          </p:cNvPicPr>
-          <p:nvPr/>
-        </p:nvPicPr>
-        <p:blipFill rotWithShape="1">
-          <a:blip r:embed="rId4" cstate="print">
-            <a:extLst>
-              <a:ext uri="{28A0092B-C50C-407E-A947-70E740481C1C}">
-                <a14:useLocalDpi xmlns:a14="http://schemas.microsoft.com/office/drawing/2010/main" val="0"/>
-              </a:ext>
-            </a:extLst>
-          </a:blip>
-          <a:stretch>
-            <a:fillRect/>
-          </a:stretch>
-        </p:blipFill>
-        <p:spPr>
-          <a:xfrm rot="0">
-            <a:off x="6864985" y="1446530"/>
-            <a:ext cx="4095750" cy="1446530"/>
-          </a:xfrm>
-          <a:prstGeom prst="roundRect"/>
-          <a:solidFill>
-            <a:srgbClr val="EDEDED"/>
-          </a:solidFill>
-        </p:spPr>
-      </p:pic>
-      <p:pic>
-        <p:nvPicPr>
-          <p:cNvPr id="29" name="그림 17" descr="C:/Users/nwond/AppData/Roaming/PolarisOffice/ETemp/15948_24653384/fImage30171705724.png"/>
-          <p:cNvPicPr>
-            <a:picLocks noChangeAspect="1"/>
-          </p:cNvPicPr>
-          <p:nvPr/>
-        </p:nvPicPr>
-        <p:blipFill rotWithShape="1">
-          <a:blip r:embed="rId5" cstate="hqprint">
-            <a:extLst>
-              <a:ext uri="{28A0092B-C50C-407E-A947-70E740481C1C}">
-                <a14:useLocalDpi xmlns:a14="http://schemas.microsoft.com/office/drawing/2010/main"/>
-              </a:ext>
-            </a:extLst>
-          </a:blip>
-          <a:stretch>
-            <a:fillRect/>
-          </a:stretch>
-        </p:blipFill>
-        <p:spPr>
-          <a:xfrm rot="0">
-            <a:off x="8239125" y="4010025"/>
-            <a:ext cx="2728595" cy="1186180"/>
-          </a:xfrm>
-          <a:prstGeom prst="roundRect"/>
-          <a:solidFill>
-            <a:srgbClr val="EDEDED"/>
-          </a:solidFill>
-        </p:spPr>
-      </p:pic>
-      <p:sp>
-        <p:nvSpPr>
-          <p:cNvPr id="30" name="텍스트 상자 18"/>
-          <p:cNvSpPr txBox="1">
-            <a:spLocks/>
-          </p:cNvSpPr>
-          <p:nvPr/>
-        </p:nvSpPr>
-        <p:spPr>
-          <a:xfrm rot="0">
-            <a:off x="6866890" y="5278120"/>
-            <a:ext cx="4087495" cy="954405"/>
-          </a:xfrm>
-          <a:prstGeom prst="rect"/>
-          <a:noFill/>
-          <a:ln w="0">
-            <a:noFill/>
-            <a:prstDash/>
-          </a:ln>
-        </p:spPr>
-        <p:txBody>
-          <a:bodyPr wrap="square" lIns="89535" tIns="46355" rIns="89535" bIns="46355" vert="horz" anchor="t">
-            <a:spAutoFit/>
-          </a:bodyPr>
-          <a:lstStyle/>
-          <a:p>
-            <a:pPr marL="0" indent="0" rtl="0" algn="l" defTabSz="914400" eaLnBrk="1" latinLnBrk="0" hangingPunct="1">
-              <a:buFontTx/>
-              <a:buNone/>
-            </a:pPr>
-            <a:r>
-              <a:rPr sz="1800" b="1">
-                <a:solidFill>
-                  <a:srgbClr val="0611F2"/>
-                </a:solidFill>
-                <a:latin typeface="맑은 고딕" charset="0"/>
-                <a:ea typeface="맑은 고딕" charset="0"/>
-              </a:rPr>
-              <a:t>1</a:t>
-            </a:r>
-            <a:r>
-              <a:rPr sz="1800" b="1">
-                <a:solidFill>
-                  <a:srgbClr val="0611F2"/>
-                </a:solidFill>
-                <a:latin typeface="맑은 고딕" charset="0"/>
-                <a:ea typeface="맑은 고딕" charset="0"/>
-              </a:rPr>
-              <a:t>9</a:t>
-            </a:r>
-            <a:r>
-              <a:rPr sz="1800" b="1">
-                <a:solidFill>
-                  <a:srgbClr val="0611F2"/>
-                </a:solidFill>
-                <a:latin typeface="맑은 고딕" charset="0"/>
-                <a:ea typeface="맑은 고딕" charset="0"/>
-              </a:rPr>
-              <a:t>.</a:t>
-            </a:r>
-            <a:r>
-              <a:rPr sz="2000">
-                <a:solidFill>
-                  <a:srgbClr val="0611F2"/>
-                </a:solidFill>
-                <a:latin typeface="맑은 고딕" charset="0"/>
-                <a:ea typeface="맑은 고딕" charset="0"/>
-              </a:rPr>
-              <a:t> </a:t>
-            </a:r>
-            <a:r>
-              <a:rPr sz="1800">
-                <a:latin typeface="맑은 고딕" charset="0"/>
-                <a:ea typeface="맑은 고딕" charset="0"/>
-              </a:rPr>
-              <a:t>그</a:t>
-            </a:r>
-            <a:r>
-              <a:rPr lang="ko-KR" sz="1800">
-                <a:latin typeface="맑은 고딕" charset="0"/>
-                <a:ea typeface="맑은 고딕" charset="0"/>
-              </a:rPr>
-              <a:t>러고 </a:t>
-            </a:r>
-            <a:r>
-              <a:rPr lang="ko-KR" sz="1800">
-                <a:latin typeface="맑은 고딕" charset="0"/>
-                <a:ea typeface="맑은 고딕" charset="0"/>
-              </a:rPr>
-              <a:t>나서</a:t>
-            </a:r>
-            <a:r>
-              <a:rPr sz="1800">
-                <a:latin typeface="맑은 고딕" charset="0"/>
-                <a:ea typeface="맑은 고딕" charset="0"/>
-              </a:rPr>
-              <a:t> </a:t>
-            </a:r>
-            <a:r>
-              <a:rPr lang="ko-KR" sz="1800">
-                <a:latin typeface="맑은 고딕" charset="0"/>
-                <a:ea typeface="맑은 고딕" charset="0"/>
-              </a:rPr>
-              <a:t>P</a:t>
-            </a:r>
-            <a:r>
-              <a:rPr lang="ko-KR" sz="1800">
-                <a:latin typeface="맑은 고딕" charset="0"/>
-                <a:ea typeface="맑은 고딕" charset="0"/>
-              </a:rPr>
-              <a:t>refab Re</a:t>
-            </a:r>
-            <a:r>
-              <a:rPr lang="ko-KR" sz="1800">
-                <a:latin typeface="맑은 고딕" charset="0"/>
-                <a:ea typeface="맑은 고딕" charset="0"/>
-              </a:rPr>
-              <a:t>l</a:t>
-            </a:r>
-            <a:r>
-              <a:rPr lang="ko-KR" sz="1800">
-                <a:latin typeface="맑은 고딕" charset="0"/>
-                <a:ea typeface="맑은 고딕" charset="0"/>
-              </a:rPr>
-              <a:t>ease</a:t>
-            </a:r>
-            <a:r>
-              <a:rPr sz="1800">
-                <a:latin typeface="맑은 고딕" charset="0"/>
-                <a:ea typeface="맑은 고딕" charset="0"/>
-              </a:rPr>
-              <a:t> Button 오브젝트의 On Click( ) 함수를 추가합니다.</a:t>
-            </a:r>
-            <a:endParaRPr lang="ko-KR" altLang="en-US" sz="1800">
-              <a:latin typeface="맑은 고딕" charset="0"/>
-              <a:ea typeface="맑은 고딕" charset="0"/>
-            </a:endParaRPr>
-          </a:p>
-        </p:txBody>
-      </p:sp>
-      <p:pic>
-        <p:nvPicPr>
-          <p:cNvPr id="31" name="그림 19" descr="C:/Users/nwond/AppData/Roaming/PolarisOffice/ETemp/15948_24653384/fImage94321721478.png"/>
-          <p:cNvPicPr>
-            <a:picLocks noChangeAspect="1"/>
-          </p:cNvPicPr>
-          <p:nvPr/>
-        </p:nvPicPr>
-        <p:blipFill rotWithShape="1">
-          <a:blip r:embed="rId6" cstate="print">
-            <a:extLst>
-              <a:ext uri="{28A0092B-C50C-407E-A947-70E740481C1C}">
-                <a14:useLocalDpi xmlns:a14="http://schemas.microsoft.com/office/drawing/2010/main" val="0"/>
-              </a:ext>
-            </a:extLst>
-          </a:blip>
-          <a:stretch>
-            <a:fillRect/>
-          </a:stretch>
-        </p:blipFill>
-        <p:spPr>
-          <a:xfrm rot="0">
-            <a:off x="6861175" y="4016375"/>
-            <a:ext cx="1260475" cy="1170940"/>
           </a:xfrm>
           <a:prstGeom prst="roundRect"/>
           <a:solidFill>

--- a/Assets/Prefab System/PPT Data/Prefab System Example.pptx
+++ b/Assets/Prefab System/PPT Data/Prefab System Example.pptx
@@ -2,7 +2,7 @@
 <file path=ppt/presentation.xml><?xml version="1.0" encoding="utf-8"?>
 <p:presentation xmlns:a="http://schemas.openxmlformats.org/drawingml/2006/main" xmlns:r="http://schemas.openxmlformats.org/officeDocument/2006/relationships" xmlns:p="http://schemas.openxmlformats.org/presentationml/2006/main" xmlns:p14="http://schemas.microsoft.com/office/powerpoint/2010/main" saveSubsetFonts="1" firstSlideNum="0">
   <p:sldMasterIdLst>
-    <p:sldMasterId id="2147485580" r:id="rId12"/>
+    <p:sldMasterId id="2147485589" r:id="rId12"/>
   </p:sldMasterIdLst>
   <p:notesMasterIdLst>
     <p:notesMasterId r:id="rId14"/>
@@ -5434,8 +5434,8 @@
         </p:nvSpPr>
         <p:spPr>
           <a:xfrm rot="0">
-            <a:off x="1244600" y="4877435"/>
-            <a:ext cx="4135120" cy="1231265"/>
+            <a:off x="1238250" y="5156835"/>
+            <a:ext cx="4135755" cy="954405"/>
           </a:xfrm>
           <a:prstGeom prst="rect"/>
           <a:noFill/>
@@ -5479,28 +5479,7 @@
                 <a:latin typeface="맑은 고딕" charset="0"/>
                 <a:ea typeface="맑은 고딕" charset="0"/>
               </a:rPr>
-              <a:t>첫 번째로 </a:t>
-            </a:r>
-            <a:r>
-              <a:rPr lang="ko-KR" sz="1800">
-                <a:latin typeface="맑은 고딕" charset="0"/>
-                <a:ea typeface="맑은 고딕" charset="0"/>
-              </a:rPr>
-              <a:t>C</a:t>
-            </a:r>
-            <a:r>
-              <a:rPr lang="ko-KR" sz="1800">
-                <a:latin typeface="맑은 고딕" charset="0"/>
-                <a:ea typeface="맑은 고딕" charset="0"/>
-              </a:rPr>
-              <a:t>reate Empty</a:t>
-            </a:r>
-            <a:r>
-              <a:rPr lang="ko-KR" sz="1800">
-                <a:latin typeface="맑은 고딕" charset="0"/>
-                <a:ea typeface="맑은 고딕" charset="0"/>
-              </a:rPr>
-              <a:t>을</a:t>
+              <a:t>첫</a:t>
             </a:r>
             <a:r>
               <a:rPr lang="ko-KR" sz="1800">
@@ -5514,77 +5493,63 @@
                 <a:latin typeface="맑은 고딕" charset="0"/>
                 <a:ea typeface="맑은 고딕" charset="0"/>
               </a:rPr>
-              <a:t>선택</a:t>
-            </a:r>
-            <a:r>
-              <a:rPr lang="ko-KR" sz="1800">
-                <a:latin typeface="맑은 고딕" charset="0"/>
-                <a:ea typeface="맑은 고딕" charset="0"/>
-              </a:rPr>
-              <a:t>하여 빈 </a:t>
-            </a:r>
-            <a:r>
-              <a:rPr lang="ko-KR" sz="1800">
-                <a:latin typeface="맑은 고딕" charset="0"/>
-                <a:ea typeface="맑은 고딕" charset="0"/>
-              </a:rPr>
-              <a:t>게임 오브젝트를 </a:t>
-            </a:r>
-            <a:r>
-              <a:rPr lang="ko-KR" sz="1800">
-                <a:latin typeface="맑은 고딕" charset="0"/>
-                <a:ea typeface="맑은 고딕" charset="0"/>
-              </a:rPr>
-              <a:t>생성한 </a:t>
-            </a:r>
-            <a:r>
-              <a:rPr lang="ko-KR" sz="1800">
-                <a:latin typeface="맑은 고딕" charset="0"/>
-                <a:ea typeface="맑은 고딕" charset="0"/>
-              </a:rPr>
-              <a:t>다음</a:t>
-            </a:r>
-            <a:r>
-              <a:rPr lang="ko-KR" sz="1800">
-                <a:latin typeface="맑은 고딕" charset="0"/>
-                <a:ea typeface="맑은 고딕" charset="0"/>
-              </a:rPr>
-              <a:t> Pr</a:t>
-            </a:r>
-            <a:r>
-              <a:rPr lang="ko-KR" sz="1800">
-                <a:latin typeface="맑은 고딕" charset="0"/>
-                <a:ea typeface="맑은 고딕" charset="0"/>
-              </a:rPr>
-              <a:t>efa</a:t>
-            </a:r>
-            <a:r>
-              <a:rPr lang="ko-KR" sz="1800">
-                <a:latin typeface="맑은 고딕" charset="0"/>
-                <a:ea typeface="맑은 고딕" charset="0"/>
-              </a:rPr>
-              <a:t>b</a:t>
-            </a:r>
-            <a:r>
-              <a:rPr lang="ko-KR" sz="1800">
-                <a:latin typeface="맑은 고딕" charset="0"/>
-                <a:ea typeface="맑은 고딕" charset="0"/>
-              </a:rPr>
-              <a:t> O</a:t>
-            </a:r>
-            <a:r>
-              <a:rPr lang="ko-KR" sz="1800">
-                <a:latin typeface="맑은 고딕" charset="0"/>
-                <a:ea typeface="맑은 고딕" charset="0"/>
-              </a:rPr>
-              <a:t>b</a:t>
-            </a:r>
-            <a:r>
-              <a:rPr lang="ko-KR" sz="1800">
-                <a:latin typeface="맑은 고딕" charset="0"/>
-                <a:ea typeface="맑은 고딕" charset="0"/>
-              </a:rPr>
-              <a:t>ject라는 이름으로 정의합니다.</a:t>
+              <a:t>번째로</a:t>
+            </a:r>
+            <a:r>
+              <a:rPr lang="ko-KR" sz="1800">
+                <a:latin typeface="맑은 고딕" charset="0"/>
+                <a:ea typeface="맑은 고딕" charset="0"/>
+              </a:rPr>
+              <a:t> </a:t>
+            </a:r>
+            <a:r>
+              <a:rPr lang="ko-KR" sz="1800">
+                <a:latin typeface="맑은 고딕" charset="0"/>
+                <a:ea typeface="맑은 고딕" charset="0"/>
+              </a:rPr>
+              <a:t>Create Empty을 선택</a:t>
+            </a:r>
+            <a:r>
+              <a:rPr lang="ko-KR" sz="1800">
+                <a:latin typeface="맑은 고딕" charset="0"/>
+                <a:ea typeface="맑은 고딕" charset="0"/>
+              </a:rPr>
+              <a:t>한 다음</a:t>
+            </a:r>
+            <a:r>
+              <a:rPr lang="ko-KR" sz="1800">
+                <a:latin typeface="맑은 고딕" charset="0"/>
+                <a:ea typeface="맑은 고딕" charset="0"/>
+              </a:rPr>
+              <a:t> 빈 게임 오브젝트를 생성</a:t>
+            </a:r>
+            <a:r>
+              <a:rPr lang="ko-KR" sz="1800">
+                <a:latin typeface="맑은 고딕" charset="0"/>
+                <a:ea typeface="맑은 고딕" charset="0"/>
+              </a:rPr>
+              <a:t>하고</a:t>
+            </a:r>
+            <a:r>
+              <a:rPr lang="ko-KR" sz="1800">
+                <a:latin typeface="맑은 고딕" charset="0"/>
+                <a:ea typeface="맑은 고딕" charset="0"/>
+              </a:rPr>
+              <a:t> Prefab</a:t>
+            </a:r>
+            <a:r>
+              <a:rPr lang="ko-KR" sz="1800">
+                <a:latin typeface="맑은 고딕" charset="0"/>
+                <a:ea typeface="맑은 고딕" charset="0"/>
+              </a:rPr>
+              <a:t>이</a:t>
+            </a:r>
+            <a:r>
+              <a:rPr lang="ko-KR" sz="1800">
+                <a:latin typeface="맑은 고딕" charset="0"/>
+                <a:ea typeface="맑은 고딕" charset="0"/>
+              </a:rPr>
+              <a:t>라는 이름으로 정의합니다.</a:t>
             </a:r>
             <a:endParaRPr lang="ko-KR" altLang="en-US" sz="1800">
               <a:latin typeface="맑은 고딕" charset="0"/>
@@ -5603,8 +5568,8 @@
         </p:nvSpPr>
         <p:spPr>
           <a:xfrm rot="0">
-            <a:off x="6795135" y="3225165"/>
-            <a:ext cx="4153535" cy="678180"/>
+            <a:off x="6795135" y="3250565"/>
+            <a:ext cx="4154170" cy="677545"/>
           </a:xfrm>
           <a:prstGeom prst="rect"/>
           <a:noFill/>
@@ -5648,7 +5613,21 @@
                 <a:latin typeface="맑은 고딕" charset="0"/>
                 <a:ea typeface="맑은 고딕" charset="0"/>
               </a:rPr>
-              <a:t> 이제 Prefab Object의 위치와 회전 값을 초기화합니다.</a:t>
+              <a:t> 이제 Prefab </a:t>
+            </a:r>
+            <a:r>
+              <a:rPr lang="ko-KR" sz="1800">
+                <a:latin typeface="맑은 고딕" charset="0"/>
+                <a:ea typeface="맑은 고딕" charset="0"/>
+              </a:rPr>
+              <a:t>오브젝트</a:t>
+            </a:r>
+            <a:r>
+              <a:rPr lang="ko-KR" sz="1800">
+                <a:latin typeface="맑은 고딕" charset="0"/>
+                <a:ea typeface="맑은 고딕" charset="0"/>
+              </a:rPr>
+              <a:t>의 위치와 회전 값을 초기화합니다.</a:t>
             </a:r>
             <a:endParaRPr lang="ko-KR" altLang="en-US" sz="1800">
               <a:latin typeface="맑은 고딕" charset="0"/>
@@ -5659,7 +5638,7 @@
       </p:sp>
       <p:pic>
         <p:nvPicPr>
-          <p:cNvPr id="43" name="그림 8"/>
+          <p:cNvPr id="43" name="그림 8" descr="C:/Users/nwond/AppData/Roaming/PolarisOffice/ETemp/7560_20253696/fImage85066341.png"/>
           <p:cNvPicPr>
             <a:picLocks noChangeAspect="1"/>
           </p:cNvPicPr>
@@ -5680,7 +5659,7 @@
         <p:spPr>
           <a:xfrm rot="0">
             <a:off x="1240790" y="1452880"/>
-            <a:ext cx="2585720" cy="3264535"/>
+            <a:ext cx="2586355" cy="3611880"/>
           </a:xfrm>
           <a:prstGeom prst="roundRect"/>
           <a:solidFill>
@@ -5690,38 +5669,7 @@
       </p:pic>
       <p:pic>
         <p:nvPicPr>
-          <p:cNvPr id="44" name="그림 9"/>
-          <p:cNvPicPr>
-            <a:picLocks noChangeAspect="1"/>
-          </p:cNvPicPr>
-          <p:nvPr/>
-        </p:nvPicPr>
-        <p:blipFill rotWithShape="1">
-          <a:blip r:embed="rId32" cstate="print">
-            <a:extLst>
-              <a:ext uri="{28A0092B-C50C-407E-A947-70E740481C1C}">
-                <a14:useLocalDpi xmlns:a14="http://schemas.microsoft.com/office/drawing/2010/main" val="0"/>
-              </a:ext>
-            </a:extLst>
-          </a:blip>
-          <a:stretch>
-            <a:fillRect/>
-          </a:stretch>
-        </p:blipFill>
-        <p:spPr>
-          <a:xfrm rot="0">
-            <a:off x="4003040" y="2395855"/>
-            <a:ext cx="1379220" cy="1377950"/>
-          </a:xfrm>
-          <a:prstGeom prst="roundRect"/>
-          <a:solidFill>
-            <a:srgbClr val="EDEDED"/>
-          </a:solidFill>
-        </p:spPr>
-      </p:pic>
-      <p:pic>
-        <p:nvPicPr>
-          <p:cNvPr id="45" name="그림 12"/>
+          <p:cNvPr id="45" name="그림 12" descr="C:/Users/nwond/AppData/Roaming/PolarisOffice/ETemp/7560_20253696/fImage5904656334.png"/>
           <p:cNvPicPr>
             <a:picLocks noChangeAspect="1"/>
           </p:cNvPicPr>
@@ -5741,8 +5689,8 @@
         </p:blipFill>
         <p:spPr>
           <a:xfrm rot="0">
-            <a:off x="8334375" y="4033520"/>
-            <a:ext cx="2613660" cy="1018540"/>
+            <a:off x="8384540" y="3984625"/>
+            <a:ext cx="2564130" cy="1173480"/>
           </a:xfrm>
           <a:prstGeom prst="roundRect"/>
           <a:solidFill>
@@ -5750,19 +5698,97 @@
           </a:solidFill>
         </p:spPr>
       </p:pic>
+      <p:sp>
+        <p:nvSpPr>
+          <p:cNvPr id="49" name="텍스트 상자 4"/>
+          <p:cNvSpPr txBox="1">
+            <a:spLocks/>
+          </p:cNvSpPr>
+          <p:nvPr/>
+        </p:nvSpPr>
+        <p:spPr>
+          <a:xfrm rot="0">
+            <a:off x="6807835" y="5158105"/>
+            <a:ext cx="4146550" cy="954405"/>
+          </a:xfrm>
+          <a:prstGeom prst="rect"/>
+          <a:noFill/>
+          <a:ln w="0">
+            <a:noFill/>
+            <a:prstDash/>
+          </a:ln>
+        </p:spPr>
+        <p:txBody>
+          <a:bodyPr wrap="square" lIns="89535" tIns="46355" rIns="89535" bIns="46355" numCol="1" vert="horz" anchor="t">
+            <a:spAutoFit/>
+          </a:bodyPr>
+          <a:lstStyle/>
+          <a:p>
+            <a:pPr marL="0" indent="0" rtl="0" algn="l" defTabSz="914400" eaLnBrk="1" latinLnBrk="0" hangingPunct="1">
+              <a:buFontTx/>
+              <a:buNone/>
+            </a:pPr>
+            <a:r>
+              <a:rPr lang="ko-KR" sz="2000" b="1">
+                <a:solidFill>
+                  <a:srgbClr val="0611F2"/>
+                </a:solidFill>
+                <a:latin typeface="맑은 고딕" charset="0"/>
+                <a:ea typeface="맑은 고딕" charset="0"/>
+              </a:rPr>
+              <a:t>3</a:t>
+            </a:r>
+            <a:r>
+              <a:rPr sz="2000" b="1">
+                <a:solidFill>
+                  <a:srgbClr val="0611F2"/>
+                </a:solidFill>
+                <a:latin typeface="맑은 고딕" charset="0"/>
+                <a:ea typeface="맑은 고딕" charset="0"/>
+              </a:rPr>
+              <a:t>.</a:t>
+            </a:r>
+            <a:r>
+              <a:rPr lang="ko-KR" sz="1800">
+                <a:latin typeface="맑은 고딕" charset="0"/>
+                <a:ea typeface="맑은 고딕" charset="0"/>
+              </a:rPr>
+              <a:t> 그리고 Project 폴더 아래에 있는 Prefabs 폴더에 Prefab </a:t>
+            </a:r>
+            <a:r>
+              <a:rPr lang="ko-KR" sz="1800">
+                <a:latin typeface="맑은 고딕" charset="0"/>
+                <a:ea typeface="맑은 고딕" charset="0"/>
+              </a:rPr>
+              <a:t>오브젝트</a:t>
+            </a:r>
+            <a:r>
+              <a:rPr lang="ko-KR" sz="1800">
+                <a:latin typeface="맑은 고딕" charset="0"/>
+                <a:ea typeface="맑은 고딕" charset="0"/>
+              </a:rPr>
+              <a:t>를 넣어줍니다.  </a:t>
+            </a:r>
+            <a:endParaRPr lang="ko-KR" altLang="en-US" sz="1800">
+              <a:latin typeface="맑은 고딕" charset="0"/>
+              <a:ea typeface="맑은 고딕" charset="0"/>
+            </a:endParaRPr>
+          </a:p>
+        </p:txBody>
+      </p:sp>
       <p:pic>
         <p:nvPicPr>
-          <p:cNvPr id="46" name="그림 15"/>
+          <p:cNvPr id="50" name="그림 13" descr="C:/Users/nwond/AppData/Roaming/PolarisOffice/ETemp/7560_20253696/fImage48068541.png"/>
           <p:cNvPicPr>
             <a:picLocks noChangeAspect="1"/>
           </p:cNvPicPr>
           <p:nvPr/>
         </p:nvPicPr>
         <p:blipFill rotWithShape="1">
-          <a:blip r:embed="rId34" cstate="hqprint">
+          <a:blip r:embed="rId37" cstate="print">
             <a:extLst>
               <a:ext uri="{28A0092B-C50C-407E-A947-70E740481C1C}">
-                <a14:useLocalDpi xmlns:a14="http://schemas.microsoft.com/office/drawing/2010/main"/>
+                <a14:useLocalDpi xmlns:a14="http://schemas.microsoft.com/office/drawing/2010/main" val="0"/>
               </a:ext>
             </a:extLst>
           </a:blip>
@@ -5772,8 +5798,8 @@
         </p:blipFill>
         <p:spPr>
           <a:xfrm rot="0">
-            <a:off x="6801485" y="4032885"/>
-            <a:ext cx="1397635" cy="1012190"/>
+            <a:off x="3965575" y="2569210"/>
+            <a:ext cx="1409700" cy="1353820"/>
           </a:xfrm>
           <a:prstGeom prst="roundRect"/>
           <a:solidFill>
@@ -5783,7 +5809,7 @@
       </p:pic>
       <p:pic>
         <p:nvPicPr>
-          <p:cNvPr id="47" name="그림 18"/>
+          <p:cNvPr id="51" name="그림 16" descr="C:/Users/nwond/AppData/Roaming/PolarisOffice/ETemp/7560_20253696/fImage224217679169.png"/>
           <p:cNvPicPr>
             <a:picLocks noChangeAspect="1"/>
           </p:cNvPicPr>
@@ -5803,8 +5829,8 @@
         </p:blipFill>
         <p:spPr>
           <a:xfrm rot="0">
-            <a:off x="7983855" y="4359275"/>
-            <a:ext cx="631190" cy="357505"/>
+            <a:off x="3407410" y="3021965"/>
+            <a:ext cx="723900" cy="457835"/>
           </a:xfrm>
           <a:prstGeom prst="rect"/>
           <a:noFill/>
@@ -5812,14 +5838,76 @@
       </p:pic>
       <p:pic>
         <p:nvPicPr>
-          <p:cNvPr id="48" name="그림 1" descr="C:/Users/nwond/AppData/Roaming/PolarisOffice/ETemp/15948_24653384/fImage126305041.png"/>
+          <p:cNvPr id="52" name="그림 17" descr="C:/Users/nwond/AppData/Roaming/PolarisOffice/ETemp/7560_20253696/fImage11769878467.png"/>
           <p:cNvPicPr>
             <a:picLocks noChangeAspect="1"/>
           </p:cNvPicPr>
           <p:nvPr/>
         </p:nvPicPr>
         <p:blipFill rotWithShape="1">
-          <a:blip r:embed="rId36" cstate="hqprint">
+          <a:blip r:embed="rId38" cstate="print">
+            <a:extLst>
+              <a:ext uri="{28A0092B-C50C-407E-A947-70E740481C1C}">
+                <a14:useLocalDpi xmlns:a14="http://schemas.microsoft.com/office/drawing/2010/main" val="0"/>
+              </a:ext>
+            </a:extLst>
+          </a:blip>
+          <a:stretch>
+            <a:fillRect/>
+          </a:stretch>
+        </p:blipFill>
+        <p:spPr>
+          <a:xfrm rot="0">
+            <a:off x="6814185" y="1452245"/>
+            <a:ext cx="4140200" cy="1788160"/>
+          </a:xfrm>
+          <a:prstGeom prst="roundRect"/>
+          <a:solidFill>
+            <a:srgbClr val="EDEDED"/>
+          </a:solidFill>
+        </p:spPr>
+      </p:pic>
+      <p:pic>
+        <p:nvPicPr>
+          <p:cNvPr id="53" name="그림 20" descr="C:/Users/nwond/AppData/Roaming/PolarisOffice/ETemp/7560_20253696/fImage5593896334.png"/>
+          <p:cNvPicPr>
+            <a:picLocks noChangeAspect="1"/>
+          </p:cNvPicPr>
+          <p:nvPr/>
+        </p:nvPicPr>
+        <p:blipFill rotWithShape="1">
+          <a:blip r:embed="rId39" cstate="print">
+            <a:extLst>
+              <a:ext uri="{28A0092B-C50C-407E-A947-70E740481C1C}">
+                <a14:useLocalDpi xmlns:a14="http://schemas.microsoft.com/office/drawing/2010/main" val="0"/>
+              </a:ext>
+            </a:extLst>
+          </a:blip>
+          <a:stretch>
+            <a:fillRect/>
+          </a:stretch>
+        </p:blipFill>
+        <p:spPr>
+          <a:xfrm rot="0">
+            <a:off x="6820535" y="3984625"/>
+            <a:ext cx="1434465" cy="1173480"/>
+          </a:xfrm>
+          <a:prstGeom prst="roundRect"/>
+          <a:solidFill>
+            <a:srgbClr val="EDEDED"/>
+          </a:solidFill>
+        </p:spPr>
+      </p:pic>
+      <p:pic>
+        <p:nvPicPr>
+          <p:cNvPr id="47" name="그림 18" descr="C:/Users/nwond/AppData/Roaming/PolarisOffice/ETemp/7560_20253696/fImage224217679169.png"/>
+          <p:cNvPicPr>
+            <a:picLocks noChangeAspect="1"/>
+          </p:cNvPicPr>
+          <p:nvPr/>
+        </p:nvPicPr>
+        <p:blipFill rotWithShape="1">
+          <a:blip r:embed="rId35" cstate="hqprint">
             <a:extLst>
               <a:ext uri="{28A0092B-C50C-407E-A947-70E740481C1C}">
                 <a14:useLocalDpi xmlns:a14="http://schemas.microsoft.com/office/drawing/2010/main"/>
@@ -5832,93 +5920,13 @@
         </p:blipFill>
         <p:spPr>
           <a:xfrm rot="0">
-            <a:off x="6814185" y="1456055"/>
-            <a:ext cx="4140835" cy="1692275"/>
-          </a:xfrm>
-          <a:prstGeom prst="roundRect"/>
-          <a:solidFill>
-            <a:srgbClr val="EDEDED"/>
-          </a:solidFill>
-        </p:spPr>
-      </p:pic>
-      <p:sp>
-        <p:nvSpPr>
-          <p:cNvPr id="49" name="텍스트 상자 4"/>
-          <p:cNvSpPr txBox="1">
-            <a:spLocks/>
-          </p:cNvSpPr>
-          <p:nvPr/>
-        </p:nvSpPr>
-        <p:spPr>
-          <a:xfrm rot="0">
-            <a:off x="6805295" y="5151755"/>
-            <a:ext cx="4153535" cy="954405"/>
+            <a:off x="7903210" y="4328160"/>
+            <a:ext cx="723900" cy="457835"/>
           </a:xfrm>
           <a:prstGeom prst="rect"/>
           <a:noFill/>
-          <a:ln w="0">
-            <a:noFill/>
-            <a:prstDash/>
-          </a:ln>
-        </p:spPr>
-        <p:txBody>
-          <a:bodyPr wrap="square" lIns="89535" tIns="46355" rIns="89535" bIns="46355" numCol="1" vert="horz" anchor="t">
-            <a:spAutoFit/>
-          </a:bodyPr>
-          <a:lstStyle/>
-          <a:p>
-            <a:pPr marL="0" indent="0" rtl="0" algn="l" defTabSz="914400" eaLnBrk="1" latinLnBrk="0" hangingPunct="1">
-              <a:buFontTx/>
-              <a:buNone/>
-            </a:pPr>
-            <a:r>
-              <a:rPr lang="ko-KR" sz="2000" b="1">
-                <a:solidFill>
-                  <a:srgbClr val="0611F2"/>
-                </a:solidFill>
-                <a:latin typeface="맑은 고딕" charset="0"/>
-                <a:ea typeface="맑은 고딕" charset="0"/>
-              </a:rPr>
-              <a:t>3</a:t>
-            </a:r>
-            <a:r>
-              <a:rPr sz="2000" b="1">
-                <a:solidFill>
-                  <a:srgbClr val="0611F2"/>
-                </a:solidFill>
-                <a:latin typeface="맑은 고딕" charset="0"/>
-                <a:ea typeface="맑은 고딕" charset="0"/>
-              </a:rPr>
-              <a:t>.</a:t>
-            </a:r>
-            <a:r>
-              <a:rPr lang="ko-KR" sz="1800">
-                <a:latin typeface="맑은 고딕" charset="0"/>
-                <a:ea typeface="맑은 고딕" charset="0"/>
-              </a:rPr>
-              <a:t> </a:t>
-            </a:r>
-            <a:r>
-              <a:rPr lang="ko-KR" sz="1800">
-                <a:latin typeface="맑은 고딕" charset="0"/>
-                <a:ea typeface="맑은 고딕" charset="0"/>
-              </a:rPr>
-              <a:t>그리고</a:t>
-            </a:r>
-            <a:r>
-              <a:rPr lang="ko-KR" sz="1800">
-                <a:latin typeface="맑은 고딕" charset="0"/>
-                <a:ea typeface="맑은 고딕" charset="0"/>
-              </a:rPr>
-              <a:t> Project 폴더 아래에 있는 Prefabs 폴더에 Prefab Object를 넣어줍니다.  </a:t>
-            </a:r>
-            <a:endParaRPr lang="ko-KR" altLang="en-US" sz="1800">
-              <a:latin typeface="맑은 고딕" charset="0"/>
-              <a:ea typeface="맑은 고딕" charset="0"/>
-            </a:endParaRPr>
-          </a:p>
-        </p:txBody>
-      </p:sp>
+        </p:spPr>
+      </p:pic>
     </p:spTree>
   </p:cSld>
   <p:clrMapOvr>
@@ -6020,7 +6028,7 @@
         <p:spPr>
           <a:xfrm rot="0">
             <a:off x="1243330" y="5228590"/>
-            <a:ext cx="4137660" cy="954405"/>
+            <a:ext cx="4144010" cy="954405"/>
           </a:xfrm>
           <a:prstGeom prst="rect"/>
           <a:noFill/>
@@ -6064,56 +6072,7 @@
                 <a:latin typeface="맑은 고딕" charset="0"/>
                 <a:ea typeface="맑은 고딕" charset="0"/>
               </a:rPr>
-              <a:t>그런 </a:t>
-            </a:r>
-            <a:r>
-              <a:rPr lang="ko-KR" sz="1800">
-                <a:latin typeface="맑은 고딕" charset="0"/>
-                <a:ea typeface="맑은 고딕" charset="0"/>
-              </a:rPr>
-              <a:t>다음 </a:t>
-            </a:r>
-            <a:r>
-              <a:rPr lang="ko-KR" sz="1800">
-                <a:latin typeface="맑은 고딕" charset="0"/>
-                <a:ea typeface="맑은 고딕" charset="0"/>
-              </a:rPr>
-              <a:t>빈 게임 오브젝트를 생성</a:t>
-            </a:r>
-            <a:r>
-              <a:rPr lang="ko-KR" sz="1800">
-                <a:latin typeface="맑은 고딕" charset="0"/>
-                <a:ea typeface="맑은 고딕" charset="0"/>
-              </a:rPr>
-              <a:t>하고</a:t>
-            </a:r>
-            <a:r>
-              <a:rPr lang="ko-KR" sz="1800">
-                <a:latin typeface="맑은 고딕" charset="0"/>
-                <a:ea typeface="맑은 고딕" charset="0"/>
-              </a:rPr>
-              <a:t> Prefab </a:t>
-            </a:r>
-            <a:r>
-              <a:rPr lang="ko-KR" sz="1800">
-                <a:latin typeface="맑은 고딕" charset="0"/>
-                <a:ea typeface="맑은 고딕" charset="0"/>
-              </a:rPr>
-              <a:t>M</a:t>
-            </a:r>
-            <a:r>
-              <a:rPr lang="ko-KR" sz="1800">
-                <a:latin typeface="맑은 고딕" charset="0"/>
-                <a:ea typeface="맑은 고딕" charset="0"/>
-              </a:rPr>
-              <a:t>anager</a:t>
-            </a:r>
-            <a:r>
-              <a:rPr lang="ko-KR" sz="1800">
-                <a:latin typeface="맑은 고딕" charset="0"/>
-                <a:ea typeface="맑은 고딕" charset="0"/>
-              </a:rPr>
-              <a:t>라는 이름으로 정의합니다.</a:t>
+              <a:t>그런 다음 빈 게임 오브젝트를 생성하고 Prefab Manager라는 이름으로 정의합니다.</a:t>
             </a:r>
             <a:endParaRPr lang="ko-KR" altLang="en-US" sz="1800">
               <a:latin typeface="맑은 고딕" charset="0"/>
@@ -6124,7 +6083,7 @@
       </p:sp>
       <p:pic>
         <p:nvPicPr>
-          <p:cNvPr id="48" name="그림 6"/>
+          <p:cNvPr id="48" name="그림 6" descr="C:/Users/nwond/AppData/Roaming/PolarisOffice/ETemp/7560_20253696/fImage85066341.png"/>
           <p:cNvPicPr>
             <a:picLocks noChangeAspect="1"/>
           </p:cNvPicPr>
@@ -6145,38 +6104,7 @@
         <p:spPr>
           <a:xfrm rot="0">
             <a:off x="1240790" y="1452880"/>
-            <a:ext cx="2586355" cy="3575050"/>
-          </a:xfrm>
-          <a:prstGeom prst="roundRect"/>
-          <a:solidFill>
-            <a:srgbClr val="EDEDED"/>
-          </a:solidFill>
-        </p:spPr>
-      </p:pic>
-      <p:pic>
-        <p:nvPicPr>
-          <p:cNvPr id="49" name="그림 8" descr="C:/Users/nwond/AppData/Roaming/PolarisOffice/ETemp/15948_24653384/fImage5452558467.png"/>
-          <p:cNvPicPr>
-            <a:picLocks noChangeAspect="1"/>
-          </p:cNvPicPr>
-          <p:nvPr/>
-        </p:nvPicPr>
-        <p:blipFill rotWithShape="1">
-          <a:blip r:embed="rId28" cstate="hqprint">
-            <a:extLst>
-              <a:ext uri="{28A0092B-C50C-407E-A947-70E740481C1C}">
-                <a14:useLocalDpi xmlns:a14="http://schemas.microsoft.com/office/drawing/2010/main"/>
-              </a:ext>
-            </a:extLst>
-          </a:blip>
-          <a:stretch>
-            <a:fillRect/>
-          </a:stretch>
-        </p:blipFill>
-        <p:spPr>
-          <a:xfrm rot="0">
-            <a:off x="3983990" y="2507615"/>
-            <a:ext cx="1397635" cy="1452880"/>
+            <a:ext cx="2586990" cy="3662045"/>
           </a:xfrm>
           <a:prstGeom prst="roundRect"/>
           <a:solidFill>
@@ -6320,7 +6248,7 @@
       </p:sp>
       <p:pic>
         <p:nvPicPr>
-          <p:cNvPr id="51" name="그림 12" descr="C:/Users/nwond/AppData/Roaming/PolarisOffice/ETemp/15948_24653384/fImage8289576334.png"/>
+          <p:cNvPr id="51" name="그림 12" descr="C:/Users/nwond/AppData/Roaming/PolarisOffice/ETemp/7560_20253696/fImage8289576334.png"/>
           <p:cNvPicPr>
             <a:picLocks noChangeAspect="1"/>
           </p:cNvPicPr>
@@ -6341,7 +6269,7 @@
         <p:spPr>
           <a:xfrm rot="0">
             <a:off x="6826885" y="1455420"/>
-            <a:ext cx="2802890" cy="3534410"/>
+            <a:ext cx="2803525" cy="3659505"/>
           </a:xfrm>
           <a:prstGeom prst="roundRect"/>
           <a:solidFill>
@@ -6351,17 +6279,17 @@
       </p:pic>
       <p:pic>
         <p:nvPicPr>
-          <p:cNvPr id="53" name="그림 14"/>
+          <p:cNvPr id="53" name="그림 14" descr="C:/Users/nwond/AppData/Roaming/PolarisOffice/ETemp/7560_20253696/fImage2692596500.png"/>
           <p:cNvPicPr>
             <a:picLocks noChangeAspect="1"/>
           </p:cNvPicPr>
           <p:nvPr/>
         </p:nvPicPr>
         <p:blipFill rotWithShape="1">
-          <a:blip r:embed="rId30" cstate="print">
+          <a:blip r:embed="rId30" cstate="hqprint">
             <a:extLst>
               <a:ext uri="{28A0092B-C50C-407E-A947-70E740481C1C}">
-                <a14:useLocalDpi xmlns:a14="http://schemas.microsoft.com/office/drawing/2010/main" val="0"/>
+                <a14:useLocalDpi xmlns:a14="http://schemas.microsoft.com/office/drawing/2010/main"/>
               </a:ext>
             </a:extLst>
           </a:blip>
@@ -6371,8 +6299,8 @@
         </p:blipFill>
         <p:spPr>
           <a:xfrm rot="0">
-            <a:off x="10053320" y="2759710"/>
-            <a:ext cx="906780" cy="958215"/>
+            <a:off x="10016490" y="2766060"/>
+            <a:ext cx="944245" cy="1033145"/>
           </a:xfrm>
           <a:prstGeom prst="roundRect"/>
           <a:solidFill>
@@ -6382,7 +6310,7 @@
       </p:pic>
       <p:pic>
         <p:nvPicPr>
-          <p:cNvPr id="52" name="그림 13"/>
+          <p:cNvPr id="52" name="그림 13" descr="C:/Users/nwond/AppData/Roaming/PolarisOffice/ETemp/7560_20253696/fImage224217589169.png"/>
           <p:cNvPicPr>
             <a:picLocks noChangeAspect="1"/>
           </p:cNvPicPr>
@@ -6402,11 +6330,42 @@
         </p:blipFill>
         <p:spPr>
           <a:xfrm rot="0">
-            <a:off x="9206865" y="2945765"/>
-            <a:ext cx="1157605" cy="553085"/>
+            <a:off x="9206865" y="3007995"/>
+            <a:ext cx="1158240" cy="553720"/>
           </a:xfrm>
           <a:prstGeom prst="rect"/>
           <a:noFill/>
+        </p:spPr>
+      </p:pic>
+      <p:pic>
+        <p:nvPicPr>
+          <p:cNvPr id="54" name="그림 23" descr="C:/Users/nwond/AppData/Roaming/PolarisOffice/ETemp/7560_20253696/fImage6354906500.png"/>
+          <p:cNvPicPr>
+            <a:picLocks noChangeAspect="1"/>
+          </p:cNvPicPr>
+          <p:nvPr/>
+        </p:nvPicPr>
+        <p:blipFill rotWithShape="1">
+          <a:blip r:embed="rId32" cstate="print">
+            <a:extLst>
+              <a:ext uri="{28A0092B-C50C-407E-A947-70E740481C1C}">
+                <a14:useLocalDpi xmlns:a14="http://schemas.microsoft.com/office/drawing/2010/main" val="0"/>
+              </a:ext>
+            </a:extLst>
+          </a:blip>
+          <a:stretch>
+            <a:fillRect/>
+          </a:stretch>
+        </p:blipFill>
+        <p:spPr>
+          <a:xfrm rot="0">
+            <a:off x="3983990" y="2544445"/>
+            <a:ext cx="1403350" cy="1477645"/>
+          </a:xfrm>
+          <a:prstGeom prst="roundRect"/>
+          <a:solidFill>
+            <a:srgbClr val="EDEDED"/>
+          </a:solidFill>
         </p:spPr>
       </p:pic>
     </p:spTree>
@@ -6714,7 +6673,7 @@
       </p:sp>
       <p:pic>
         <p:nvPicPr>
-          <p:cNvPr id="6" name="그림 5"/>
+          <p:cNvPr id="6" name="그림 5" descr="C:/Users/nwond/AppData/Roaming/PolarisOffice/ETemp/7560_20253696/fImage50409605724.png"/>
           <p:cNvPicPr>
             <a:picLocks noChangeAspect="1"/>
           </p:cNvPicPr>
@@ -6734,8 +6693,8 @@
         </p:blipFill>
         <p:spPr>
           <a:xfrm rot="0">
-            <a:off x="1240790" y="2545715"/>
-            <a:ext cx="4128135" cy="2525395"/>
+            <a:off x="1240790" y="2402205"/>
+            <a:ext cx="4128770" cy="2805430"/>
           </a:xfrm>
           <a:prstGeom prst="roundRect"/>
           <a:solidFill>
@@ -6753,8 +6712,8 @@
         </p:nvSpPr>
         <p:spPr>
           <a:xfrm rot="0">
-            <a:off x="6830695" y="5259070"/>
-            <a:ext cx="4130040" cy="923925"/>
+            <a:off x="6837045" y="5259070"/>
+            <a:ext cx="4117340" cy="923925"/>
           </a:xfrm>
           <a:prstGeom prst="rect"/>
           <a:noFill/>
@@ -6764,7 +6723,7 @@
           </a:ln>
         </p:spPr>
         <p:txBody>
-          <a:bodyPr wrap="square" lIns="89535" tIns="46355" rIns="89535" bIns="46355" vert="horz" anchor="t">
+          <a:bodyPr wrap="square" lIns="89535" tIns="46355" rIns="89535" bIns="46355" numCol="1" vert="horz" anchor="t">
             <a:spAutoFit/>
           </a:bodyPr>
           <a:lstStyle/>
@@ -6798,91 +6757,49 @@
                 <a:latin typeface="맑은 고딕" charset="0"/>
                 <a:ea typeface="맑은 고딕" charset="0"/>
               </a:rPr>
+              <a:t> 그</a:t>
+            </a:r>
+            <a:r>
+              <a:rPr lang="ko-KR" sz="1800">
+                <a:latin typeface="맑은 고딕" charset="0"/>
+                <a:ea typeface="맑은 고딕" charset="0"/>
+              </a:rPr>
+              <a:t>러고 나서 </a:t>
+            </a:r>
+            <a:r>
+              <a:rPr sz="1800">
+                <a:latin typeface="맑은 고딕" charset="0"/>
+                <a:ea typeface="맑은 고딕" charset="0"/>
+              </a:rPr>
+              <a:t>C# Script를 생성</a:t>
+            </a:r>
+            <a:r>
+              <a:rPr lang="ko-KR" sz="1800">
+                <a:latin typeface="맑은 고딕" charset="0"/>
+                <a:ea typeface="맑은 고딕" charset="0"/>
+              </a:rPr>
+              <a:t>한 다음</a:t>
+            </a:r>
+            <a:r>
+              <a:rPr sz="1800">
+                <a:latin typeface="맑은 고딕" charset="0"/>
+                <a:ea typeface="맑은 고딕" charset="0"/>
+              </a:rPr>
               <a:t> </a:t>
             </a:r>
             <a:r>
-              <a:rPr sz="1800">
-                <a:latin typeface="맑은 고딕" charset="0"/>
-                <a:ea typeface="맑은 고딕" charset="0"/>
-              </a:rPr>
-              <a:t>그</a:t>
-            </a:r>
-            <a:r>
-              <a:rPr lang="ko-KR" sz="1800">
-                <a:latin typeface="맑은 고딕" charset="0"/>
-                <a:ea typeface="맑은 고딕" charset="0"/>
-              </a:rPr>
-              <a:t>러고 </a:t>
-            </a:r>
-            <a:r>
-              <a:rPr lang="ko-KR" sz="1800">
-                <a:latin typeface="맑은 고딕" charset="0"/>
-                <a:ea typeface="맑은 고딕" charset="0"/>
-              </a:rPr>
-              <a:t>나서</a:t>
-            </a:r>
-            <a:r>
-              <a:rPr lang="ko-KR" sz="1800">
-                <a:latin typeface="맑은 고딕" charset="0"/>
-                <a:ea typeface="맑은 고딕" charset="0"/>
-              </a:rPr>
-              <a:t> </a:t>
-            </a:r>
-            <a:r>
-              <a:rPr sz="1800">
-                <a:latin typeface="맑은 고딕" charset="0"/>
-                <a:ea typeface="맑은 고딕" charset="0"/>
-              </a:rPr>
-              <a:t>C# Script를 생성</a:t>
-            </a:r>
-            <a:r>
-              <a:rPr lang="ko-KR" sz="1800">
-                <a:latin typeface="맑은 고딕" charset="0"/>
-                <a:ea typeface="맑은 고딕" charset="0"/>
-              </a:rPr>
-              <a:t>한 </a:t>
-            </a:r>
-            <a:r>
-              <a:rPr lang="ko-KR" sz="1800">
-                <a:latin typeface="맑은 고딕" charset="0"/>
-                <a:ea typeface="맑은 고딕" charset="0"/>
-              </a:rPr>
-              <a:t>다음</a:t>
-            </a:r>
-            <a:r>
-              <a:rPr sz="1800">
-                <a:latin typeface="맑은 고딕" charset="0"/>
-                <a:ea typeface="맑은 고딕" charset="0"/>
-              </a:rPr>
-              <a:t> </a:t>
-            </a:r>
-            <a:r>
-              <a:rPr lang="ko-KR" sz="1800">
-                <a:latin typeface="맑은 고딕" charset="0"/>
-                <a:ea typeface="맑은 고딕" charset="0"/>
-              </a:rPr>
-              <a:t>S</a:t>
-            </a:r>
-            <a:r>
-              <a:rPr lang="ko-KR" sz="1800">
-                <a:latin typeface="맑은 고딕" charset="0"/>
-                <a:ea typeface="맑은 고딕" charset="0"/>
-              </a:rPr>
-              <a:t>electable</a:t>
-            </a:r>
-            <a:r>
-              <a:rPr lang="ko-KR" sz="1800">
-                <a:latin typeface="맑은 고딕" charset="0"/>
-                <a:ea typeface="맑은 고딕" charset="0"/>
-              </a:rPr>
-              <a:t> </a:t>
-            </a:r>
-            <a:r>
-              <a:rPr sz="1800">
-                <a:latin typeface="맑은 고딕" charset="0"/>
-                <a:ea typeface="맑은 고딕" charset="0"/>
-              </a:rPr>
-              <a:t>이</a:t>
+              <a:rPr lang="ko-KR" sz="1800">
+                <a:latin typeface="맑은 고딕" charset="0"/>
+                <a:ea typeface="맑은 고딕" charset="0"/>
+              </a:rPr>
+              <a:t>P</a:t>
+            </a:r>
+            <a:r>
+              <a:rPr lang="ko-KR" sz="1800">
+                <a:latin typeface="맑은 고딕" charset="0"/>
+                <a:ea typeface="맑은 고딕" charset="0"/>
+              </a:rPr>
+              <a:t>refabManager</a:t>
             </a:r>
             <a:r>
               <a:rPr sz="1800">
@@ -6900,7 +6817,7 @@
       </p:sp>
       <p:pic>
         <p:nvPicPr>
-          <p:cNvPr id="8" name="그림 20"/>
+          <p:cNvPr id="8" name="그림 20" descr="C:/Users/nwond/AppData/Roaming/PolarisOffice/ETemp/7560_20253696/fImage8289635724.png"/>
           <p:cNvPicPr>
             <a:picLocks noChangeAspect="1"/>
           </p:cNvPicPr>
@@ -6920,8 +6837,8 @@
         </p:blipFill>
         <p:spPr>
           <a:xfrm rot="0">
-            <a:off x="6837680" y="1455420"/>
-            <a:ext cx="2791460" cy="3533775"/>
+            <a:off x="6837680" y="1442720"/>
+            <a:ext cx="2792095" cy="3677920"/>
           </a:xfrm>
           <a:prstGeom prst="roundRect"/>
           <a:solidFill>
@@ -6931,17 +6848,17 @@
       </p:pic>
       <p:pic>
         <p:nvPicPr>
-          <p:cNvPr id="11" name="그림 27"/>
+          <p:cNvPr id="11" name="그림 27" descr="C:/Users/nwond/AppData/Roaming/PolarisOffice/ETemp/7560_20253696/fImage26771541478.png"/>
           <p:cNvPicPr>
             <a:picLocks noChangeAspect="1"/>
           </p:cNvPicPr>
           <p:nvPr/>
         </p:nvPicPr>
         <p:blipFill rotWithShape="1">
-          <a:blip r:embed="rId8" cstate="print">
+          <a:blip r:embed="rId8" cstate="hqprint">
             <a:extLst>
               <a:ext uri="{28A0092B-C50C-407E-A947-70E740481C1C}">
-                <a14:useLocalDpi xmlns:a14="http://schemas.microsoft.com/office/drawing/2010/main" val="0"/>
+                <a14:useLocalDpi xmlns:a14="http://schemas.microsoft.com/office/drawing/2010/main"/>
               </a:ext>
             </a:extLst>
           </a:blip>
@@ -6951,8 +6868,8 @@
         </p:blipFill>
         <p:spPr>
           <a:xfrm rot="0">
-            <a:off x="10058400" y="2743835"/>
-            <a:ext cx="901700" cy="949960"/>
+            <a:off x="9942195" y="2761615"/>
+            <a:ext cx="1012190" cy="1105535"/>
           </a:xfrm>
           <a:prstGeom prst="roundRect"/>
           <a:solidFill>
@@ -6962,7 +6879,7 @@
       </p:pic>
       <p:pic>
         <p:nvPicPr>
-          <p:cNvPr id="10" name="그림 22"/>
+          <p:cNvPr id="10" name="그림 22" descr="C:/Users/nwond/AppData/Roaming/PolarisOffice/ETemp/7560_20253696/fImage224217659358.png"/>
           <p:cNvPicPr>
             <a:picLocks noChangeAspect="1"/>
           </p:cNvPicPr>
@@ -6982,8 +6899,8 @@
         </p:blipFill>
         <p:spPr>
           <a:xfrm rot="0">
-            <a:off x="9206865" y="2945765"/>
-            <a:ext cx="1157605" cy="553085"/>
+            <a:off x="9187815" y="3001645"/>
+            <a:ext cx="1158240" cy="553720"/>
           </a:xfrm>
           <a:prstGeom prst="rect"/>
           <a:noFill/>
@@ -7099,8 +7016,8 @@
         </p:nvSpPr>
         <p:spPr>
           <a:xfrm rot="0">
-            <a:off x="1249045" y="5259070"/>
-            <a:ext cx="4131945" cy="923925"/>
+            <a:off x="1255395" y="5284470"/>
+            <a:ext cx="4132580" cy="924560"/>
           </a:xfrm>
           <a:prstGeom prst="rect"/>
           <a:noFill/>
@@ -7170,8 +7087,8 @@
         </p:nvSpPr>
         <p:spPr>
           <a:xfrm rot="0">
-            <a:off x="6830695" y="2951480"/>
-            <a:ext cx="4130040" cy="923925"/>
+            <a:off x="6830695" y="3101340"/>
+            <a:ext cx="4130675" cy="924560"/>
           </a:xfrm>
           <a:prstGeom prst="rect"/>
           <a:noFill/>
@@ -7181,7 +7098,7 @@
           </a:ln>
         </p:spPr>
         <p:txBody>
-          <a:bodyPr wrap="square" lIns="89535" tIns="46355" rIns="89535" bIns="46355" vert="horz" anchor="t">
+          <a:bodyPr wrap="square" lIns="89535" tIns="46355" rIns="89535" bIns="46355" numCol="1" vert="horz" anchor="t">
             <a:spAutoFit/>
           </a:bodyPr>
           <a:lstStyle/>
@@ -7215,84 +7132,14 @@
                 <a:latin typeface="맑은 고딕" charset="0"/>
                 <a:ea typeface="맑은 고딕" charset="0"/>
               </a:rPr>
-              <a:t> </a:t>
-            </a:r>
-            <a:r>
-              <a:rPr sz="1800">
-                <a:latin typeface="맑은 고딕" charset="0"/>
-                <a:ea typeface="맑은 고딕" charset="0"/>
-              </a:rPr>
-              <a:t>그</a:t>
-            </a:r>
-            <a:r>
-              <a:rPr lang="ko-KR" sz="1800">
-                <a:latin typeface="맑은 고딕" charset="0"/>
-                <a:ea typeface="맑은 고딕" charset="0"/>
-              </a:rPr>
-              <a:t>런 </a:t>
-            </a:r>
-            <a:r>
-              <a:rPr lang="ko-KR" sz="1800">
-                <a:latin typeface="맑은 고딕" charset="0"/>
-                <a:ea typeface="맑은 고딕" charset="0"/>
-              </a:rPr>
-              <a:t>다음</a:t>
-            </a:r>
-            <a:r>
-              <a:rPr lang="ko-KR" sz="1800">
-                <a:latin typeface="맑은 고딕" charset="0"/>
-                <a:ea typeface="맑은 고딕" charset="0"/>
-              </a:rPr>
-              <a:t> P</a:t>
-            </a:r>
-            <a:r>
-              <a:rPr lang="ko-KR" sz="1800">
-                <a:latin typeface="맑은 고딕" charset="0"/>
-                <a:ea typeface="맑은 고딕" charset="0"/>
-              </a:rPr>
-              <a:t>refa</a:t>
-            </a:r>
-            <a:r>
-              <a:rPr lang="ko-KR" sz="1800">
-                <a:latin typeface="맑은 고딕" charset="0"/>
-                <a:ea typeface="맑은 고딕" charset="0"/>
-              </a:rPr>
-              <a:t>b</a:t>
-            </a:r>
-            <a:r>
-              <a:rPr lang="ko-KR" sz="1800">
-                <a:latin typeface="맑은 고딕" charset="0"/>
-                <a:ea typeface="맑은 고딕" charset="0"/>
-              </a:rPr>
-              <a:t> Manager 오브젝트에 Pre</a:t>
-            </a:r>
-            <a:r>
-              <a:rPr lang="ko-KR" sz="1800">
-                <a:latin typeface="맑은 고딕" charset="0"/>
-                <a:ea typeface="맑은 고딕" charset="0"/>
-              </a:rPr>
-              <a:t>f</a:t>
-            </a:r>
-            <a:r>
-              <a:rPr lang="ko-KR" sz="1800">
-                <a:latin typeface="맑은 고딕" charset="0"/>
-                <a:ea typeface="맑은 고딕" charset="0"/>
-              </a:rPr>
-              <a:t>ab</a:t>
-            </a:r>
-            <a:r>
-              <a:rPr lang="ko-KR" sz="1800">
-                <a:latin typeface="맑은 고딕" charset="0"/>
-                <a:ea typeface="맑은 고딕" charset="0"/>
-              </a:rPr>
-              <a:t>M</a:t>
-            </a:r>
-            <a:r>
-              <a:rPr lang="ko-KR" sz="1800">
-                <a:latin typeface="맑은 고딕" charset="0"/>
-                <a:ea typeface="맑은 고딕" charset="0"/>
-              </a:rPr>
-              <a:t>anager 스크립트를 넣어줍니다.</a:t>
+              <a:t> 그</a:t>
+            </a:r>
+            <a:r>
+              <a:rPr lang="ko-KR" sz="1800">
+                <a:latin typeface="맑은 고딕" charset="0"/>
+                <a:ea typeface="맑은 고딕" charset="0"/>
+              </a:rPr>
+              <a:t>런 다음 Prefab Manager 오브젝트에 PrefabManager 스크립트를 넣어줍니다.</a:t>
             </a:r>
             <a:endParaRPr lang="ko-KR" altLang="en-US" sz="1800">
               <a:latin typeface="맑은 고딕" charset="0"/>
@@ -7301,16 +7148,191 @@
           </a:p>
         </p:txBody>
       </p:sp>
+      <p:sp>
+        <p:nvSpPr>
+          <p:cNvPr id="14" name="텍스트 상자 34"/>
+          <p:cNvSpPr txBox="1">
+            <a:spLocks/>
+          </p:cNvSpPr>
+          <p:nvPr/>
+        </p:nvSpPr>
+        <p:spPr>
+          <a:xfrm rot="0">
+            <a:off x="6832600" y="5559425"/>
+            <a:ext cx="4121785" cy="647065"/>
+          </a:xfrm>
+          <a:prstGeom prst="rect"/>
+          <a:noFill/>
+          <a:ln w="0">
+            <a:noFill/>
+            <a:prstDash/>
+          </a:ln>
+        </p:spPr>
+        <p:txBody>
+          <a:bodyPr wrap="square" lIns="89535" tIns="46355" rIns="89535" bIns="46355" numCol="1" vert="horz" anchor="t">
+            <a:spAutoFit/>
+          </a:bodyPr>
+          <a:lstStyle/>
+          <a:p>
+            <a:pPr marL="0" indent="0" rtl="0" algn="l" defTabSz="914400" eaLnBrk="1" latinLnBrk="0" hangingPunct="1">
+              <a:buFontTx/>
+              <a:buNone/>
+            </a:pPr>
+            <a:r>
+              <a:rPr lang="ko-KR" sz="1800" b="1">
+                <a:solidFill>
+                  <a:srgbClr val="0611F2"/>
+                </a:solidFill>
+                <a:latin typeface="맑은 고딕" charset="0"/>
+                <a:ea typeface="맑은 고딕" charset="0"/>
+              </a:rPr>
+              <a:t>9</a:t>
+            </a:r>
+            <a:r>
+              <a:rPr sz="1800" b="1">
+                <a:solidFill>
+                  <a:srgbClr val="0611F2"/>
+                </a:solidFill>
+                <a:latin typeface="맑은 고딕" charset="0"/>
+                <a:ea typeface="맑은 고딕" charset="0"/>
+              </a:rPr>
+              <a:t>.</a:t>
+            </a:r>
+            <a:r>
+              <a:rPr sz="1800">
+                <a:latin typeface="맑은 고딕" charset="0"/>
+                <a:ea typeface="맑은 고딕" charset="0"/>
+              </a:rPr>
+              <a:t> 그</a:t>
+            </a:r>
+            <a:r>
+              <a:rPr lang="ko-KR" sz="1800">
+                <a:latin typeface="맑은 고딕" charset="0"/>
+                <a:ea typeface="맑은 고딕" charset="0"/>
+              </a:rPr>
+              <a:t>다음</a:t>
+            </a:r>
+            <a:r>
+              <a:rPr lang="ko-KR" sz="1800">
+                <a:latin typeface="맑은 고딕" charset="0"/>
+                <a:ea typeface="맑은 고딕" charset="0"/>
+              </a:rPr>
+              <a:t>으로</a:t>
+            </a:r>
+            <a:r>
+              <a:rPr lang="ko-KR" sz="1800">
+                <a:latin typeface="맑은 고딕" charset="0"/>
+                <a:ea typeface="맑은 고딕" charset="0"/>
+              </a:rPr>
+              <a:t> Selectable 스크립트에 Texture2D 변수</a:t>
+            </a:r>
+            <a:r>
+              <a:rPr lang="ko-KR" sz="1800">
+                <a:latin typeface="맑은 고딕" charset="0"/>
+                <a:ea typeface="맑은 고딕" charset="0"/>
+              </a:rPr>
+              <a:t>를</a:t>
+            </a:r>
+            <a:r>
+              <a:rPr lang="ko-KR" sz="1800">
+                <a:latin typeface="맑은 고딕" charset="0"/>
+                <a:ea typeface="맑은 고딕" charset="0"/>
+              </a:rPr>
+              <a:t> </a:t>
+            </a:r>
+            <a:r>
+              <a:rPr lang="ko-KR" sz="1800">
+                <a:latin typeface="맑은 고딕" charset="0"/>
+                <a:ea typeface="맑은 고딕" charset="0"/>
+              </a:rPr>
+              <a:t>선언</a:t>
+            </a:r>
+            <a:r>
+              <a:rPr lang="ko-KR" sz="1800">
+                <a:latin typeface="맑은 고딕" charset="0"/>
+                <a:ea typeface="맑은 고딕" charset="0"/>
+              </a:rPr>
+              <a:t>합니다.</a:t>
+            </a:r>
+            <a:endParaRPr lang="ko-KR" altLang="en-US" sz="1800">
+              <a:latin typeface="맑은 고딕" charset="0"/>
+              <a:ea typeface="맑은 고딕" charset="0"/>
+            </a:endParaRPr>
+          </a:p>
+        </p:txBody>
+      </p:sp>
       <p:pic>
         <p:nvPicPr>
-          <p:cNvPr id="13" name="그림 31"/>
+          <p:cNvPr id="15" name="그림 35" descr="C:/Users/nwond/AppData/Roaming/PolarisOffice/ETemp/7560_20253696/fImage51331665705.png"/>
           <p:cNvPicPr>
             <a:picLocks noChangeAspect="1"/>
           </p:cNvPicPr>
           <p:nvPr/>
         </p:nvPicPr>
         <p:blipFill rotWithShape="1">
-          <a:blip r:embed="rId3" cstate="print">
+          <a:blip r:embed="rId4" cstate="hqprint">
+            <a:extLst>
+              <a:ext uri="{28A0092B-C50C-407E-A947-70E740481C1C}">
+                <a14:useLocalDpi xmlns:a14="http://schemas.microsoft.com/office/drawing/2010/main"/>
+              </a:ext>
+            </a:extLst>
+          </a:blip>
+          <a:stretch>
+            <a:fillRect/>
+          </a:stretch>
+        </p:blipFill>
+        <p:spPr>
+          <a:xfrm rot="0">
+            <a:off x="6835775" y="1458595"/>
+            <a:ext cx="4125595" cy="1620520"/>
+          </a:xfrm>
+          <a:prstGeom prst="roundRect"/>
+          <a:solidFill>
+            <a:srgbClr val="EDEDED"/>
+          </a:solidFill>
+        </p:spPr>
+      </p:pic>
+      <p:pic>
+        <p:nvPicPr>
+          <p:cNvPr id="16" name="그림 1" descr="C:/Users/nwond/AppData/Roaming/PolarisOffice/ETemp/7560_20253696/fImage371058241.png"/>
+          <p:cNvPicPr>
+            <a:picLocks noChangeAspect="1"/>
+          </p:cNvPicPr>
+          <p:nvPr/>
+        </p:nvPicPr>
+        <p:blipFill rotWithShape="1">
+          <a:blip r:embed="rId5" cstate="hqprint">
+            <a:extLst>
+              <a:ext uri="{28A0092B-C50C-407E-A947-70E740481C1C}">
+                <a14:useLocalDpi xmlns:a14="http://schemas.microsoft.com/office/drawing/2010/main"/>
+              </a:ext>
+            </a:extLst>
+          </a:blip>
+          <a:stretch>
+            <a:fillRect/>
+          </a:stretch>
+        </p:blipFill>
+        <p:spPr>
+          <a:xfrm rot="0">
+            <a:off x="1253490" y="1460500"/>
+            <a:ext cx="4128770" cy="3697605"/>
+          </a:xfrm>
+          <a:prstGeom prst="roundRect"/>
+          <a:solidFill>
+            <a:srgbClr val="EDEDED"/>
+          </a:solidFill>
+        </p:spPr>
+      </p:pic>
+      <p:pic>
+        <p:nvPicPr>
+          <p:cNvPr id="17" name="그림 26" descr="C:/Users/nwond/AppData/Roaming/PolarisOffice/ETemp/7560_20253696/fImage65880919169.png"/>
+          <p:cNvPicPr>
+            <a:picLocks noChangeAspect="1"/>
+          </p:cNvPicPr>
+          <p:nvPr/>
+        </p:nvPicPr>
+        <p:blipFill rotWithShape="1">
+          <a:blip r:embed="rId6" cstate="print">
             <a:extLst>
               <a:ext uri="{28A0092B-C50C-407E-A947-70E740481C1C}">
                 <a14:useLocalDpi xmlns:a14="http://schemas.microsoft.com/office/drawing/2010/main" val="0"/>
@@ -7323,162 +7345,8 @@
         </p:blipFill>
         <p:spPr>
           <a:xfrm rot="0">
-            <a:off x="6833235" y="3971925"/>
-            <a:ext cx="4127500" cy="1471930"/>
-          </a:xfrm>
-          <a:prstGeom prst="roundRect"/>
-          <a:solidFill>
-            <a:srgbClr val="EDEDED"/>
-          </a:solidFill>
-        </p:spPr>
-      </p:pic>
-      <p:sp>
-        <p:nvSpPr>
-          <p:cNvPr id="14" name="텍스트 상자 34"/>
-          <p:cNvSpPr txBox="1">
-            <a:spLocks/>
-          </p:cNvSpPr>
-          <p:nvPr/>
-        </p:nvSpPr>
-        <p:spPr>
-          <a:xfrm rot="0">
-            <a:off x="6838950" y="5534025"/>
-            <a:ext cx="4127500" cy="647065"/>
-          </a:xfrm>
-          <a:prstGeom prst="rect"/>
-          <a:noFill/>
-          <a:ln w="0">
-            <a:noFill/>
-            <a:prstDash/>
-          </a:ln>
-        </p:spPr>
-        <p:txBody>
-          <a:bodyPr wrap="square" lIns="89535" tIns="46355" rIns="89535" bIns="46355" vert="horz" anchor="t">
-            <a:spAutoFit/>
-          </a:bodyPr>
-          <a:lstStyle/>
-          <a:p>
-            <a:pPr marL="0" indent="0" rtl="0" algn="l" defTabSz="914400" eaLnBrk="1" latinLnBrk="0" hangingPunct="1">
-              <a:buFontTx/>
-              <a:buNone/>
-            </a:pPr>
-            <a:r>
-              <a:rPr lang="ko-KR" sz="1800" b="1">
-                <a:solidFill>
-                  <a:srgbClr val="0611F2"/>
-                </a:solidFill>
-                <a:latin typeface="맑은 고딕" charset="0"/>
-                <a:ea typeface="맑은 고딕" charset="0"/>
-              </a:rPr>
-              <a:t>9</a:t>
-            </a:r>
-            <a:r>
-              <a:rPr sz="1800" b="1">
-                <a:solidFill>
-                  <a:srgbClr val="0611F2"/>
-                </a:solidFill>
-                <a:latin typeface="맑은 고딕" charset="0"/>
-                <a:ea typeface="맑은 고딕" charset="0"/>
-              </a:rPr>
-              <a:t>.</a:t>
-            </a:r>
-            <a:r>
-              <a:rPr sz="1800">
-                <a:latin typeface="맑은 고딕" charset="0"/>
-                <a:ea typeface="맑은 고딕" charset="0"/>
-              </a:rPr>
-              <a:t> </a:t>
-            </a:r>
-            <a:r>
-              <a:rPr sz="1800">
-                <a:latin typeface="맑은 고딕" charset="0"/>
-                <a:ea typeface="맑은 고딕" charset="0"/>
-              </a:rPr>
-              <a:t>그</a:t>
-            </a:r>
-            <a:r>
-              <a:rPr lang="ko-KR" sz="1800">
-                <a:latin typeface="맑은 고딕" charset="0"/>
-                <a:ea typeface="맑은 고딕" charset="0"/>
-              </a:rPr>
-              <a:t>다음</a:t>
-            </a:r>
-            <a:r>
-              <a:rPr lang="ko-KR" sz="1800">
-                <a:latin typeface="맑은 고딕" charset="0"/>
-                <a:ea typeface="맑은 고딕" charset="0"/>
-              </a:rPr>
-              <a:t> P</a:t>
-            </a:r>
-            <a:r>
-              <a:rPr lang="ko-KR" sz="1800">
-                <a:latin typeface="맑은 고딕" charset="0"/>
-                <a:ea typeface="맑은 고딕" charset="0"/>
-              </a:rPr>
-              <a:t>refab Manager 오브젝트의 위치와 회전 값을 초기화합니다.</a:t>
-            </a:r>
-            <a:endParaRPr lang="ko-KR" altLang="en-US" sz="1800">
-              <a:latin typeface="맑은 고딕" charset="0"/>
-              <a:ea typeface="맑은 고딕" charset="0"/>
-            </a:endParaRPr>
-          </a:p>
-        </p:txBody>
-      </p:sp>
-      <p:pic>
-        <p:nvPicPr>
-          <p:cNvPr id="15" name="그림 35"/>
-          <p:cNvPicPr>
-            <a:picLocks noChangeAspect="1"/>
-          </p:cNvPicPr>
-          <p:nvPr/>
-        </p:nvPicPr>
-        <p:blipFill rotWithShape="1">
-          <a:blip r:embed="rId4" cstate="print">
-            <a:extLst>
-              <a:ext uri="{28A0092B-C50C-407E-A947-70E740481C1C}">
-                <a14:useLocalDpi xmlns:a14="http://schemas.microsoft.com/office/drawing/2010/main" val="0"/>
-              </a:ext>
-            </a:extLst>
-          </a:blip>
-          <a:stretch>
-            <a:fillRect/>
-          </a:stretch>
-        </p:blipFill>
-        <p:spPr>
-          <a:xfrm rot="0">
-            <a:off x="6835775" y="1452245"/>
-            <a:ext cx="4124960" cy="1421765"/>
-          </a:xfrm>
-          <a:prstGeom prst="roundRect"/>
-          <a:solidFill>
-            <a:srgbClr val="EDEDED"/>
-          </a:solidFill>
-        </p:spPr>
-      </p:pic>
-      <p:pic>
-        <p:nvPicPr>
-          <p:cNvPr id="16" name="그림 1" descr="C:/Users/nwond/AppData/Roaming/PolarisOffice/ETemp/15948_24653384/fImage371058241.png"/>
-          <p:cNvPicPr>
-            <a:picLocks noChangeAspect="1"/>
-          </p:cNvPicPr>
-          <p:nvPr/>
-        </p:nvPicPr>
-        <p:blipFill rotWithShape="1">
-          <a:blip r:embed="rId5" cstate="print">
-            <a:extLst>
-              <a:ext uri="{28A0092B-C50C-407E-A947-70E740481C1C}">
-                <a14:useLocalDpi xmlns:a14="http://schemas.microsoft.com/office/drawing/2010/main" val="0"/>
-              </a:ext>
-            </a:extLst>
-          </a:blip>
-          <a:stretch>
-            <a:fillRect/>
-          </a:stretch>
-        </p:blipFill>
-        <p:spPr>
-          <a:xfrm rot="0">
-            <a:off x="1259840" y="1454150"/>
-            <a:ext cx="4115435" cy="3610610"/>
+            <a:off x="6838950" y="4040505"/>
+            <a:ext cx="4121785" cy="1515110"/>
           </a:xfrm>
           <a:prstGeom prst="roundRect"/>
           <a:solidFill>
@@ -7608,7 +7476,7 @@
       </p:sp>
       <p:sp>
         <p:nvSpPr>
-          <p:cNvPr id="5" name="Rect 0"/>
+          <p:cNvPr id="14" name="Rect 0"/>
           <p:cNvSpPr txBox="1">
             <a:spLocks/>
           </p:cNvSpPr>
@@ -7616,8 +7484,8 @@
         </p:nvSpPr>
         <p:spPr>
           <a:xfrm rot="0">
-            <a:off x="1241425" y="2825115"/>
-            <a:ext cx="4133850" cy="923925"/>
+            <a:off x="6820535" y="5267960"/>
+            <a:ext cx="4128135" cy="923925"/>
           </a:xfrm>
           <a:prstGeom prst="rect"/>
           <a:noFill/>
@@ -7644,7 +7512,17 @@
                 <a:latin typeface="맑은 고딕" charset="0"/>
                 <a:ea typeface="맑은 고딕" charset="0"/>
               </a:rPr>
-              <a:t>10</a:t>
+              <a:t>1</a:t>
+            </a:r>
+            <a:r>
+              <a:rPr lang="ko-KR" sz="1800" b="1">
+                <a:solidFill>
+                  <a:srgbClr val="0611F2"/>
+                </a:solidFill>
+                <a:latin typeface="맑은 고딕" charset="0"/>
+                <a:ea typeface="맑은 고딕" charset="0"/>
+              </a:rPr>
+              <a:t>2</a:t>
             </a:r>
             <a:r>
               <a:rPr sz="1800" b="1">
@@ -7668,84 +7546,98 @@
                 <a:latin typeface="맑은 고딕" charset="0"/>
                 <a:ea typeface="맑은 고딕" charset="0"/>
               </a:rPr>
-              <a:t>그러고 </a:t>
-            </a:r>
-            <a:r>
-              <a:rPr lang="ko-KR" sz="1800">
-                <a:latin typeface="맑은 고딕" charset="0"/>
-                <a:ea typeface="맑은 고딕" charset="0"/>
-              </a:rPr>
-              <a:t>나서</a:t>
-            </a:r>
-            <a:r>
-              <a:rPr lang="ko-KR" sz="1800">
-                <a:latin typeface="맑은 고딕" charset="0"/>
-                <a:ea typeface="맑은 고딕" charset="0"/>
-              </a:rPr>
-              <a:t> S</a:t>
-            </a:r>
-            <a:r>
-              <a:rPr lang="ko-KR" sz="1800">
-                <a:latin typeface="맑은 고딕" charset="0"/>
-                <a:ea typeface="맑은 고딕" charset="0"/>
-              </a:rPr>
-              <a:t>electable </a:t>
-            </a:r>
-            <a:r>
-              <a:rPr lang="ko-KR" sz="1800">
-                <a:latin typeface="맑은 고딕" charset="0"/>
-                <a:ea typeface="맑은 고딕" charset="0"/>
-              </a:rPr>
-              <a:t>스크립트에 </a:t>
-            </a:r>
-            <a:r>
-              <a:rPr lang="ko-KR" sz="1800">
-                <a:latin typeface="맑은 고딕" charset="0"/>
-                <a:ea typeface="맑은 고딕" charset="0"/>
-              </a:rPr>
-              <a:t>Texture2</a:t>
-            </a:r>
-            <a:r>
-              <a:rPr lang="ko-KR" sz="1800">
-                <a:latin typeface="맑은 고딕" charset="0"/>
-                <a:ea typeface="맑은 고딕" charset="0"/>
-              </a:rPr>
-              <a:t>D</a:t>
-            </a:r>
-            <a:r>
-              <a:rPr lang="ko-KR" sz="1800">
-                <a:latin typeface="맑은 고딕" charset="0"/>
-                <a:ea typeface="맑은 고딕" charset="0"/>
-              </a:rPr>
-              <a:t> 변수와 </a:t>
-            </a:r>
-            <a:r>
-              <a:rPr lang="ko-KR" sz="1800">
-                <a:latin typeface="맑은 고딕" charset="0"/>
-                <a:ea typeface="맑은 고딕" charset="0"/>
-              </a:rPr>
-              <a:t>B</a:t>
-            </a:r>
-            <a:r>
-              <a:rPr lang="ko-KR" sz="1800">
-                <a:latin typeface="맑은 고딕" charset="0"/>
-                <a:ea typeface="맑은 고딕" charset="0"/>
-              </a:rPr>
-              <a:t>oxColloder를 </a:t>
-            </a:r>
-            <a:r>
-              <a:rPr lang="ko-KR" sz="1800">
-                <a:latin typeface="맑은 고딕" charset="0"/>
-                <a:ea typeface="맑은 고딕" charset="0"/>
-              </a:rPr>
-              <a:t>추가하도록 </a:t>
-            </a:r>
-            <a:r>
-              <a:rPr lang="ko-KR" sz="1800">
-                <a:latin typeface="맑은 고딕" charset="0"/>
-                <a:ea typeface="맑은 고딕" charset="0"/>
-              </a:rPr>
-              <a:t>설정합니다.</a:t>
+              <a:t>그</a:t>
+            </a:r>
+            <a:r>
+              <a:rPr lang="ko-KR" sz="1800">
+                <a:latin typeface="맑은 고딕" charset="0"/>
+                <a:ea typeface="맑은 고딕" charset="0"/>
+              </a:rPr>
+              <a:t>런 </a:t>
+            </a:r>
+            <a:r>
+              <a:rPr lang="ko-KR" sz="1800">
+                <a:latin typeface="맑은 고딕" charset="0"/>
+                <a:ea typeface="맑은 고딕" charset="0"/>
+              </a:rPr>
+              <a:t>다음</a:t>
+            </a:r>
+            <a:r>
+              <a:rPr lang="ko-KR" sz="1800">
+                <a:latin typeface="맑은 고딕" charset="0"/>
+                <a:ea typeface="맑은 고딕" charset="0"/>
+              </a:rPr>
+              <a:t> </a:t>
+            </a:r>
+            <a:r>
+              <a:rPr lang="ko-KR" sz="1800">
+                <a:latin typeface="맑은 고딕" charset="0"/>
+                <a:ea typeface="맑은 고딕" charset="0"/>
+              </a:rPr>
+              <a:t>O</a:t>
+            </a:r>
+            <a:r>
+              <a:rPr lang="ko-KR" sz="1800">
+                <a:latin typeface="맑은 고딕" charset="0"/>
+                <a:ea typeface="맑은 고딕" charset="0"/>
+              </a:rPr>
+              <a:t>nMouseE</a:t>
+            </a:r>
+            <a:r>
+              <a:rPr lang="ko-KR" sz="1800">
+                <a:latin typeface="맑은 고딕" charset="0"/>
+                <a:ea typeface="맑은 고딕" charset="0"/>
+              </a:rPr>
+              <a:t>x</a:t>
+            </a:r>
+            <a:r>
+              <a:rPr lang="ko-KR" sz="1800">
+                <a:latin typeface="맑은 고딕" charset="0"/>
+                <a:ea typeface="맑은 고딕" charset="0"/>
+              </a:rPr>
+              <a:t>it(</a:t>
+            </a:r>
+            <a:r>
+              <a:rPr lang="ko-KR" sz="1800">
+                <a:latin typeface="맑은 고딕" charset="0"/>
+                <a:ea typeface="맑은 고딕" charset="0"/>
+              </a:rPr>
+              <a:t> </a:t>
+            </a:r>
+            <a:r>
+              <a:rPr lang="ko-KR" sz="1800">
+                <a:latin typeface="맑은 고딕" charset="0"/>
+                <a:ea typeface="맑은 고딕" charset="0"/>
+              </a:rPr>
+              <a:t>)</a:t>
+            </a:r>
+            <a:r>
+              <a:rPr lang="ko-KR" sz="1800">
+                <a:latin typeface="맑은 고딕" charset="0"/>
+                <a:ea typeface="맑은 고딕" charset="0"/>
+              </a:rPr>
+              <a:t> 함수를 </a:t>
+            </a:r>
+            <a:r>
+              <a:rPr lang="ko-KR" sz="1800">
+                <a:latin typeface="맑은 고딕" charset="0"/>
+                <a:ea typeface="맑은 고딕" charset="0"/>
+              </a:rPr>
+              <a:t>선언한 다음 </a:t>
+            </a:r>
+            <a:r>
+              <a:rPr lang="ko-KR" sz="1800">
+                <a:latin typeface="맑은 고딕" charset="0"/>
+                <a:ea typeface="맑은 고딕" charset="0"/>
+              </a:rPr>
+              <a:t>마우스의 </a:t>
+            </a:r>
+            <a:r>
+              <a:rPr lang="ko-KR" sz="1800">
+                <a:latin typeface="맑은 고딕" charset="0"/>
+                <a:ea typeface="맑은 고딕" charset="0"/>
+              </a:rPr>
+              <a:t>커서를 변경하도록 설정합니다.</a:t>
             </a:r>
             <a:endParaRPr lang="ko-KR" altLang="en-US" sz="1800">
               <a:latin typeface="맑은 고딕" charset="0"/>
@@ -7756,7 +7648,7 @@
       </p:sp>
       <p:sp>
         <p:nvSpPr>
-          <p:cNvPr id="14" name="Rect 0"/>
+          <p:cNvPr id="17" name="텍스트 상자 41"/>
           <p:cNvSpPr txBox="1">
             <a:spLocks/>
           </p:cNvSpPr>
@@ -7764,8 +7656,8 @@
         </p:nvSpPr>
         <p:spPr>
           <a:xfrm rot="0">
-            <a:off x="6826885" y="4163060"/>
-            <a:ext cx="4127500" cy="2031365"/>
+            <a:off x="1247140" y="4164330"/>
+            <a:ext cx="4128135" cy="2031365"/>
           </a:xfrm>
           <a:prstGeom prst="rect"/>
           <a:noFill/>
@@ -7792,7 +7684,17 @@
                 <a:latin typeface="맑은 고딕" charset="0"/>
                 <a:ea typeface="맑은 고딕" charset="0"/>
               </a:rPr>
-              <a:t>12</a:t>
+              <a:t>1</a:t>
+            </a:r>
+            <a:r>
+              <a:rPr lang="ko-KR" sz="1800" b="1">
+                <a:solidFill>
+                  <a:srgbClr val="0611F2"/>
+                </a:solidFill>
+                <a:latin typeface="맑은 고딕" charset="0"/>
+                <a:ea typeface="맑은 고딕" charset="0"/>
+              </a:rPr>
+              <a:t>0</a:t>
             </a:r>
             <a:r>
               <a:rPr sz="1800" b="1">
@@ -7816,7 +7718,21 @@
                 <a:latin typeface="맑은 고딕" charset="0"/>
                 <a:ea typeface="맑은 고딕" charset="0"/>
               </a:rPr>
-              <a:t>리고 OnMouseDrag( ) 함수를 선언하고 입력한 마우스의 위치를 설정합니다.</a:t>
+              <a:t>러고 </a:t>
+            </a:r>
+            <a:r>
+              <a:rPr lang="ko-KR" sz="1800">
+                <a:latin typeface="맑은 고딕" charset="0"/>
+                <a:ea typeface="맑은 고딕" charset="0"/>
+              </a:rPr>
+              <a:t>나서</a:t>
+            </a:r>
+            <a:r>
+              <a:rPr lang="ko-KR" sz="1800">
+                <a:latin typeface="맑은 고딕" charset="0"/>
+                <a:ea typeface="맑은 고딕" charset="0"/>
+              </a:rPr>
+              <a:t> OnMouseDrag( ) 함수를 선언하고 입력한 마우스의 위치를 설정합니다.</a:t>
             </a:r>
             <a:endParaRPr lang="ko-KR" altLang="en-US" sz="1800">
               <a:latin typeface="맑은 고딕" charset="0"/>
@@ -7843,7 +7759,14 @@
                 <a:latin typeface="맑은 고딕" charset="0"/>
                 <a:ea typeface="맑은 고딕" charset="0"/>
               </a:rPr>
-              <a:t>그런 다음 마우스 좌표를 변환하여 마우스 위치에 따라 게임 오브젝트가 이동하도록 설정합니다.</a:t>
+              <a:t>이제</a:t>
+            </a:r>
+            <a:r>
+              <a:rPr lang="ko-KR" sz="1800">
+                <a:latin typeface="맑은 고딕" charset="0"/>
+                <a:ea typeface="맑은 고딕" charset="0"/>
+              </a:rPr>
+              <a:t> 마우스 좌표를 변환하여 마우스 위치에 따라 게임 오브젝트가 이동하도록 설정합니다.</a:t>
             </a:r>
             <a:endParaRPr lang="ko-KR" altLang="en-US" sz="1800">
               <a:latin typeface="맑은 고딕" charset="0"/>
@@ -7854,185 +7777,7 @@
       </p:sp>
       <p:pic>
         <p:nvPicPr>
-          <p:cNvPr id="16" name="그림 38"/>
-          <p:cNvPicPr>
-            <a:picLocks noChangeAspect="1"/>
-          </p:cNvPicPr>
-          <p:nvPr/>
-        </p:nvPicPr>
-        <p:blipFill rotWithShape="1">
-          <a:blip r:embed="rId2" cstate="print">
-            <a:extLst>
-              <a:ext uri="{28A0092B-C50C-407E-A947-70E740481C1C}">
-                <a14:useLocalDpi xmlns:a14="http://schemas.microsoft.com/office/drawing/2010/main" val="0"/>
-              </a:ext>
-            </a:extLst>
-          </a:blip>
-          <a:stretch>
-            <a:fillRect/>
-          </a:stretch>
-        </p:blipFill>
-        <p:spPr>
-          <a:xfrm rot="0">
-            <a:off x="1241425" y="1452880"/>
-            <a:ext cx="4133850" cy="1290955"/>
-          </a:xfrm>
-          <a:prstGeom prst="roundRect"/>
-          <a:solidFill>
-            <a:srgbClr val="EDEDED"/>
-          </a:solidFill>
-        </p:spPr>
-      </p:pic>
-      <p:sp>
-        <p:nvSpPr>
-          <p:cNvPr id="17" name="텍스트 상자 41"/>
-          <p:cNvSpPr txBox="1">
-            <a:spLocks/>
-          </p:cNvSpPr>
-          <p:nvPr/>
-        </p:nvSpPr>
-        <p:spPr>
-          <a:xfrm rot="0">
-            <a:off x="1247140" y="5269230"/>
-            <a:ext cx="4124960" cy="923925"/>
-          </a:xfrm>
-          <a:prstGeom prst="rect"/>
-          <a:noFill/>
-          <a:ln w="0">
-            <a:noFill/>
-            <a:prstDash/>
-          </a:ln>
-        </p:spPr>
-        <p:txBody>
-          <a:bodyPr wrap="square" lIns="89535" tIns="46355" rIns="89535" bIns="46355" numCol="1" vert="horz" anchor="t">
-            <a:spAutoFit/>
-          </a:bodyPr>
-          <a:lstStyle/>
-          <a:p>
-            <a:pPr marL="0" indent="0" rtl="0" algn="l" defTabSz="914400" eaLnBrk="1" latinLnBrk="0" hangingPunct="1">
-              <a:buFontTx/>
-              <a:buNone/>
-            </a:pPr>
-            <a:r>
-              <a:rPr lang="ko-KR" sz="1800" b="1">
-                <a:solidFill>
-                  <a:srgbClr val="0611F2"/>
-                </a:solidFill>
-                <a:latin typeface="맑은 고딕" charset="0"/>
-                <a:ea typeface="맑은 고딕" charset="0"/>
-              </a:rPr>
-              <a:t>1</a:t>
-            </a:r>
-            <a:r>
-              <a:rPr lang="ko-KR" sz="1800" b="1">
-                <a:solidFill>
-                  <a:srgbClr val="0611F2"/>
-                </a:solidFill>
-                <a:latin typeface="맑은 고딕" charset="0"/>
-                <a:ea typeface="맑은 고딕" charset="0"/>
-              </a:rPr>
-              <a:t>1</a:t>
-            </a:r>
-            <a:r>
-              <a:rPr sz="1800" b="1">
-                <a:solidFill>
-                  <a:srgbClr val="0611F2"/>
-                </a:solidFill>
-                <a:latin typeface="맑은 고딕" charset="0"/>
-                <a:ea typeface="맑은 고딕" charset="0"/>
-              </a:rPr>
-              <a:t>.</a:t>
-            </a:r>
-            <a:r>
-              <a:rPr sz="1800">
-                <a:latin typeface="맑은 고딕" charset="0"/>
-                <a:ea typeface="맑은 고딕" charset="0"/>
-              </a:rPr>
-              <a:t> </a:t>
-            </a:r>
-            <a:r>
-              <a:rPr lang="ko-KR" sz="1800">
-                <a:latin typeface="맑은 고딕" charset="0"/>
-                <a:ea typeface="맑은 고딕" charset="0"/>
-              </a:rPr>
-              <a:t>이제 S</a:t>
-            </a:r>
-            <a:r>
-              <a:rPr lang="ko-KR" sz="1800">
-                <a:latin typeface="맑은 고딕" charset="0"/>
-                <a:ea typeface="맑은 고딕" charset="0"/>
-              </a:rPr>
-              <a:t>etMouse(</a:t>
-            </a:r>
-            <a:r>
-              <a:rPr lang="ko-KR" sz="1800">
-                <a:latin typeface="맑은 고딕" charset="0"/>
-                <a:ea typeface="맑은 고딕" charset="0"/>
-              </a:rPr>
-              <a:t>s</a:t>
-            </a:r>
-            <a:r>
-              <a:rPr lang="ko-KR" sz="1800">
-                <a:latin typeface="맑은 고딕" charset="0"/>
-                <a:ea typeface="맑은 고딕" charset="0"/>
-              </a:rPr>
-              <a:t>tring)</a:t>
-            </a:r>
-            <a:r>
-              <a:rPr lang="ko-KR" sz="1800">
-                <a:latin typeface="맑은 고딕" charset="0"/>
-                <a:ea typeface="맑은 고딕" charset="0"/>
-              </a:rPr>
-              <a:t> 함수를 선언하고 이미지를 </a:t>
-            </a:r>
-            <a:r>
-              <a:rPr lang="ko-KR" sz="1800">
-                <a:latin typeface="맑은 고딕" charset="0"/>
-                <a:ea typeface="맑은 고딕" charset="0"/>
-              </a:rPr>
-              <a:t>Resources 폴더에서 가져오도록 설정합니다.</a:t>
-            </a:r>
-            <a:endParaRPr lang="ko-KR" altLang="en-US" sz="1800">
-              <a:latin typeface="맑은 고딕" charset="0"/>
-              <a:ea typeface="맑은 고딕" charset="0"/>
-            </a:endParaRPr>
-          </a:p>
-        </p:txBody>
-      </p:sp>
-      <p:pic>
-        <p:nvPicPr>
-          <p:cNvPr id="18" name="그림 45"/>
-          <p:cNvPicPr>
-            <a:picLocks noChangeAspect="1"/>
-          </p:cNvPicPr>
-          <p:nvPr/>
-        </p:nvPicPr>
-        <p:blipFill rotWithShape="1">
-          <a:blip r:embed="rId3" cstate="print">
-            <a:extLst>
-              <a:ext uri="{28A0092B-C50C-407E-A947-70E740481C1C}">
-                <a14:useLocalDpi xmlns:a14="http://schemas.microsoft.com/office/drawing/2010/main" val="0"/>
-              </a:ext>
-            </a:extLst>
-          </a:blip>
-          <a:stretch>
-            <a:fillRect/>
-          </a:stretch>
-        </p:blipFill>
-        <p:spPr>
-          <a:xfrm rot="0">
-            <a:off x="1241425" y="3853815"/>
-            <a:ext cx="4127500" cy="1334770"/>
-          </a:xfrm>
-          <a:prstGeom prst="roundRect"/>
-          <a:solidFill>
-            <a:srgbClr val="EDEDED"/>
-          </a:solidFill>
-        </p:spPr>
-      </p:pic>
-      <p:pic>
-        <p:nvPicPr>
-          <p:cNvPr id="20" name="그림 51" descr="C:/Users/nwond/AppData/Roaming/PolarisOffice/ETemp/15948_24653384/fImage1143551796827.png"/>
+          <p:cNvPr id="21" name="그림 28" descr="C:/Users/nwond/AppData/Roaming/PolarisOffice/ETemp/7560_20253696/fImage1143551796827.png"/>
           <p:cNvPicPr>
             <a:picLocks noChangeAspect="1"/>
           </p:cNvPicPr>
@@ -8052,8 +7797,221 @@
         </p:blipFill>
         <p:spPr>
           <a:xfrm rot="0">
-            <a:off x="6826885" y="1452245"/>
-            <a:ext cx="4127500" cy="2552065"/>
+            <a:off x="1247140" y="1456055"/>
+            <a:ext cx="4133850" cy="2647315"/>
+          </a:xfrm>
+          <a:prstGeom prst="roundRect"/>
+          <a:solidFill>
+            <a:srgbClr val="EDEDED"/>
+          </a:solidFill>
+        </p:spPr>
+      </p:pic>
+      <p:pic>
+        <p:nvPicPr>
+          <p:cNvPr id="22" name="그림 44" descr="C:/Users/nwond/AppData/Roaming/PolarisOffice/ETemp/7560_20253696/fImage800961015724.png"/>
+          <p:cNvPicPr>
+            <a:picLocks noChangeAspect="1"/>
+          </p:cNvPicPr>
+          <p:nvPr/>
+        </p:nvPicPr>
+        <p:blipFill rotWithShape="1">
+          <a:blip r:embed="rId5" cstate="print">
+            <a:extLst>
+              <a:ext uri="{28A0092B-C50C-407E-A947-70E740481C1C}">
+                <a14:useLocalDpi xmlns:a14="http://schemas.microsoft.com/office/drawing/2010/main" val="0"/>
+              </a:ext>
+            </a:extLst>
+          </a:blip>
+          <a:stretch>
+            <a:fillRect/>
+          </a:stretch>
+        </p:blipFill>
+        <p:spPr>
+          <a:xfrm rot="0">
+            <a:off x="6820535" y="1458595"/>
+            <a:ext cx="4127500" cy="1459230"/>
+          </a:xfrm>
+          <a:prstGeom prst="roundRect"/>
+          <a:solidFill>
+            <a:srgbClr val="EDEDED"/>
+          </a:solidFill>
+        </p:spPr>
+      </p:pic>
+      <p:sp>
+        <p:nvSpPr>
+          <p:cNvPr id="23" name="텍스트 상자 47"/>
+          <p:cNvSpPr txBox="1">
+            <a:spLocks/>
+          </p:cNvSpPr>
+          <p:nvPr/>
+        </p:nvSpPr>
+        <p:spPr>
+          <a:xfrm rot="0">
+            <a:off x="6820535" y="2930525"/>
+            <a:ext cx="4135755" cy="923925"/>
+          </a:xfrm>
+          <a:prstGeom prst="rect"/>
+          <a:noFill/>
+          <a:ln w="0">
+            <a:noFill/>
+            <a:prstDash/>
+          </a:ln>
+        </p:spPr>
+        <p:txBody>
+          <a:bodyPr wrap="square" lIns="89535" tIns="46355" rIns="89535" bIns="46355" numCol="1" vert="horz" anchor="t">
+            <a:spAutoFit/>
+          </a:bodyPr>
+          <a:lstStyle/>
+          <a:p>
+            <a:pPr marL="0" indent="0" rtl="0" algn="l" defTabSz="914400" eaLnBrk="1" latinLnBrk="0" hangingPunct="1">
+              <a:buFontTx/>
+              <a:buNone/>
+            </a:pPr>
+            <a:r>
+              <a:rPr lang="ko-KR" sz="1800" b="1">
+                <a:solidFill>
+                  <a:srgbClr val="0611F2"/>
+                </a:solidFill>
+                <a:latin typeface="맑은 고딕" charset="0"/>
+                <a:ea typeface="맑은 고딕" charset="0"/>
+              </a:rPr>
+              <a:t>1</a:t>
+            </a:r>
+            <a:r>
+              <a:rPr lang="ko-KR" sz="1800" b="1">
+                <a:solidFill>
+                  <a:srgbClr val="0611F2"/>
+                </a:solidFill>
+                <a:latin typeface="맑은 고딕" charset="0"/>
+                <a:ea typeface="맑은 고딕" charset="0"/>
+              </a:rPr>
+              <a:t>1</a:t>
+            </a:r>
+            <a:r>
+              <a:rPr sz="1800" b="1">
+                <a:solidFill>
+                  <a:srgbClr val="0611F2"/>
+                </a:solidFill>
+                <a:latin typeface="맑은 고딕" charset="0"/>
+                <a:ea typeface="맑은 고딕" charset="0"/>
+              </a:rPr>
+              <a:t>.</a:t>
+            </a:r>
+            <a:r>
+              <a:rPr sz="1800">
+                <a:latin typeface="맑은 고딕" charset="0"/>
+                <a:ea typeface="맑은 고딕" charset="0"/>
+              </a:rPr>
+              <a:t> </a:t>
+            </a:r>
+            <a:r>
+              <a:rPr lang="ko-KR" sz="1800">
+                <a:latin typeface="맑은 고딕" charset="0"/>
+                <a:ea typeface="맑은 고딕" charset="0"/>
+              </a:rPr>
+              <a:t>그</a:t>
+            </a:r>
+            <a:r>
+              <a:rPr lang="ko-KR" sz="1800">
+                <a:latin typeface="맑은 고딕" charset="0"/>
+                <a:ea typeface="맑은 고딕" charset="0"/>
+              </a:rPr>
+              <a:t>리고</a:t>
+            </a:r>
+            <a:r>
+              <a:rPr lang="ko-KR" sz="1800">
+                <a:latin typeface="맑은 고딕" charset="0"/>
+                <a:ea typeface="맑은 고딕" charset="0"/>
+              </a:rPr>
+              <a:t> </a:t>
+            </a:r>
+            <a:r>
+              <a:rPr lang="ko-KR" sz="1800">
+                <a:latin typeface="맑은 고딕" charset="0"/>
+                <a:ea typeface="맑은 고딕" charset="0"/>
+              </a:rPr>
+              <a:t>O</a:t>
+            </a:r>
+            <a:r>
+              <a:rPr lang="ko-KR" sz="1800">
+                <a:latin typeface="맑은 고딕" charset="0"/>
+                <a:ea typeface="맑은 고딕" charset="0"/>
+              </a:rPr>
+              <a:t>nMouseEnter(</a:t>
+            </a:r>
+            <a:r>
+              <a:rPr lang="ko-KR" sz="1800">
+                <a:latin typeface="맑은 고딕" charset="0"/>
+                <a:ea typeface="맑은 고딕" charset="0"/>
+              </a:rPr>
+              <a:t> </a:t>
+            </a:r>
+            <a:r>
+              <a:rPr lang="ko-KR" sz="1800">
+                <a:latin typeface="맑은 고딕" charset="0"/>
+                <a:ea typeface="맑은 고딕" charset="0"/>
+              </a:rPr>
+              <a:t>)</a:t>
+            </a:r>
+            <a:r>
+              <a:rPr lang="ko-KR" sz="1800">
+                <a:latin typeface="맑은 고딕" charset="0"/>
+                <a:ea typeface="맑은 고딕" charset="0"/>
+              </a:rPr>
+              <a:t> 함수를 </a:t>
+            </a:r>
+            <a:r>
+              <a:rPr lang="ko-KR" sz="1800">
+                <a:latin typeface="맑은 고딕" charset="0"/>
+                <a:ea typeface="맑은 고딕" charset="0"/>
+              </a:rPr>
+              <a:t>선언한 다음 </a:t>
+            </a:r>
+            <a:r>
+              <a:rPr lang="ko-KR" sz="1800">
+                <a:latin typeface="맑은 고딕" charset="0"/>
+                <a:ea typeface="맑은 고딕" charset="0"/>
+              </a:rPr>
+              <a:t>마우스의 </a:t>
+            </a:r>
+            <a:r>
+              <a:rPr lang="ko-KR" sz="1800">
+                <a:latin typeface="맑은 고딕" charset="0"/>
+                <a:ea typeface="맑은 고딕" charset="0"/>
+              </a:rPr>
+              <a:t>커서를 변경하도록 설정합니다.</a:t>
+            </a:r>
+            <a:endParaRPr lang="ko-KR" altLang="en-US" sz="1800">
+              <a:latin typeface="맑은 고딕" charset="0"/>
+              <a:ea typeface="맑은 고딕" charset="0"/>
+            </a:endParaRPr>
+          </a:p>
+        </p:txBody>
+      </p:sp>
+      <p:pic>
+        <p:nvPicPr>
+          <p:cNvPr id="24" name="그림 48" descr="C:/Users/nwond/AppData/Roaming/PolarisOffice/ETemp/7560_20253696/fImage817531031478.png"/>
+          <p:cNvPicPr>
+            <a:picLocks noChangeAspect="1"/>
+          </p:cNvPicPr>
+          <p:nvPr/>
+        </p:nvPicPr>
+        <p:blipFill rotWithShape="1">
+          <a:blip r:embed="rId6" cstate="print">
+            <a:extLst>
+              <a:ext uri="{28A0092B-C50C-407E-A947-70E740481C1C}">
+                <a14:useLocalDpi xmlns:a14="http://schemas.microsoft.com/office/drawing/2010/main" val="0"/>
+              </a:ext>
+            </a:extLst>
+          </a:blip>
+          <a:stretch>
+            <a:fillRect/>
+          </a:stretch>
+        </p:blipFill>
+        <p:spPr>
+          <a:xfrm rot="0">
+            <a:off x="6820535" y="3872865"/>
+            <a:ext cx="4133850" cy="1384300"/>
           </a:xfrm>
           <a:prstGeom prst="roundRect"/>
           <a:solidFill>
@@ -8191,8 +8149,8 @@
         </p:nvSpPr>
         <p:spPr>
           <a:xfrm rot="0">
-            <a:off x="1247775" y="2916555"/>
-            <a:ext cx="4135120" cy="648335"/>
+            <a:off x="1254125" y="3289935"/>
+            <a:ext cx="4133215" cy="647065"/>
           </a:xfrm>
           <a:prstGeom prst="rect"/>
           <a:noFill/>
@@ -8243,7 +8201,28 @@
                 <a:latin typeface="맑은 고딕" charset="0"/>
                 <a:ea typeface="맑은 고딕" charset="0"/>
               </a:rPr>
-              <a:t>그다음으로 Awake( ) 함수에서 SetMouse(string) 함수를 호출합니다.</a:t>
+              <a:t>그다음으로 Prefab </a:t>
+            </a:r>
+            <a:r>
+              <a:rPr lang="ko-KR" sz="1800">
+                <a:latin typeface="맑은 고딕" charset="0"/>
+                <a:ea typeface="맑은 고딕" charset="0"/>
+              </a:rPr>
+              <a:t>오브젝트</a:t>
+            </a:r>
+            <a:r>
+              <a:rPr lang="ko-KR" sz="1800">
+                <a:latin typeface="맑은 고딕" charset="0"/>
+                <a:ea typeface="맑은 고딕" charset="0"/>
+              </a:rPr>
+              <a:t>에 Selectable 스크립트를 </a:t>
+            </a:r>
+            <a:r>
+              <a:rPr lang="ko-KR" sz="1800">
+                <a:latin typeface="맑은 고딕" charset="0"/>
+                <a:ea typeface="맑은 고딕" charset="0"/>
+              </a:rPr>
+              <a:t>추가합니다.</a:t>
             </a:r>
             <a:endParaRPr lang="ko-KR" altLang="en-US" sz="1800">
               <a:latin typeface="맑은 고딕" charset="0"/>
@@ -8323,68 +8302,6 @@
           </a:p>
         </p:txBody>
       </p:sp>
-      <p:pic>
-        <p:nvPicPr>
-          <p:cNvPr id="19" name="Picture "/>
-          <p:cNvPicPr>
-            <a:picLocks noChangeAspect="1"/>
-          </p:cNvPicPr>
-          <p:nvPr/>
-        </p:nvPicPr>
-        <p:blipFill rotWithShape="1">
-          <a:blip r:embed="rId2" cstate="hqprint">
-            <a:extLst>
-              <a:ext uri="{28A0092B-C50C-407E-A947-70E740481C1C}">
-                <a14:useLocalDpi xmlns:a14="http://schemas.microsoft.com/office/drawing/2010/main"/>
-              </a:ext>
-            </a:extLst>
-          </a:blip>
-          <a:stretch>
-            <a:fillRect/>
-          </a:stretch>
-        </p:blipFill>
-        <p:spPr>
-          <a:xfrm rot="0">
-            <a:off x="1247775" y="1446530"/>
-            <a:ext cx="4134485" cy="1334770"/>
-          </a:xfrm>
-          <a:prstGeom prst="roundRect"/>
-          <a:solidFill>
-            <a:srgbClr val="EDEDED"/>
-          </a:solidFill>
-        </p:spPr>
-      </p:pic>
-      <p:pic>
-        <p:nvPicPr>
-          <p:cNvPr id="20" name="그림 1"/>
-          <p:cNvPicPr>
-            <a:picLocks noChangeAspect="1"/>
-          </p:cNvPicPr>
-          <p:nvPr/>
-        </p:nvPicPr>
-        <p:blipFill rotWithShape="1">
-          <a:blip r:embed="rId3" cstate="print">
-            <a:extLst>
-              <a:ext uri="{28A0092B-C50C-407E-A947-70E740481C1C}">
-                <a14:useLocalDpi xmlns:a14="http://schemas.microsoft.com/office/drawing/2010/main" val="0"/>
-              </a:ext>
-            </a:extLst>
-          </a:blip>
-          <a:stretch>
-            <a:fillRect/>
-          </a:stretch>
-        </p:blipFill>
-        <p:spPr>
-          <a:xfrm rot="0">
-            <a:off x="1246505" y="3680460"/>
-            <a:ext cx="4134485" cy="1472565"/>
-          </a:xfrm>
-          <a:prstGeom prst="roundRect"/>
-          <a:solidFill>
-            <a:srgbClr val="EDEDED"/>
-          </a:solidFill>
-        </p:spPr>
-      </p:pic>
       <p:sp>
         <p:nvSpPr>
           <p:cNvPr id="21" name="텍스트 상자 4"/>
@@ -8395,8 +8312,8 @@
         </p:nvSpPr>
         <p:spPr>
           <a:xfrm rot="0">
-            <a:off x="1244600" y="5255260"/>
-            <a:ext cx="4140835" cy="923925"/>
+            <a:off x="1250950" y="5534660"/>
+            <a:ext cx="4141470" cy="647065"/>
           </a:xfrm>
           <a:prstGeom prst="rect"/>
           <a:noFill/>
@@ -8423,27 +8340,7 @@
                 <a:latin typeface="맑은 고딕" charset="0"/>
                 <a:ea typeface="맑은 고딕" charset="0"/>
               </a:rPr>
-              <a:t>1</a:t>
-            </a:r>
-            <a:r>
-              <a:rPr lang="ko-KR" sz="1800" b="1">
-                <a:solidFill>
-                  <a:srgbClr val="0611F2"/>
-                </a:solidFill>
-                <a:latin typeface="맑은 고딕" charset="0"/>
-                <a:ea typeface="맑은 고딕" charset="0"/>
-              </a:rPr>
-              <a:t>4</a:t>
-            </a:r>
-            <a:r>
-              <a:rPr lang="ko-KR" sz="1800" b="1">
-                <a:solidFill>
-                  <a:srgbClr val="0611F2"/>
-                </a:solidFill>
-                <a:latin typeface="맑은 고딕" charset="0"/>
-                <a:ea typeface="맑은 고딕" charset="0"/>
-              </a:rPr>
-              <a:t>.</a:t>
+              <a:t>14.</a:t>
             </a:r>
             <a:r>
               <a:rPr sz="1800">
@@ -8457,14 +8354,7 @@
                 <a:latin typeface="맑은 고딕" charset="0"/>
                 <a:ea typeface="맑은 고딕" charset="0"/>
               </a:rPr>
-              <a:t>러고 </a:t>
-            </a:r>
-            <a:r>
-              <a:rPr lang="ko-KR" sz="1800">
-                <a:latin typeface="맑은 고딕" charset="0"/>
-                <a:ea typeface="맑은 고딕" charset="0"/>
-              </a:rPr>
-              <a:t>나서</a:t>
+              <a:t>러고 나서</a:t>
             </a:r>
             <a:r>
               <a:rPr lang="ko-KR" sz="1800">
@@ -8478,35 +8368,42 @@
                 <a:latin typeface="맑은 고딕" charset="0"/>
                 <a:ea typeface="맑은 고딕" charset="0"/>
               </a:rPr>
-              <a:t>O</a:t>
-            </a:r>
-            <a:r>
-              <a:rPr lang="ko-KR" sz="1800">
-                <a:latin typeface="맑은 고딕" charset="0"/>
-                <a:ea typeface="맑은 고딕" charset="0"/>
-              </a:rPr>
-              <a:t>nMouser</a:t>
-            </a:r>
-            <a:r>
-              <a:rPr lang="ko-KR" sz="1800">
-                <a:latin typeface="맑은 고딕" charset="0"/>
-                <a:ea typeface="맑은 고딕" charset="0"/>
-              </a:rPr>
-              <a:t>E</a:t>
-            </a:r>
-            <a:r>
-              <a:rPr lang="ko-KR" sz="1800">
-                <a:latin typeface="맑은 고딕" charset="0"/>
-                <a:ea typeface="맑은 고딕" charset="0"/>
-              </a:rPr>
-              <a:t>nter</a:t>
-            </a:r>
-            <a:r>
-              <a:rPr lang="ko-KR" sz="1800">
-                <a:latin typeface="맑은 고딕" charset="0"/>
-                <a:ea typeface="맑은 고딕" charset="0"/>
-              </a:rPr>
-              <a:t>( ) 함수에서 SetMouse(string) 함수를 호출합니다.</a:t>
+              <a:t>P</a:t>
+            </a:r>
+            <a:r>
+              <a:rPr lang="ko-KR" sz="1800">
+                <a:latin typeface="맑은 고딕" charset="0"/>
+                <a:ea typeface="맑은 고딕" charset="0"/>
+              </a:rPr>
+              <a:t>r</a:t>
+            </a:r>
+            <a:r>
+              <a:rPr lang="ko-KR" sz="1800">
+                <a:latin typeface="맑은 고딕" charset="0"/>
+                <a:ea typeface="맑은 고딕" charset="0"/>
+              </a:rPr>
+              <a:t>efab Manager 오</a:t>
+            </a:r>
+            <a:r>
+              <a:rPr lang="ko-KR" sz="1800">
+                <a:latin typeface="맑은 고딕" charset="0"/>
+                <a:ea typeface="맑은 고딕" charset="0"/>
+              </a:rPr>
+              <a:t>브젝트의 </a:t>
+            </a:r>
+            <a:r>
+              <a:rPr lang="ko-KR" sz="1800">
+                <a:latin typeface="맑은 고딕" charset="0"/>
+                <a:ea typeface="맑은 고딕" charset="0"/>
+              </a:rPr>
+              <a:t>위치</a:t>
+            </a:r>
+            <a:r>
+              <a:rPr lang="ko-KR" sz="1800">
+                <a:latin typeface="맑은 고딕" charset="0"/>
+                <a:ea typeface="맑은 고딕" charset="0"/>
+              </a:rPr>
+              <a:t> </a:t>
             </a:r>
             <a:endParaRPr lang="ko-KR" altLang="en-US" sz="1800">
               <a:latin typeface="맑은 고딕" charset="0"/>
@@ -8517,7 +8414,7 @@
       </p:sp>
       <p:pic>
         <p:nvPicPr>
-          <p:cNvPr id="22" name="그림 5" descr="C:/Users/nwond/AppData/Roaming/PolarisOffice/ETemp/15948_24653384/fImage30293788467.png"/>
+          <p:cNvPr id="22" name="그림 5"/>
           <p:cNvPicPr>
             <a:picLocks noChangeAspect="1"/>
           </p:cNvPicPr>
@@ -8661,17 +8558,17 @@
       </p:sp>
       <p:pic>
         <p:nvPicPr>
-          <p:cNvPr id="26" name="그림 8" descr="C:/Users/nwond/AppData/Roaming/PolarisOffice/ETemp/15948_24653384/fImage48451678467.png"/>
+          <p:cNvPr id="26" name="그림 8" descr="C:/Users/nwond/AppData/Roaming/PolarisOffice/ETemp/7560_20253696/fImage48451678467.png"/>
           <p:cNvPicPr>
             <a:picLocks noChangeAspect="1"/>
           </p:cNvPicPr>
           <p:nvPr/>
         </p:nvPicPr>
         <p:blipFill rotWithShape="1">
-          <a:blip r:embed="rId7" cstate="print">
+          <a:blip r:embed="rId7" cstate="hqprint">
             <a:extLst>
               <a:ext uri="{28A0092B-C50C-407E-A947-70E740481C1C}">
-                <a14:useLocalDpi xmlns:a14="http://schemas.microsoft.com/office/drawing/2010/main" val="0"/>
+                <a14:useLocalDpi xmlns:a14="http://schemas.microsoft.com/office/drawing/2010/main"/>
               </a:ext>
             </a:extLst>
           </a:blip>
@@ -8681,8 +8578,8 @@
         </p:blipFill>
         <p:spPr>
           <a:xfrm rot="0">
-            <a:off x="6795770" y="3924935"/>
-            <a:ext cx="4158615" cy="1518285"/>
+            <a:off x="1253490" y="1471295"/>
+            <a:ext cx="4128770" cy="1824990"/>
           </a:xfrm>
           <a:prstGeom prst="roundRect"/>
           <a:solidFill>
